--- a/Slides/Module 09 React Hooks.pptx
+++ b/Slides/Module 09 React Hooks.pptx
@@ -5,41 +5,45 @@
     <p:sldMasterId id="2147483648" r:id="rId1"/>
   </p:sldMasterIdLst>
   <p:notesMasterIdLst>
-    <p:notesMasterId r:id="rId34"/>
+    <p:notesMasterId r:id="rId38"/>
   </p:notesMasterIdLst>
   <p:sldIdLst>
     <p:sldId id="404" r:id="rId2"/>
     <p:sldId id="431" r:id="rId3"/>
-    <p:sldId id="427" r:id="rId4"/>
-    <p:sldId id="407" r:id="rId5"/>
-    <p:sldId id="439" r:id="rId6"/>
-    <p:sldId id="408" r:id="rId7"/>
-    <p:sldId id="440" r:id="rId8"/>
-    <p:sldId id="410" r:id="rId9"/>
-    <p:sldId id="441" r:id="rId10"/>
-    <p:sldId id="430" r:id="rId11"/>
-    <p:sldId id="435" r:id="rId12"/>
-    <p:sldId id="414" r:id="rId13"/>
-    <p:sldId id="416" r:id="rId14"/>
-    <p:sldId id="417" r:id="rId15"/>
-    <p:sldId id="438" r:id="rId16"/>
-    <p:sldId id="418" r:id="rId17"/>
-    <p:sldId id="436" r:id="rId18"/>
-    <p:sldId id="437" r:id="rId19"/>
-    <p:sldId id="421" r:id="rId20"/>
-    <p:sldId id="442" r:id="rId21"/>
-    <p:sldId id="424" r:id="rId22"/>
-    <p:sldId id="443" r:id="rId23"/>
-    <p:sldId id="444" r:id="rId24"/>
-    <p:sldId id="445" r:id="rId25"/>
-    <p:sldId id="449" r:id="rId26"/>
-    <p:sldId id="447" r:id="rId27"/>
-    <p:sldId id="276" r:id="rId28"/>
-    <p:sldId id="277" r:id="rId29"/>
-    <p:sldId id="288" r:id="rId30"/>
-    <p:sldId id="537" r:id="rId31"/>
-    <p:sldId id="450" r:id="rId32"/>
-    <p:sldId id="425" r:id="rId33"/>
+    <p:sldId id="538" r:id="rId4"/>
+    <p:sldId id="427" r:id="rId5"/>
+    <p:sldId id="407" r:id="rId6"/>
+    <p:sldId id="439" r:id="rId7"/>
+    <p:sldId id="408" r:id="rId8"/>
+    <p:sldId id="440" r:id="rId9"/>
+    <p:sldId id="410" r:id="rId10"/>
+    <p:sldId id="441" r:id="rId11"/>
+    <p:sldId id="430" r:id="rId12"/>
+    <p:sldId id="435" r:id="rId13"/>
+    <p:sldId id="414" r:id="rId14"/>
+    <p:sldId id="416" r:id="rId15"/>
+    <p:sldId id="417" r:id="rId16"/>
+    <p:sldId id="438" r:id="rId17"/>
+    <p:sldId id="418" r:id="rId18"/>
+    <p:sldId id="436" r:id="rId19"/>
+    <p:sldId id="437" r:id="rId20"/>
+    <p:sldId id="539" r:id="rId21"/>
+    <p:sldId id="421" r:id="rId22"/>
+    <p:sldId id="442" r:id="rId23"/>
+    <p:sldId id="424" r:id="rId24"/>
+    <p:sldId id="443" r:id="rId25"/>
+    <p:sldId id="444" r:id="rId26"/>
+    <p:sldId id="445" r:id="rId27"/>
+    <p:sldId id="449" r:id="rId28"/>
+    <p:sldId id="447" r:id="rId29"/>
+    <p:sldId id="276" r:id="rId30"/>
+    <p:sldId id="277" r:id="rId31"/>
+    <p:sldId id="540" r:id="rId32"/>
+    <p:sldId id="288" r:id="rId33"/>
+    <p:sldId id="541" r:id="rId34"/>
+    <p:sldId id="537" r:id="rId35"/>
+    <p:sldId id="450" r:id="rId36"/>
+    <p:sldId id="425" r:id="rId37"/>
   </p:sldIdLst>
   <p:sldSz cx="12192000" cy="6858000"/>
   <p:notesSz cx="6858000" cy="9144000"/>
@@ -342,46 +346,6 @@
     </a:lvl9pPr>
   </p:defaultTextStyle>
   <p:extLst>
-    <p:ext uri="{521415D9-36F7-43E2-AB2F-B90AF26B5E84}">
-      <p14:sectionLst xmlns:p14="http://schemas.microsoft.com/office/powerpoint/2010/main">
-        <p14:section name="Module 08" id="{87F11A1D-0905-4345-98B2-6DEE278E2564}">
-          <p14:sldIdLst>
-            <p14:sldId id="404"/>
-            <p14:sldId id="431"/>
-            <p14:sldId id="427"/>
-            <p14:sldId id="407"/>
-            <p14:sldId id="439"/>
-            <p14:sldId id="408"/>
-            <p14:sldId id="440"/>
-            <p14:sldId id="410"/>
-            <p14:sldId id="441"/>
-            <p14:sldId id="430"/>
-            <p14:sldId id="435"/>
-            <p14:sldId id="414"/>
-            <p14:sldId id="416"/>
-            <p14:sldId id="417"/>
-            <p14:sldId id="438"/>
-            <p14:sldId id="418"/>
-            <p14:sldId id="436"/>
-            <p14:sldId id="437"/>
-            <p14:sldId id="421"/>
-            <p14:sldId id="442"/>
-            <p14:sldId id="424"/>
-            <p14:sldId id="443"/>
-            <p14:sldId id="444"/>
-            <p14:sldId id="445"/>
-            <p14:sldId id="449"/>
-            <p14:sldId id="447"/>
-            <p14:sldId id="276"/>
-            <p14:sldId id="277"/>
-            <p14:sldId id="288"/>
-            <p14:sldId id="537"/>
-            <p14:sldId id="450"/>
-            <p14:sldId id="425"/>
-          </p14:sldIdLst>
-        </p14:section>
-      </p14:sectionLst>
-    </p:ext>
     <p:ext uri="{EFAFB233-063F-42B5-8137-9DF3F51BA10A}">
       <p15:sldGuideLst xmlns:p15="http://schemas.microsoft.com/office/powerpoint/2012/main"/>
     </p:ext>
@@ -2312,8 +2276,8 @@
   </pc:docChgLst>
   <pc:docChgLst>
     <pc:chgData name="Mitchell Wand" userId="de9b44c55c049659" providerId="LiveId" clId="{97F6A37B-697C-4290-A1B5-0CB4BB45D11B}"/>
-    <pc:docChg chg="undo custSel addSld delSld modSld sldOrd modSection">
-      <pc:chgData name="Mitchell Wand" userId="de9b44c55c049659" providerId="LiveId" clId="{97F6A37B-697C-4290-A1B5-0CB4BB45D11B}" dt="2024-09-29T13:01:24.739" v="2809" actId="20577"/>
+    <pc:docChg chg="undo custSel addSld delSld modSld sldOrd modMainMaster delSection modSection">
+      <pc:chgData name="Mitchell Wand" userId="de9b44c55c049659" providerId="LiveId" clId="{97F6A37B-697C-4290-A1B5-0CB4BB45D11B}" dt="2024-10-15T02:07:38.847" v="2945" actId="700"/>
       <pc:docMkLst>
         <pc:docMk/>
       </pc:docMkLst>
@@ -2404,6 +2368,37 @@
           <pc:docMk/>
           <pc:sldMk cId="2690522714" sldId="386"/>
         </pc:sldMkLst>
+      </pc:sldChg>
+      <pc:sldChg chg="modSp mod chgLayout">
+        <pc:chgData name="Mitchell Wand" userId="de9b44c55c049659" providerId="LiveId" clId="{97F6A37B-697C-4290-A1B5-0CB4BB45D11B}" dt="2024-10-15T02:07:38.847" v="2945" actId="700"/>
+        <pc:sldMkLst>
+          <pc:docMk/>
+          <pc:sldMk cId="3856103181" sldId="404"/>
+        </pc:sldMkLst>
+        <pc:spChg chg="mod ord">
+          <ac:chgData name="Mitchell Wand" userId="de9b44c55c049659" providerId="LiveId" clId="{97F6A37B-697C-4290-A1B5-0CB4BB45D11B}" dt="2024-10-15T02:07:38.847" v="2945" actId="700"/>
+          <ac:spMkLst>
+            <pc:docMk/>
+            <pc:sldMk cId="3856103181" sldId="404"/>
+            <ac:spMk id="116" creationId="{00000000-0000-0000-0000-000000000000}"/>
+          </ac:spMkLst>
+        </pc:spChg>
+        <pc:spChg chg="mod ord">
+          <ac:chgData name="Mitchell Wand" userId="de9b44c55c049659" providerId="LiveId" clId="{97F6A37B-697C-4290-A1B5-0CB4BB45D11B}" dt="2024-10-15T02:07:38.847" v="2945" actId="700"/>
+          <ac:spMkLst>
+            <pc:docMk/>
+            <pc:sldMk cId="3856103181" sldId="404"/>
+            <ac:spMk id="117" creationId="{00000000-0000-0000-0000-000000000000}"/>
+          </ac:spMkLst>
+        </pc:spChg>
+        <pc:spChg chg="mod ord">
+          <ac:chgData name="Mitchell Wand" userId="de9b44c55c049659" providerId="LiveId" clId="{97F6A37B-697C-4290-A1B5-0CB4BB45D11B}" dt="2024-10-15T02:07:38.847" v="2945" actId="700"/>
+          <ac:spMkLst>
+            <pc:docMk/>
+            <pc:sldMk cId="3856103181" sldId="404"/>
+            <ac:spMk id="118" creationId="{00000000-0000-0000-0000-000000000000}"/>
+          </ac:spMkLst>
+        </pc:spChg>
       </pc:sldChg>
       <pc:sldChg chg="addSp delSp modSp mod modClrScheme chgLayout">
         <pc:chgData name="Mitchell Wand" userId="de9b44c55c049659" providerId="LiveId" clId="{97F6A37B-697C-4290-A1B5-0CB4BB45D11B}" dt="2024-09-29T12:51:27.638" v="2550" actId="20577"/>
@@ -3266,6 +3261,21 @@
           <pc:sldMk cId="3754954376" sldId="537"/>
         </pc:sldMkLst>
       </pc:sldChg>
+      <pc:sldChg chg="modSp new mod">
+        <pc:chgData name="Mitchell Wand" userId="de9b44c55c049659" providerId="LiveId" clId="{97F6A37B-697C-4290-A1B5-0CB4BB45D11B}" dt="2024-09-29T16:06:05.712" v="2830" actId="20577"/>
+        <pc:sldMkLst>
+          <pc:docMk/>
+          <pc:sldMk cId="409711853" sldId="538"/>
+        </pc:sldMkLst>
+        <pc:spChg chg="mod">
+          <ac:chgData name="Mitchell Wand" userId="de9b44c55c049659" providerId="LiveId" clId="{97F6A37B-697C-4290-A1B5-0CB4BB45D11B}" dt="2024-09-29T16:06:05.712" v="2830" actId="20577"/>
+          <ac:spMkLst>
+            <pc:docMk/>
+            <pc:sldMk cId="409711853" sldId="538"/>
+            <ac:spMk id="2" creationId="{F5C6FDF5-81CD-4A4A-0A9A-CF58B2A7DAB3}"/>
+          </ac:spMkLst>
+        </pc:spChg>
+      </pc:sldChg>
       <pc:sldChg chg="add del">
         <pc:chgData name="Mitchell Wand" userId="de9b44c55c049659" providerId="LiveId" clId="{97F6A37B-697C-4290-A1B5-0CB4BB45D11B}" dt="2024-09-29T13:00:03.312" v="2708" actId="2696"/>
         <pc:sldMkLst>
@@ -3273,6 +3283,43 @@
           <pc:sldMk cId="3990952821" sldId="538"/>
         </pc:sldMkLst>
       </pc:sldChg>
+      <pc:sldChg chg="modSp new mod">
+        <pc:chgData name="Mitchell Wand" userId="de9b44c55c049659" providerId="LiveId" clId="{97F6A37B-697C-4290-A1B5-0CB4BB45D11B}" dt="2024-09-29T16:06:49.491" v="2858" actId="20577"/>
+        <pc:sldMkLst>
+          <pc:docMk/>
+          <pc:sldMk cId="3589980470" sldId="539"/>
+        </pc:sldMkLst>
+        <pc:spChg chg="mod">
+          <ac:chgData name="Mitchell Wand" userId="de9b44c55c049659" providerId="LiveId" clId="{97F6A37B-697C-4290-A1B5-0CB4BB45D11B}" dt="2024-09-29T16:06:49.491" v="2858" actId="20577"/>
+          <ac:spMkLst>
+            <pc:docMk/>
+            <pc:sldMk cId="3589980470" sldId="539"/>
+            <ac:spMk id="2" creationId="{26420DD3-2520-341E-73CC-DBEAAF3A3038}"/>
+          </ac:spMkLst>
+        </pc:spChg>
+      </pc:sldChg>
+      <pc:sldChg chg="modSp new mod">
+        <pc:chgData name="Mitchell Wand" userId="de9b44c55c049659" providerId="LiveId" clId="{97F6A37B-697C-4290-A1B5-0CB4BB45D11B}" dt="2024-09-29T16:08:18.407" v="2941" actId="20577"/>
+        <pc:sldMkLst>
+          <pc:docMk/>
+          <pc:sldMk cId="2308735133" sldId="540"/>
+        </pc:sldMkLst>
+        <pc:spChg chg="mod">
+          <ac:chgData name="Mitchell Wand" userId="de9b44c55c049659" providerId="LiveId" clId="{97F6A37B-697C-4290-A1B5-0CB4BB45D11B}" dt="2024-09-29T16:08:18.407" v="2941" actId="20577"/>
+          <ac:spMkLst>
+            <pc:docMk/>
+            <pc:sldMk cId="2308735133" sldId="540"/>
+            <ac:spMk id="2" creationId="{B15EAF94-963D-F2B7-037D-567B2D0A9AC5}"/>
+          </ac:spMkLst>
+        </pc:spChg>
+      </pc:sldChg>
+      <pc:sldMasterChg chg="mod">
+        <pc:chgData name="Mitchell Wand" userId="de9b44c55c049659" providerId="LiveId" clId="{97F6A37B-697C-4290-A1B5-0CB4BB45D11B}" dt="2024-10-15T02:04:00.822" v="2943" actId="6014"/>
+        <pc:sldMasterMkLst>
+          <pc:docMk/>
+          <pc:sldMasterMk cId="0" sldId="2147483648"/>
+        </pc:sldMasterMkLst>
+      </pc:sldMasterChg>
     </pc:docChg>
   </pc:docChgLst>
 </pc:chgInfo>
@@ -4994,6 +5041,72 @@
           <a:bodyPr/>
           <a:lstStyle/>
           <a:p>
+            <a:endParaRPr lang="en-US" dirty="0"/>
+          </a:p>
+        </p:txBody>
+      </p:sp>
+    </p:spTree>
+    <p:extLst>
+      <p:ext uri="{BB962C8B-B14F-4D97-AF65-F5344CB8AC3E}">
+        <p14:creationId xmlns:p14="http://schemas.microsoft.com/office/powerpoint/2010/main" val="4227374671"/>
+      </p:ext>
+    </p:extLst>
+  </p:cSld>
+  <p:clrMapOvr>
+    <a:masterClrMapping/>
+  </p:clrMapOvr>
+</p:notes>
+</file>
+
+<file path=ppt/notesSlides/notesSlide25.xml><?xml version="1.0" encoding="utf-8"?>
+<p:notes xmlns:a="http://schemas.openxmlformats.org/drawingml/2006/main" xmlns:r="http://schemas.openxmlformats.org/officeDocument/2006/relationships" xmlns:p="http://schemas.openxmlformats.org/presentationml/2006/main">
+  <p:cSld>
+    <p:spTree>
+      <p:nvGrpSpPr>
+        <p:cNvPr id="1" name=""/>
+        <p:cNvGrpSpPr/>
+        <p:nvPr/>
+      </p:nvGrpSpPr>
+      <p:grpSpPr>
+        <a:xfrm>
+          <a:off x="0" y="0"/>
+          <a:ext cx="0" cy="0"/>
+          <a:chOff x="0" y="0"/>
+          <a:chExt cx="0" cy="0"/>
+        </a:xfrm>
+      </p:grpSpPr>
+      <p:sp>
+        <p:nvSpPr>
+          <p:cNvPr id="2" name="Slide Image Placeholder 1"/>
+          <p:cNvSpPr>
+            <a:spLocks noGrp="1" noRot="1" noChangeAspect="1"/>
+          </p:cNvSpPr>
+          <p:nvPr>
+            <p:ph type="sldImg"/>
+          </p:nvPr>
+        </p:nvSpPr>
+        <p:spPr>
+          <a:xfrm>
+            <a:off x="381000" y="685800"/>
+            <a:ext cx="6096000" cy="3429000"/>
+          </a:xfrm>
+        </p:spPr>
+      </p:sp>
+      <p:sp>
+        <p:nvSpPr>
+          <p:cNvPr id="3" name="Notes Placeholder 2"/>
+          <p:cNvSpPr>
+            <a:spLocks noGrp="1"/>
+          </p:cNvSpPr>
+          <p:nvPr>
+            <p:ph type="body" idx="1"/>
+          </p:nvPr>
+        </p:nvSpPr>
+        <p:spPr/>
+        <p:txBody>
+          <a:bodyPr/>
+          <a:lstStyle/>
+          <a:p>
             <a:r>
               <a:rPr lang="en-US" b="0" i="0" dirty="0">
                 <a:solidFill>
@@ -5002,7 +5115,28 @@
                 <a:effectLst/>
                 <a:latin typeface="Calibri" panose="020F0502020204030204" pitchFamily="34" charset="0"/>
               </a:rPr>
-              <a:t>In order to run a test, we need to first ASSEMBLE it. This may include creating instances of classes/variables, setting up test data for inputs, etc.  We should always check to see that we’ve set it up correctly.  Here most of the work has already been done in the </a:t>
+              <a:t>Remember this example from Module 3:   &lt;review text if needed&gt;</a:t>
+            </a:r>
+          </a:p>
+          <a:p>
+            <a:endParaRPr lang="en-US" b="0" i="0" dirty="0">
+              <a:solidFill>
+                <a:srgbClr val="5C5962"/>
+              </a:solidFill>
+              <a:effectLst/>
+              <a:latin typeface="Calibri" panose="020F0502020204030204" pitchFamily="34" charset="0"/>
+            </a:endParaRPr>
+          </a:p>
+          <a:p>
+            <a:r>
+              <a:rPr lang="en-US" b="0" i="0" dirty="0">
+                <a:solidFill>
+                  <a:srgbClr val="5C5962"/>
+                </a:solidFill>
+                <a:effectLst/>
+                <a:latin typeface="Calibri" panose="020F0502020204030204" pitchFamily="34" charset="0"/>
+              </a:rPr>
+              <a:t>In order to run a test, we need to first ASSEMBLE it. This may include creating instances of classes/variables, setting up test data for inputs, etc.  We should always check to see that we’ve set it up correctly.  In this example most of the work has already been done in a </a:t>
             </a:r>
             <a:r>
               <a:rPr lang="en-US" b="0" i="0" dirty="0" err="1">
@@ -5022,7 +5156,7 @@
                 <a:effectLst/>
                 <a:latin typeface="Calibri" panose="020F0502020204030204" pitchFamily="34" charset="0"/>
               </a:rPr>
-              <a:t> block.</a:t>
+              <a:t> block (not shown here)</a:t>
             </a:r>
           </a:p>
           <a:p>
@@ -5239,7 +5373,7 @@
           <a:p>
             <a:fld id="{07937F07-1250-4CCE-B198-1B2887014F41}" type="slidenum">
               <a:rPr lang="en-US" smtClean="0"/>
-              <a:t>30</a:t>
+              <a:t>34</a:t>
             </a:fld>
             <a:endParaRPr lang="en-US"/>
           </a:p>
@@ -5258,7 +5392,7 @@
 </p:notes>
 </file>
 
-<file path=ppt/notesSlides/notesSlide25.xml><?xml version="1.0" encoding="utf-8"?>
+<file path=ppt/notesSlides/notesSlide26.xml><?xml version="1.0" encoding="utf-8"?>
 <p:notes xmlns:a="http://schemas.openxmlformats.org/drawingml/2006/main" xmlns:r="http://schemas.openxmlformats.org/officeDocument/2006/relationships" xmlns:p="http://schemas.openxmlformats.org/presentationml/2006/main">
   <p:cSld>
     <p:spTree>
@@ -6411,7 +6545,7 @@
           <a:p>
             <a:fld id="{07C7BFD4-467E-4EDE-93EA-052F5B39A4E5}" type="datetime1">
               <a:rPr lang="en-US" smtClean="0"/>
-              <a:t>1/26/2025</a:t>
+              <a:t>2/3/2025</a:t>
             </a:fld>
             <a:endParaRPr lang="en-US"/>
           </a:p>
@@ -7871,7 +8005,7 @@
           </a:ln>
           <a:extLst>
             <a:ext uri="{C572A759-6A51-4108-AA02-DFA0A04FC94B}">
-              <ma14:wrappingTextBoxFlag xmlns:ma14="http://schemas.microsoft.com/office/mac/drawingml/2011/main" xmlns:a14="http://schemas.microsoft.com/office/drawing/2010/main" xmlns:m="http://schemas.openxmlformats.org/officeDocument/2006/math" xmlns="" val="1"/>
+              <ma14:wrappingTextBoxFlag xmlns="" xmlns:m="http://schemas.openxmlformats.org/officeDocument/2006/math" xmlns:a14="http://schemas.microsoft.com/office/drawing/2010/main" xmlns:ma14="http://schemas.microsoft.com/office/mac/drawingml/2011/main" val="1"/>
             </a:ext>
           </a:extLst>
         </p:spPr>
@@ -7982,7 +8116,7 @@
           </a:ln>
           <a:extLst>
             <a:ext uri="{C572A759-6A51-4108-AA02-DFA0A04FC94B}">
-              <ma14:wrappingTextBoxFlag xmlns:ma14="http://schemas.microsoft.com/office/mac/drawingml/2011/main" xmlns:a14="http://schemas.microsoft.com/office/drawing/2010/main" xmlns:m="http://schemas.openxmlformats.org/officeDocument/2006/math" xmlns="" val="1"/>
+              <ma14:wrappingTextBoxFlag xmlns="" xmlns:m="http://schemas.openxmlformats.org/officeDocument/2006/math" xmlns:a14="http://schemas.microsoft.com/office/drawing/2010/main" xmlns:ma14="http://schemas.microsoft.com/office/mac/drawingml/2011/main" val="1"/>
             </a:ext>
           </a:extLst>
         </p:spPr>
@@ -8781,14 +8915,10 @@
             <a:spLocks noGrp="1"/>
           </p:cNvSpPr>
           <p:nvPr>
-            <p:ph type="ctrTitle"/>
+            <p:ph type="title"/>
           </p:nvPr>
         </p:nvSpPr>
         <p:spPr>
-          <a:xfrm>
-            <a:off x="539259" y="763217"/>
-            <a:ext cx="10814541" cy="1508928"/>
-          </a:xfrm>
           <a:prstGeom prst="rect">
             <a:avLst/>
           </a:prstGeom>
@@ -8823,14 +8953,10 @@
             <a:spLocks noGrp="1"/>
           </p:cNvSpPr>
           <p:nvPr>
-            <p:ph type="subTitle" sz="half" idx="1"/>
+            <p:ph type="body" sz="half" idx="1"/>
           </p:nvPr>
         </p:nvSpPr>
         <p:spPr>
-          <a:xfrm>
-            <a:off x="539260" y="2593592"/>
-            <a:ext cx="10128740" cy="1655762"/>
-          </a:xfrm>
           <a:prstGeom prst="rect">
             <a:avLst/>
           </a:prstGeom>
@@ -8884,16 +9010,12 @@
           </p:nvPr>
         </p:nvSpPr>
         <p:spPr>
-          <a:xfrm>
-            <a:off x="11172418" y="6414760"/>
-            <a:ext cx="181383" cy="248305"/>
-          </a:xfrm>
           <a:prstGeom prst="rect">
             <a:avLst/>
           </a:prstGeom>
           <a:extLst>
             <a:ext uri="{C572A759-6A51-4108-AA02-DFA0A04FC94B}">
-              <ma14:wrappingTextBoxFlag xmlns:ma14="http://schemas.microsoft.com/office/mac/drawingml/2011/main" xmlns:a14="http://schemas.microsoft.com/office/drawing/2010/main" xmlns:m="http://schemas.openxmlformats.org/officeDocument/2006/math" xmlns="" val="1"/>
+              <ma14:wrappingTextBoxFlag xmlns="" xmlns:m="http://schemas.openxmlformats.org/officeDocument/2006/math" xmlns:a14="http://schemas.microsoft.com/office/drawing/2010/main" xmlns:ma14="http://schemas.microsoft.com/office/mac/drawingml/2011/main" val="1"/>
             </a:ext>
           </a:extLst>
         </p:spPr>
@@ -8928,7 +9050,7 @@
           </a:ln>
           <a:extLst>
             <a:ext uri="{C572A759-6A51-4108-AA02-DFA0A04FC94B}">
-              <ma14:wrappingTextBoxFlag xmlns:ma14="http://schemas.microsoft.com/office/mac/drawingml/2011/main" xmlns:a14="http://schemas.microsoft.com/office/drawing/2010/main" xmlns:m="http://schemas.openxmlformats.org/officeDocument/2006/math" xmlns="" val="1"/>
+              <ma14:wrappingTextBoxFlag xmlns="" xmlns:m="http://schemas.openxmlformats.org/officeDocument/2006/math" xmlns:a14="http://schemas.microsoft.com/office/drawing/2010/main" xmlns:ma14="http://schemas.microsoft.com/office/mac/drawingml/2011/main" val="1"/>
             </a:ext>
           </a:extLst>
         </p:spPr>
@@ -8951,7 +9073,7 @@
             </a:r>
             <a:r>
               <a:rPr lang="en-US" dirty="0"/>
-              <a:t>5</a:t>
+              <a:t>3-24</a:t>
             </a:r>
             <a:r>
               <a:rPr dirty="0"/>
@@ -8993,6 +9115,1441 @@
 </file>
 
 <file path=ppt/slides/slide10.xml><?xml version="1.0" encoding="utf-8"?>
+<p:sld xmlns:a="http://schemas.openxmlformats.org/drawingml/2006/main" xmlns:r="http://schemas.openxmlformats.org/officeDocument/2006/relationships" xmlns:p="http://schemas.openxmlformats.org/presentationml/2006/main">
+  <p:cSld>
+    <p:spTree>
+      <p:nvGrpSpPr>
+        <p:cNvPr id="1" name="">
+          <a:extLst>
+            <a:ext uri="{FF2B5EF4-FFF2-40B4-BE49-F238E27FC236}">
+              <a16:creationId xmlns:a16="http://schemas.microsoft.com/office/drawing/2014/main" id="{674C367B-1325-666D-A327-2C4B069F1935}"/>
+            </a:ext>
+          </a:extLst>
+        </p:cNvPr>
+        <p:cNvGrpSpPr/>
+        <p:nvPr/>
+      </p:nvGrpSpPr>
+      <p:grpSpPr>
+        <a:xfrm>
+          <a:off x="0" y="0"/>
+          <a:ext cx="0" cy="0"/>
+          <a:chOff x="0" y="0"/>
+          <a:chExt cx="0" cy="0"/>
+        </a:xfrm>
+      </p:grpSpPr>
+      <p:sp>
+        <p:nvSpPr>
+          <p:cNvPr id="2" name="Title 1">
+            <a:extLst>
+              <a:ext uri="{FF2B5EF4-FFF2-40B4-BE49-F238E27FC236}">
+                <a16:creationId xmlns:a16="http://schemas.microsoft.com/office/drawing/2014/main" id="{EF2E17DE-1926-BEE1-9475-D20D8C47DD57}"/>
+              </a:ext>
+            </a:extLst>
+          </p:cNvPr>
+          <p:cNvSpPr>
+            <a:spLocks noGrp="1"/>
+          </p:cNvSpPr>
+          <p:nvPr>
+            <p:ph type="title"/>
+          </p:nvPr>
+        </p:nvSpPr>
+        <p:spPr/>
+        <p:txBody>
+          <a:bodyPr/>
+          <a:lstStyle/>
+          <a:p>
+            <a:r>
+              <a:rPr lang="en-US" dirty="0"/>
+              <a:t>Let's look at &lt;</a:t>
+            </a:r>
+            <a:r>
+              <a:rPr lang="en-US" dirty="0" err="1"/>
+              <a:t>ClockDisplay</a:t>
+            </a:r>
+            <a:r>
+              <a:rPr lang="en-US" dirty="0"/>
+              <a:t>&gt; again</a:t>
+            </a:r>
+          </a:p>
+        </p:txBody>
+      </p:sp>
+      <p:sp>
+        <p:nvSpPr>
+          <p:cNvPr id="7" name="Rectangle: Rounded Corners 6">
+            <a:extLst>
+              <a:ext uri="{FF2B5EF4-FFF2-40B4-BE49-F238E27FC236}">
+                <a16:creationId xmlns:a16="http://schemas.microsoft.com/office/drawing/2014/main" id="{D8ABAA32-A312-52BA-8F48-FC8E89FE1A57}"/>
+              </a:ext>
+            </a:extLst>
+          </p:cNvPr>
+          <p:cNvSpPr/>
+          <p:nvPr/>
+        </p:nvSpPr>
+        <p:spPr>
+          <a:xfrm>
+            <a:off x="5636871" y="194935"/>
+            <a:ext cx="6440660" cy="601981"/>
+          </a:xfrm>
+          <a:prstGeom prst="roundRect">
+            <a:avLst/>
+          </a:prstGeom>
+          <a:solidFill>
+            <a:schemeClr val="accent6">
+              <a:lumMod val="20000"/>
+              <a:lumOff val="80000"/>
+            </a:schemeClr>
+          </a:solidFill>
+          <a:ln>
+            <a:solidFill>
+              <a:srgbClr val="0070C0"/>
+            </a:solidFill>
+          </a:ln>
+        </p:spPr>
+        <p:style>
+          <a:lnRef idx="2">
+            <a:schemeClr val="accent1">
+              <a:shade val="50000"/>
+            </a:schemeClr>
+          </a:lnRef>
+          <a:fillRef idx="1">
+            <a:schemeClr val="accent1"/>
+          </a:fillRef>
+          <a:effectRef idx="0">
+            <a:schemeClr val="accent1"/>
+          </a:effectRef>
+          <a:fontRef idx="minor">
+            <a:schemeClr val="lt1"/>
+          </a:fontRef>
+        </p:style>
+        <p:txBody>
+          <a:bodyPr rtlCol="0" anchor="ctr"/>
+          <a:lstStyle/>
+          <a:p>
+            <a:pPr algn="ctr"/>
+            <a:r>
+              <a:rPr lang="en-US" sz="2400" dirty="0" err="1">
+                <a:solidFill>
+                  <a:schemeClr val="tx1"/>
+                </a:solidFill>
+              </a:rPr>
+              <a:t>src</a:t>
+            </a:r>
+            <a:r>
+              <a:rPr lang="en-US" sz="2400" dirty="0">
+                <a:solidFill>
+                  <a:schemeClr val="tx1"/>
+                </a:solidFill>
+              </a:rPr>
+              <a:t>/app/Components/</a:t>
+            </a:r>
+            <a:r>
+              <a:rPr lang="en-US" sz="2400" dirty="0" err="1">
+                <a:solidFill>
+                  <a:schemeClr val="tx1"/>
+                </a:solidFill>
+              </a:rPr>
+              <a:t>SimpleClockDisplay.tsx</a:t>
+            </a:r>
+            <a:endParaRPr lang="en-US" sz="2400" dirty="0">
+              <a:solidFill>
+                <a:schemeClr val="tx1"/>
+              </a:solidFill>
+            </a:endParaRPr>
+          </a:p>
+        </p:txBody>
+      </p:sp>
+      <p:sp>
+        <p:nvSpPr>
+          <p:cNvPr id="3" name="Slide Number Placeholder 2">
+            <a:extLst>
+              <a:ext uri="{FF2B5EF4-FFF2-40B4-BE49-F238E27FC236}">
+                <a16:creationId xmlns:a16="http://schemas.microsoft.com/office/drawing/2014/main" id="{ABCF31A3-702D-5526-C4EF-4333C3443943}"/>
+              </a:ext>
+            </a:extLst>
+          </p:cNvPr>
+          <p:cNvSpPr>
+            <a:spLocks noGrp="1"/>
+          </p:cNvSpPr>
+          <p:nvPr>
+            <p:ph type="sldNum" sz="quarter" idx="2"/>
+          </p:nvPr>
+        </p:nvSpPr>
+        <p:spPr/>
+        <p:txBody>
+          <a:bodyPr/>
+          <a:lstStyle/>
+          <a:p>
+            <a:fld id="{86CB4B4D-7CA3-9044-876B-883B54F8677D}" type="slidenum">
+              <a:rPr lang="en-US" smtClean="0"/>
+              <a:t>10</a:t>
+            </a:fld>
+            <a:endParaRPr lang="en-US"/>
+          </a:p>
+        </p:txBody>
+      </p:sp>
+      <p:sp>
+        <p:nvSpPr>
+          <p:cNvPr id="6" name="TextBox 5">
+            <a:extLst>
+              <a:ext uri="{FF2B5EF4-FFF2-40B4-BE49-F238E27FC236}">
+                <a16:creationId xmlns:a16="http://schemas.microsoft.com/office/drawing/2014/main" id="{53B9895B-9699-AD97-BAF2-AE03A8242EC8}"/>
+              </a:ext>
+            </a:extLst>
+          </p:cNvPr>
+          <p:cNvSpPr txBox="1"/>
+          <p:nvPr/>
+        </p:nvSpPr>
+        <p:spPr>
+          <a:xfrm>
+            <a:off x="838199" y="1700075"/>
+            <a:ext cx="11239332" cy="5355312"/>
+          </a:xfrm>
+          <a:prstGeom prst="rect">
+            <a:avLst/>
+          </a:prstGeom>
+          <a:noFill/>
+          <a:ln w="12700" cap="flat">
+            <a:noFill/>
+            <a:miter lim="400000"/>
+          </a:ln>
+          <a:effectLst/>
+          <a:sp3d/>
+        </p:spPr>
+        <p:style>
+          <a:lnRef idx="0">
+            <a:scrgbClr r="0" g="0" b="0"/>
+          </a:lnRef>
+          <a:fillRef idx="0">
+            <a:scrgbClr r="0" g="0" b="0"/>
+          </a:fillRef>
+          <a:effectRef idx="0">
+            <a:scrgbClr r="0" g="0" b="0"/>
+          </a:effectRef>
+          <a:fontRef idx="none"/>
+        </p:style>
+        <p:txBody>
+          <a:bodyPr wrap="square">
+            <a:spAutoFit/>
+          </a:bodyPr>
+          <a:lstStyle/>
+          <a:p>
+            <a:r>
+              <a:rPr lang="en-US" b="0" dirty="0">
+                <a:solidFill>
+                  <a:srgbClr val="0000FF"/>
+                </a:solidFill>
+                <a:effectLst/>
+                <a:latin typeface="Consolas" panose="020B0609020204030204" pitchFamily="49" charset="0"/>
+              </a:rPr>
+              <a:t>export</a:t>
+            </a:r>
+            <a:r>
+              <a:rPr lang="en-US" b="0" dirty="0">
+                <a:solidFill>
+                  <a:srgbClr val="000000"/>
+                </a:solidFill>
+                <a:effectLst/>
+                <a:latin typeface="Consolas" panose="020B0609020204030204" pitchFamily="49" charset="0"/>
+              </a:rPr>
+              <a:t> </a:t>
+            </a:r>
+            <a:r>
+              <a:rPr lang="en-US" b="0" dirty="0">
+                <a:solidFill>
+                  <a:srgbClr val="0000FF"/>
+                </a:solidFill>
+                <a:effectLst/>
+                <a:latin typeface="Consolas" panose="020B0609020204030204" pitchFamily="49" charset="0"/>
+              </a:rPr>
+              <a:t>default</a:t>
+            </a:r>
+            <a:r>
+              <a:rPr lang="en-US" b="0" dirty="0">
+                <a:solidFill>
+                  <a:srgbClr val="000000"/>
+                </a:solidFill>
+                <a:effectLst/>
+                <a:latin typeface="Consolas" panose="020B0609020204030204" pitchFamily="49" charset="0"/>
+              </a:rPr>
+              <a:t> </a:t>
+            </a:r>
+            <a:r>
+              <a:rPr lang="en-US" b="0" dirty="0">
+                <a:solidFill>
+                  <a:srgbClr val="0000FF"/>
+                </a:solidFill>
+                <a:effectLst/>
+                <a:latin typeface="Consolas" panose="020B0609020204030204" pitchFamily="49" charset="0"/>
+              </a:rPr>
+              <a:t>function</a:t>
+            </a:r>
+            <a:r>
+              <a:rPr lang="en-US" b="0" dirty="0">
+                <a:solidFill>
+                  <a:srgbClr val="000000"/>
+                </a:solidFill>
+                <a:effectLst/>
+                <a:latin typeface="Consolas" panose="020B0609020204030204" pitchFamily="49" charset="0"/>
+              </a:rPr>
+              <a:t> </a:t>
+            </a:r>
+            <a:r>
+              <a:rPr lang="en-US" b="0" dirty="0" err="1">
+                <a:solidFill>
+                  <a:srgbClr val="000000"/>
+                </a:solidFill>
+                <a:effectLst/>
+                <a:latin typeface="Consolas" panose="020B0609020204030204" pitchFamily="49" charset="0"/>
+              </a:rPr>
+              <a:t>ClockDisplay</a:t>
+            </a:r>
+            <a:r>
+              <a:rPr lang="en-US" b="0" dirty="0">
+                <a:solidFill>
+                  <a:srgbClr val="000000"/>
+                </a:solidFill>
+                <a:effectLst/>
+                <a:latin typeface="Consolas" panose="020B0609020204030204" pitchFamily="49" charset="0"/>
+              </a:rPr>
+              <a:t>(props: {</a:t>
+            </a:r>
+          </a:p>
+          <a:p>
+            <a:r>
+              <a:rPr lang="en-US" b="0" dirty="0">
+                <a:solidFill>
+                  <a:srgbClr val="000000"/>
+                </a:solidFill>
+                <a:effectLst/>
+                <a:latin typeface="Consolas" panose="020B0609020204030204" pitchFamily="49" charset="0"/>
+              </a:rPr>
+              <a:t>  name: string; key: number;  clock: </a:t>
+            </a:r>
+            <a:r>
+              <a:rPr lang="en-US" b="0" dirty="0" err="1">
+                <a:solidFill>
+                  <a:srgbClr val="000000"/>
+                </a:solidFill>
+                <a:effectLst/>
+                <a:latin typeface="Consolas" panose="020B0609020204030204" pitchFamily="49" charset="0"/>
+              </a:rPr>
+              <a:t>IClock</a:t>
+            </a:r>
+            <a:r>
+              <a:rPr lang="en-US" b="0" dirty="0">
+                <a:solidFill>
+                  <a:srgbClr val="000000"/>
+                </a:solidFill>
+                <a:effectLst/>
+                <a:latin typeface="Consolas" panose="020B0609020204030204" pitchFamily="49" charset="0"/>
+              </a:rPr>
+              <a:t>;</a:t>
+            </a:r>
+          </a:p>
+          <a:p>
+            <a:r>
+              <a:rPr lang="en-US" b="0" dirty="0">
+                <a:solidFill>
+                  <a:srgbClr val="000000"/>
+                </a:solidFill>
+                <a:effectLst/>
+                <a:latin typeface="Consolas" panose="020B0609020204030204" pitchFamily="49" charset="0"/>
+              </a:rPr>
+              <a:t>  </a:t>
+            </a:r>
+            <a:r>
+              <a:rPr lang="en-US" b="0" dirty="0" err="1">
+                <a:solidFill>
+                  <a:srgbClr val="000000"/>
+                </a:solidFill>
+                <a:effectLst/>
+                <a:latin typeface="Consolas" panose="020B0609020204030204" pitchFamily="49" charset="0"/>
+              </a:rPr>
+              <a:t>handleDelete</a:t>
+            </a:r>
+            <a:r>
+              <a:rPr lang="en-US" b="0" dirty="0">
+                <a:solidFill>
+                  <a:srgbClr val="000000"/>
+                </a:solidFill>
+                <a:effectLst/>
+                <a:latin typeface="Consolas" panose="020B0609020204030204" pitchFamily="49" charset="0"/>
+              </a:rPr>
+              <a:t>: () </a:t>
+            </a:r>
+            <a:r>
+              <a:rPr lang="en-US" b="0" dirty="0">
+                <a:solidFill>
+                  <a:srgbClr val="0000FF"/>
+                </a:solidFill>
+                <a:effectLst/>
+                <a:latin typeface="Consolas" panose="020B0609020204030204" pitchFamily="49" charset="0"/>
+              </a:rPr>
+              <a:t>=&gt;</a:t>
+            </a:r>
+            <a:r>
+              <a:rPr lang="en-US" b="0" dirty="0">
+                <a:solidFill>
+                  <a:srgbClr val="000000"/>
+                </a:solidFill>
+                <a:effectLst/>
+                <a:latin typeface="Consolas" panose="020B0609020204030204" pitchFamily="49" charset="0"/>
+              </a:rPr>
+              <a:t> void;  </a:t>
+            </a:r>
+            <a:r>
+              <a:rPr lang="en-US" b="0" dirty="0" err="1">
+                <a:solidFill>
+                  <a:srgbClr val="000000"/>
+                </a:solidFill>
+                <a:effectLst/>
+                <a:latin typeface="Consolas" panose="020B0609020204030204" pitchFamily="49" charset="0"/>
+              </a:rPr>
+              <a:t>handleAdd</a:t>
+            </a:r>
+            <a:r>
+              <a:rPr lang="en-US" b="0" dirty="0">
+                <a:solidFill>
+                  <a:srgbClr val="000000"/>
+                </a:solidFill>
+                <a:effectLst/>
+                <a:latin typeface="Consolas" panose="020B0609020204030204" pitchFamily="49" charset="0"/>
+              </a:rPr>
+              <a:t>: () </a:t>
+            </a:r>
+            <a:r>
+              <a:rPr lang="en-US" b="0" dirty="0">
+                <a:solidFill>
+                  <a:srgbClr val="0000FF"/>
+                </a:solidFill>
+                <a:effectLst/>
+                <a:latin typeface="Consolas" panose="020B0609020204030204" pitchFamily="49" charset="0"/>
+              </a:rPr>
+              <a:t>=&gt;</a:t>
+            </a:r>
+            <a:r>
+              <a:rPr lang="en-US" b="0" dirty="0">
+                <a:solidFill>
+                  <a:srgbClr val="000000"/>
+                </a:solidFill>
+                <a:effectLst/>
+                <a:latin typeface="Consolas" panose="020B0609020204030204" pitchFamily="49" charset="0"/>
+              </a:rPr>
+              <a:t> void;</a:t>
+            </a:r>
+          </a:p>
+          <a:p>
+            <a:r>
+              <a:rPr lang="en-US" b="0" dirty="0">
+                <a:solidFill>
+                  <a:srgbClr val="000000"/>
+                </a:solidFill>
+                <a:effectLst/>
+                <a:latin typeface="Consolas" panose="020B0609020204030204" pitchFamily="49" charset="0"/>
+              </a:rPr>
+              <a:t>}): </a:t>
+            </a:r>
+            <a:r>
+              <a:rPr lang="en-US" b="0" dirty="0" err="1">
+                <a:solidFill>
+                  <a:srgbClr val="000000"/>
+                </a:solidFill>
+                <a:effectLst/>
+                <a:latin typeface="Consolas" panose="020B0609020204030204" pitchFamily="49" charset="0"/>
+              </a:rPr>
+              <a:t>JSX.Element</a:t>
+            </a:r>
+            <a:r>
+              <a:rPr lang="en-US" b="0" dirty="0">
+                <a:solidFill>
+                  <a:srgbClr val="000000"/>
+                </a:solidFill>
+                <a:effectLst/>
+                <a:latin typeface="Consolas" panose="020B0609020204030204" pitchFamily="49" charset="0"/>
+              </a:rPr>
+              <a:t> {  </a:t>
+            </a:r>
+          </a:p>
+          <a:p>
+            <a:r>
+              <a:rPr lang="en-US" dirty="0">
+                <a:latin typeface="Consolas" panose="020B0609020204030204" pitchFamily="49" charset="0"/>
+              </a:rPr>
+              <a:t>  </a:t>
+            </a:r>
+            <a:r>
+              <a:rPr lang="en-US" b="0" dirty="0">
+                <a:solidFill>
+                  <a:srgbClr val="0000FF"/>
+                </a:solidFill>
+                <a:effectLst/>
+                <a:latin typeface="Consolas" panose="020B0609020204030204" pitchFamily="49" charset="0"/>
+              </a:rPr>
+              <a:t>const</a:t>
+            </a:r>
+            <a:r>
+              <a:rPr lang="en-US" b="0" dirty="0">
+                <a:solidFill>
+                  <a:srgbClr val="000000"/>
+                </a:solidFill>
+                <a:effectLst/>
+                <a:latin typeface="Consolas" panose="020B0609020204030204" pitchFamily="49" charset="0"/>
+              </a:rPr>
+              <a:t> [</a:t>
+            </a:r>
+            <a:r>
+              <a:rPr lang="en-US" b="0" dirty="0" err="1">
+                <a:solidFill>
+                  <a:srgbClr val="000000"/>
+                </a:solidFill>
+                <a:effectLst/>
+                <a:latin typeface="Consolas" panose="020B0609020204030204" pitchFamily="49" charset="0"/>
+              </a:rPr>
+              <a:t>localTime</a:t>
+            </a:r>
+            <a:r>
+              <a:rPr lang="en-US" b="0" dirty="0">
+                <a:solidFill>
+                  <a:srgbClr val="000000"/>
+                </a:solidFill>
+                <a:effectLst/>
+                <a:latin typeface="Consolas" panose="020B0609020204030204" pitchFamily="49" charset="0"/>
+              </a:rPr>
+              <a:t>, </a:t>
+            </a:r>
+            <a:r>
+              <a:rPr lang="en-US" b="0" dirty="0" err="1">
+                <a:solidFill>
+                  <a:srgbClr val="000000"/>
+                </a:solidFill>
+                <a:effectLst/>
+                <a:latin typeface="Consolas" panose="020B0609020204030204" pitchFamily="49" charset="0"/>
+              </a:rPr>
+              <a:t>setLocalTime</a:t>
+            </a:r>
+            <a:r>
+              <a:rPr lang="en-US" b="0" dirty="0">
+                <a:solidFill>
+                  <a:srgbClr val="000000"/>
+                </a:solidFill>
+                <a:effectLst/>
+                <a:latin typeface="Consolas" panose="020B0609020204030204" pitchFamily="49" charset="0"/>
+              </a:rPr>
+              <a:t>] = </a:t>
+            </a:r>
+            <a:r>
+              <a:rPr lang="en-US" b="0" dirty="0" err="1">
+                <a:solidFill>
+                  <a:srgbClr val="000000"/>
+                </a:solidFill>
+                <a:effectLst/>
+                <a:latin typeface="Consolas" panose="020B0609020204030204" pitchFamily="49" charset="0"/>
+              </a:rPr>
+              <a:t>useState</a:t>
+            </a:r>
+            <a:r>
+              <a:rPr lang="en-US" b="0" dirty="0">
+                <a:solidFill>
+                  <a:srgbClr val="000000"/>
+                </a:solidFill>
+                <a:effectLst/>
+                <a:latin typeface="Consolas" panose="020B0609020204030204" pitchFamily="49" charset="0"/>
+              </a:rPr>
+              <a:t>(</a:t>
+            </a:r>
+            <a:r>
+              <a:rPr lang="en-US" b="0" dirty="0">
+                <a:solidFill>
+                  <a:srgbClr val="098658"/>
+                </a:solidFill>
+                <a:effectLst/>
+                <a:latin typeface="Consolas" panose="020B0609020204030204" pitchFamily="49" charset="0"/>
+              </a:rPr>
+              <a:t>0</a:t>
+            </a:r>
+            <a:r>
+              <a:rPr lang="en-US" b="0" dirty="0">
+                <a:solidFill>
+                  <a:srgbClr val="000000"/>
+                </a:solidFill>
+                <a:effectLst/>
+                <a:latin typeface="Consolas" panose="020B0609020204030204" pitchFamily="49" charset="0"/>
+              </a:rPr>
+              <a:t>);</a:t>
+            </a:r>
+          </a:p>
+          <a:p>
+            <a:r>
+              <a:rPr lang="en-US" b="0" dirty="0">
+                <a:solidFill>
+                  <a:srgbClr val="000000"/>
+                </a:solidFill>
+                <a:effectLst/>
+                <a:latin typeface="Consolas" panose="020B0609020204030204" pitchFamily="49" charset="0"/>
+              </a:rPr>
+              <a:t>  </a:t>
+            </a:r>
+            <a:r>
+              <a:rPr lang="en-US" b="0" dirty="0">
+                <a:solidFill>
+                  <a:srgbClr val="0000FF"/>
+                </a:solidFill>
+                <a:effectLst/>
+                <a:latin typeface="Consolas" panose="020B0609020204030204" pitchFamily="49" charset="0"/>
+              </a:rPr>
+              <a:t>const</a:t>
+            </a:r>
+            <a:r>
+              <a:rPr lang="en-US" b="0" dirty="0">
+                <a:solidFill>
+                  <a:srgbClr val="000000"/>
+                </a:solidFill>
+                <a:effectLst/>
+                <a:latin typeface="Consolas" panose="020B0609020204030204" pitchFamily="49" charset="0"/>
+              </a:rPr>
+              <a:t> </a:t>
+            </a:r>
+            <a:r>
+              <a:rPr lang="en-US" b="0" dirty="0" err="1">
+                <a:solidFill>
+                  <a:srgbClr val="000000"/>
+                </a:solidFill>
+                <a:effectLst/>
+                <a:latin typeface="Consolas" panose="020B0609020204030204" pitchFamily="49" charset="0"/>
+              </a:rPr>
+              <a:t>incrementLocalTime</a:t>
+            </a:r>
+            <a:r>
+              <a:rPr lang="en-US" b="0" dirty="0">
+                <a:solidFill>
+                  <a:srgbClr val="000000"/>
+                </a:solidFill>
+                <a:effectLst/>
+                <a:latin typeface="Consolas" panose="020B0609020204030204" pitchFamily="49" charset="0"/>
+              </a:rPr>
+              <a:t> = () </a:t>
+            </a:r>
+            <a:r>
+              <a:rPr lang="en-US" b="0" dirty="0">
+                <a:solidFill>
+                  <a:srgbClr val="0000FF"/>
+                </a:solidFill>
+                <a:effectLst/>
+                <a:latin typeface="Consolas" panose="020B0609020204030204" pitchFamily="49" charset="0"/>
+              </a:rPr>
+              <a:t>=&gt;</a:t>
+            </a:r>
+            <a:r>
+              <a:rPr lang="en-US" b="0" dirty="0">
+                <a:solidFill>
+                  <a:srgbClr val="000000"/>
+                </a:solidFill>
+                <a:effectLst/>
+                <a:latin typeface="Consolas" panose="020B0609020204030204" pitchFamily="49" charset="0"/>
+              </a:rPr>
+              <a:t> { </a:t>
+            </a:r>
+            <a:r>
+              <a:rPr lang="en-US" b="0" dirty="0" err="1">
+                <a:solidFill>
+                  <a:srgbClr val="000000"/>
+                </a:solidFill>
+                <a:effectLst/>
+                <a:latin typeface="Consolas" panose="020B0609020204030204" pitchFamily="49" charset="0"/>
+              </a:rPr>
+              <a:t>setLocalTime</a:t>
+            </a:r>
+            <a:r>
+              <a:rPr lang="en-US" b="0" dirty="0">
+                <a:solidFill>
+                  <a:srgbClr val="000000"/>
+                </a:solidFill>
+                <a:effectLst/>
+                <a:latin typeface="Consolas" panose="020B0609020204030204" pitchFamily="49" charset="0"/>
+              </a:rPr>
+              <a:t>((</a:t>
+            </a:r>
+            <a:r>
+              <a:rPr lang="en-US" b="0" dirty="0" err="1">
+                <a:solidFill>
+                  <a:srgbClr val="000000"/>
+                </a:solidFill>
+                <a:effectLst/>
+                <a:latin typeface="Consolas" panose="020B0609020204030204" pitchFamily="49" charset="0"/>
+              </a:rPr>
+              <a:t>localTime</a:t>
+            </a:r>
+            <a:r>
+              <a:rPr lang="en-US" b="0" dirty="0">
+                <a:solidFill>
+                  <a:srgbClr val="000000"/>
+                </a:solidFill>
+                <a:effectLst/>
+                <a:latin typeface="Consolas" panose="020B0609020204030204" pitchFamily="49" charset="0"/>
+              </a:rPr>
+              <a:t>) </a:t>
+            </a:r>
+            <a:r>
+              <a:rPr lang="en-US" b="0" dirty="0">
+                <a:solidFill>
+                  <a:srgbClr val="0000FF"/>
+                </a:solidFill>
+                <a:effectLst/>
+                <a:latin typeface="Consolas" panose="020B0609020204030204" pitchFamily="49" charset="0"/>
+              </a:rPr>
+              <a:t>=&gt;</a:t>
+            </a:r>
+            <a:r>
+              <a:rPr lang="en-US" b="0" dirty="0">
+                <a:solidFill>
+                  <a:srgbClr val="000000"/>
+                </a:solidFill>
+                <a:effectLst/>
+                <a:latin typeface="Consolas" panose="020B0609020204030204" pitchFamily="49" charset="0"/>
+              </a:rPr>
+              <a:t> </a:t>
+            </a:r>
+            <a:r>
+              <a:rPr lang="en-US" b="0" dirty="0" err="1">
+                <a:solidFill>
+                  <a:srgbClr val="000000"/>
+                </a:solidFill>
+                <a:effectLst/>
+                <a:latin typeface="Consolas" panose="020B0609020204030204" pitchFamily="49" charset="0"/>
+              </a:rPr>
+              <a:t>localTime</a:t>
+            </a:r>
+            <a:r>
+              <a:rPr lang="en-US" b="0" dirty="0">
+                <a:solidFill>
+                  <a:srgbClr val="000000"/>
+                </a:solidFill>
+                <a:effectLst/>
+                <a:latin typeface="Consolas" panose="020B0609020204030204" pitchFamily="49" charset="0"/>
+              </a:rPr>
+              <a:t> + </a:t>
+            </a:r>
+            <a:r>
+              <a:rPr lang="en-US" b="0" dirty="0">
+                <a:solidFill>
+                  <a:srgbClr val="098658"/>
+                </a:solidFill>
+                <a:effectLst/>
+                <a:latin typeface="Consolas" panose="020B0609020204030204" pitchFamily="49" charset="0"/>
+              </a:rPr>
+              <a:t>1</a:t>
+            </a:r>
+            <a:r>
+              <a:rPr lang="en-US" b="0" dirty="0">
+                <a:solidFill>
+                  <a:srgbClr val="000000"/>
+                </a:solidFill>
+                <a:effectLst/>
+                <a:latin typeface="Consolas" panose="020B0609020204030204" pitchFamily="49" charset="0"/>
+              </a:rPr>
+              <a:t>); };</a:t>
+            </a:r>
+          </a:p>
+          <a:p>
+            <a:br>
+              <a:rPr lang="en-US" b="0" dirty="0">
+                <a:solidFill>
+                  <a:srgbClr val="000000"/>
+                </a:solidFill>
+                <a:effectLst/>
+                <a:latin typeface="Consolas" panose="020B0609020204030204" pitchFamily="49" charset="0"/>
+              </a:rPr>
+            </a:br>
+            <a:r>
+              <a:rPr lang="en-US" b="0" dirty="0">
+                <a:solidFill>
+                  <a:srgbClr val="000000"/>
+                </a:solidFill>
+                <a:effectLst/>
+                <a:latin typeface="Consolas" panose="020B0609020204030204" pitchFamily="49" charset="0"/>
+              </a:rPr>
+              <a:t>  </a:t>
+            </a:r>
+            <a:r>
+              <a:rPr lang="en-US" b="0" dirty="0">
+                <a:solidFill>
+                  <a:srgbClr val="0000FF"/>
+                </a:solidFill>
+                <a:effectLst/>
+                <a:latin typeface="Consolas" panose="020B0609020204030204" pitchFamily="49" charset="0"/>
+              </a:rPr>
+              <a:t>const</a:t>
+            </a:r>
+            <a:r>
+              <a:rPr lang="en-US" b="0" dirty="0">
+                <a:solidFill>
+                  <a:srgbClr val="000000"/>
+                </a:solidFill>
+                <a:effectLst/>
+                <a:latin typeface="Consolas" panose="020B0609020204030204" pitchFamily="49" charset="0"/>
+              </a:rPr>
+              <a:t> listener1 = () </a:t>
+            </a:r>
+            <a:r>
+              <a:rPr lang="en-US" b="0" dirty="0">
+                <a:solidFill>
+                  <a:srgbClr val="0000FF"/>
+                </a:solidFill>
+                <a:effectLst/>
+                <a:latin typeface="Consolas" panose="020B0609020204030204" pitchFamily="49" charset="0"/>
+              </a:rPr>
+              <a:t>=&gt;</a:t>
+            </a:r>
+            <a:r>
+              <a:rPr lang="en-US" b="0" dirty="0">
+                <a:solidFill>
+                  <a:srgbClr val="000000"/>
+                </a:solidFill>
+                <a:effectLst/>
+                <a:latin typeface="Consolas" panose="020B0609020204030204" pitchFamily="49" charset="0"/>
+              </a:rPr>
+              <a:t> { </a:t>
+            </a:r>
+            <a:r>
+              <a:rPr lang="en-US" b="0" dirty="0" err="1">
+                <a:solidFill>
+                  <a:srgbClr val="000000"/>
+                </a:solidFill>
+                <a:effectLst/>
+                <a:latin typeface="Consolas" panose="020B0609020204030204" pitchFamily="49" charset="0"/>
+              </a:rPr>
+              <a:t>incrementLocalTime</a:t>
+            </a:r>
+            <a:r>
+              <a:rPr lang="en-US" b="0" dirty="0">
+                <a:solidFill>
+                  <a:srgbClr val="000000"/>
+                </a:solidFill>
+                <a:effectLst/>
+                <a:latin typeface="Consolas" panose="020B0609020204030204" pitchFamily="49" charset="0"/>
+              </a:rPr>
+              <a:t>(); };</a:t>
+            </a:r>
+          </a:p>
+          <a:p>
+            <a:r>
+              <a:rPr lang="en-US" b="0" dirty="0">
+                <a:solidFill>
+                  <a:srgbClr val="000000"/>
+                </a:solidFill>
+                <a:effectLst/>
+                <a:latin typeface="Consolas" panose="020B0609020204030204" pitchFamily="49" charset="0"/>
+              </a:rPr>
+              <a:t>  </a:t>
+            </a:r>
+            <a:r>
+              <a:rPr lang="en-US" b="0" dirty="0">
+                <a:solidFill>
+                  <a:srgbClr val="0000FF"/>
+                </a:solidFill>
+                <a:effectLst/>
+                <a:latin typeface="Consolas" panose="020B0609020204030204" pitchFamily="49" charset="0"/>
+              </a:rPr>
+              <a:t>const</a:t>
+            </a:r>
+            <a:r>
+              <a:rPr lang="en-US" b="0" dirty="0">
+                <a:solidFill>
+                  <a:srgbClr val="000000"/>
+                </a:solidFill>
+                <a:effectLst/>
+                <a:latin typeface="Consolas" panose="020B0609020204030204" pitchFamily="49" charset="0"/>
+              </a:rPr>
+              <a:t> clock = </a:t>
+            </a:r>
+            <a:r>
+              <a:rPr lang="en-US" b="0" dirty="0" err="1">
+                <a:solidFill>
+                  <a:srgbClr val="000000"/>
+                </a:solidFill>
+                <a:effectLst/>
+                <a:latin typeface="Consolas" panose="020B0609020204030204" pitchFamily="49" charset="0"/>
+              </a:rPr>
+              <a:t>props.clock</a:t>
+            </a:r>
+            <a:r>
+              <a:rPr lang="en-US" b="0" dirty="0">
+                <a:solidFill>
+                  <a:srgbClr val="000000"/>
+                </a:solidFill>
+                <a:effectLst/>
+                <a:latin typeface="Consolas" panose="020B0609020204030204" pitchFamily="49" charset="0"/>
+              </a:rPr>
+              <a:t>;</a:t>
+            </a:r>
+          </a:p>
+          <a:p>
+            <a:br>
+              <a:rPr lang="en-US" b="0" dirty="0">
+                <a:solidFill>
+                  <a:srgbClr val="000000"/>
+                </a:solidFill>
+                <a:effectLst/>
+                <a:latin typeface="Consolas" panose="020B0609020204030204" pitchFamily="49" charset="0"/>
+              </a:rPr>
+            </a:br>
+            <a:r>
+              <a:rPr lang="en-US" b="0" dirty="0">
+                <a:solidFill>
+                  <a:srgbClr val="000000"/>
+                </a:solidFill>
+                <a:effectLst/>
+                <a:latin typeface="Consolas" panose="020B0609020204030204" pitchFamily="49" charset="0"/>
+              </a:rPr>
+              <a:t>  </a:t>
+            </a:r>
+            <a:r>
+              <a:rPr lang="en-US" b="0" dirty="0" err="1">
+                <a:solidFill>
+                  <a:srgbClr val="000000"/>
+                </a:solidFill>
+                <a:effectLst/>
+                <a:latin typeface="Consolas" panose="020B0609020204030204" pitchFamily="49" charset="0"/>
+              </a:rPr>
+              <a:t>useEffect</a:t>
+            </a:r>
+            <a:r>
+              <a:rPr lang="en-US" b="0" dirty="0">
+                <a:solidFill>
+                  <a:srgbClr val="000000"/>
+                </a:solidFill>
+                <a:effectLst/>
+                <a:latin typeface="Consolas" panose="020B0609020204030204" pitchFamily="49" charset="0"/>
+              </a:rPr>
+              <a:t>(() </a:t>
+            </a:r>
+            <a:r>
+              <a:rPr lang="en-US" b="0" dirty="0">
+                <a:solidFill>
+                  <a:srgbClr val="0000FF"/>
+                </a:solidFill>
+                <a:effectLst/>
+                <a:latin typeface="Consolas" panose="020B0609020204030204" pitchFamily="49" charset="0"/>
+              </a:rPr>
+              <a:t>=&gt;</a:t>
+            </a:r>
+            <a:r>
+              <a:rPr lang="en-US" b="0" dirty="0">
+                <a:solidFill>
+                  <a:srgbClr val="000000"/>
+                </a:solidFill>
+                <a:effectLst/>
+                <a:latin typeface="Consolas" panose="020B0609020204030204" pitchFamily="49" charset="0"/>
+              </a:rPr>
+              <a:t> {</a:t>
+            </a:r>
+          </a:p>
+          <a:p>
+            <a:r>
+              <a:rPr lang="en-US" b="0" dirty="0">
+                <a:solidFill>
+                  <a:srgbClr val="000000"/>
+                </a:solidFill>
+                <a:effectLst/>
+                <a:latin typeface="Consolas" panose="020B0609020204030204" pitchFamily="49" charset="0"/>
+              </a:rPr>
+              <a:t>    </a:t>
+            </a:r>
+            <a:r>
+              <a:rPr lang="en-US" b="0" dirty="0" err="1">
+                <a:solidFill>
+                  <a:srgbClr val="000000"/>
+                </a:solidFill>
+                <a:effectLst/>
+                <a:latin typeface="Consolas" panose="020B0609020204030204" pitchFamily="49" charset="0"/>
+              </a:rPr>
+              <a:t>clock.addListener</a:t>
+            </a:r>
+            <a:r>
+              <a:rPr lang="en-US" b="0" dirty="0">
+                <a:solidFill>
+                  <a:srgbClr val="000000"/>
+                </a:solidFill>
+                <a:effectLst/>
+                <a:latin typeface="Consolas" panose="020B0609020204030204" pitchFamily="49" charset="0"/>
+              </a:rPr>
+              <a:t>(listener1);</a:t>
+            </a:r>
+          </a:p>
+          <a:p>
+            <a:r>
+              <a:rPr lang="en-US" b="0" dirty="0">
+                <a:solidFill>
+                  <a:srgbClr val="000000"/>
+                </a:solidFill>
+                <a:effectLst/>
+                <a:latin typeface="Consolas" panose="020B0609020204030204" pitchFamily="49" charset="0"/>
+              </a:rPr>
+              <a:t>    console.log(</a:t>
+            </a:r>
+            <a:r>
+              <a:rPr lang="en-US" b="0" dirty="0">
+                <a:solidFill>
+                  <a:srgbClr val="A31515"/>
+                </a:solidFill>
+                <a:effectLst/>
+                <a:latin typeface="Consolas" panose="020B0609020204030204" pitchFamily="49" charset="0"/>
+              </a:rPr>
+              <a:t>`</a:t>
+            </a:r>
+            <a:r>
+              <a:rPr lang="en-US" b="0" dirty="0" err="1">
+                <a:solidFill>
+                  <a:srgbClr val="A31515"/>
+                </a:solidFill>
+                <a:effectLst/>
+                <a:latin typeface="Consolas" panose="020B0609020204030204" pitchFamily="49" charset="0"/>
+              </a:rPr>
+              <a:t>ClockDisplay</a:t>
+            </a:r>
+            <a:r>
+              <a:rPr lang="en-US" b="0" dirty="0">
+                <a:solidFill>
+                  <a:srgbClr val="A31515"/>
+                </a:solidFill>
+                <a:effectLst/>
+                <a:latin typeface="Consolas" panose="020B0609020204030204" pitchFamily="49" charset="0"/>
+              </a:rPr>
+              <a:t> </a:t>
+            </a:r>
+            <a:r>
+              <a:rPr lang="en-US" b="0" dirty="0">
+                <a:solidFill>
+                  <a:srgbClr val="0000FF"/>
+                </a:solidFill>
+                <a:effectLst/>
+                <a:latin typeface="Consolas" panose="020B0609020204030204" pitchFamily="49" charset="0"/>
+              </a:rPr>
+              <a:t>${</a:t>
+            </a:r>
+            <a:r>
+              <a:rPr lang="en-US" b="0" dirty="0">
+                <a:solidFill>
+                  <a:srgbClr val="000000"/>
+                </a:solidFill>
+                <a:effectLst/>
+                <a:latin typeface="Consolas" panose="020B0609020204030204" pitchFamily="49" charset="0"/>
+              </a:rPr>
+              <a:t>props.name</a:t>
+            </a:r>
+            <a:r>
+              <a:rPr lang="en-US" b="0" dirty="0">
+                <a:solidFill>
+                  <a:srgbClr val="0000FF"/>
+                </a:solidFill>
+                <a:effectLst/>
+                <a:latin typeface="Consolas" panose="020B0609020204030204" pitchFamily="49" charset="0"/>
+              </a:rPr>
+              <a:t>}</a:t>
+            </a:r>
+            <a:r>
+              <a:rPr lang="en-US" b="0" dirty="0">
+                <a:solidFill>
+                  <a:srgbClr val="A31515"/>
+                </a:solidFill>
+                <a:effectLst/>
+                <a:latin typeface="Consolas" panose="020B0609020204030204" pitchFamily="49" charset="0"/>
+              </a:rPr>
+              <a:t> is mounting`</a:t>
+            </a:r>
+            <a:r>
+              <a:rPr lang="en-US" b="0" dirty="0">
+                <a:solidFill>
+                  <a:srgbClr val="000000"/>
+                </a:solidFill>
+                <a:effectLst/>
+                <a:latin typeface="Consolas" panose="020B0609020204030204" pitchFamily="49" charset="0"/>
+              </a:rPr>
+              <a:t>);</a:t>
+            </a:r>
+          </a:p>
+          <a:p>
+            <a:r>
+              <a:rPr lang="en-US" b="0" dirty="0">
+                <a:solidFill>
+                  <a:srgbClr val="000000"/>
+                </a:solidFill>
+                <a:effectLst/>
+                <a:latin typeface="Consolas" panose="020B0609020204030204" pitchFamily="49" charset="0"/>
+              </a:rPr>
+              <a:t>    </a:t>
+            </a:r>
+            <a:r>
+              <a:rPr lang="en-US" b="0" dirty="0">
+                <a:solidFill>
+                  <a:srgbClr val="0000FF"/>
+                </a:solidFill>
+                <a:effectLst/>
+                <a:latin typeface="Consolas" panose="020B0609020204030204" pitchFamily="49" charset="0"/>
+              </a:rPr>
+              <a:t>return</a:t>
+            </a:r>
+            <a:r>
+              <a:rPr lang="en-US" b="0" dirty="0">
+                <a:solidFill>
+                  <a:srgbClr val="000000"/>
+                </a:solidFill>
+                <a:effectLst/>
+                <a:latin typeface="Consolas" panose="020B0609020204030204" pitchFamily="49" charset="0"/>
+              </a:rPr>
+              <a:t> () </a:t>
+            </a:r>
+            <a:r>
+              <a:rPr lang="en-US" b="0" dirty="0">
+                <a:solidFill>
+                  <a:srgbClr val="0000FF"/>
+                </a:solidFill>
+                <a:effectLst/>
+                <a:latin typeface="Consolas" panose="020B0609020204030204" pitchFamily="49" charset="0"/>
+              </a:rPr>
+              <a:t>=&gt;</a:t>
+            </a:r>
+            <a:r>
+              <a:rPr lang="en-US" b="0" dirty="0">
+                <a:solidFill>
+                  <a:srgbClr val="000000"/>
+                </a:solidFill>
+                <a:effectLst/>
+                <a:latin typeface="Consolas" panose="020B0609020204030204" pitchFamily="49" charset="0"/>
+              </a:rPr>
+              <a:t> {</a:t>
+            </a:r>
+          </a:p>
+          <a:p>
+            <a:r>
+              <a:rPr lang="en-US" b="0" dirty="0">
+                <a:solidFill>
+                  <a:srgbClr val="000000"/>
+                </a:solidFill>
+                <a:effectLst/>
+                <a:latin typeface="Consolas" panose="020B0609020204030204" pitchFamily="49" charset="0"/>
+              </a:rPr>
+              <a:t>      console.log(</a:t>
+            </a:r>
+            <a:r>
+              <a:rPr lang="en-US" b="0" dirty="0">
+                <a:solidFill>
+                  <a:srgbClr val="A31515"/>
+                </a:solidFill>
+                <a:effectLst/>
+                <a:latin typeface="Consolas" panose="020B0609020204030204" pitchFamily="49" charset="0"/>
+              </a:rPr>
+              <a:t>"</a:t>
+            </a:r>
+            <a:r>
+              <a:rPr lang="en-US" b="0" dirty="0" err="1">
+                <a:solidFill>
+                  <a:srgbClr val="A31515"/>
+                </a:solidFill>
+                <a:effectLst/>
+                <a:latin typeface="Consolas" panose="020B0609020204030204" pitchFamily="49" charset="0"/>
+              </a:rPr>
+              <a:t>ClockDisplay</a:t>
+            </a:r>
+            <a:r>
+              <a:rPr lang="en-US" b="0" dirty="0">
+                <a:solidFill>
+                  <a:srgbClr val="A31515"/>
+                </a:solidFill>
+                <a:effectLst/>
+                <a:latin typeface="Consolas" panose="020B0609020204030204" pitchFamily="49" charset="0"/>
+              </a:rPr>
+              <a:t> "</a:t>
+            </a:r>
+            <a:r>
+              <a:rPr lang="en-US" b="0" dirty="0">
+                <a:solidFill>
+                  <a:srgbClr val="000000"/>
+                </a:solidFill>
+                <a:effectLst/>
+                <a:latin typeface="Consolas" panose="020B0609020204030204" pitchFamily="49" charset="0"/>
+              </a:rPr>
+              <a:t> + props.name + </a:t>
+            </a:r>
+            <a:r>
+              <a:rPr lang="en-US" b="0" dirty="0">
+                <a:solidFill>
+                  <a:srgbClr val="A31515"/>
+                </a:solidFill>
+                <a:effectLst/>
+                <a:latin typeface="Consolas" panose="020B0609020204030204" pitchFamily="49" charset="0"/>
+              </a:rPr>
+              <a:t>" is unmounting"</a:t>
+            </a:r>
+            <a:r>
+              <a:rPr lang="en-US" b="0" dirty="0">
+                <a:solidFill>
+                  <a:srgbClr val="000000"/>
+                </a:solidFill>
+                <a:effectLst/>
+                <a:latin typeface="Consolas" panose="020B0609020204030204" pitchFamily="49" charset="0"/>
+              </a:rPr>
+              <a:t>);</a:t>
+            </a:r>
+          </a:p>
+          <a:p>
+            <a:r>
+              <a:rPr lang="en-US" b="0" dirty="0">
+                <a:solidFill>
+                  <a:srgbClr val="000000"/>
+                </a:solidFill>
+                <a:effectLst/>
+                <a:latin typeface="Consolas" panose="020B0609020204030204" pitchFamily="49" charset="0"/>
+              </a:rPr>
+              <a:t>      </a:t>
+            </a:r>
+            <a:r>
+              <a:rPr lang="en-US" b="0" dirty="0" err="1">
+                <a:solidFill>
+                  <a:srgbClr val="000000"/>
+                </a:solidFill>
+                <a:effectLst/>
+                <a:latin typeface="Consolas" panose="020B0609020204030204" pitchFamily="49" charset="0"/>
+              </a:rPr>
+              <a:t>clock.removeListener</a:t>
+            </a:r>
+            <a:r>
+              <a:rPr lang="en-US" b="0" dirty="0">
+                <a:solidFill>
+                  <a:srgbClr val="000000"/>
+                </a:solidFill>
+                <a:effectLst/>
+                <a:latin typeface="Consolas" panose="020B0609020204030204" pitchFamily="49" charset="0"/>
+              </a:rPr>
+              <a:t>(listener1);</a:t>
+            </a:r>
+          </a:p>
+          <a:p>
+            <a:r>
+              <a:rPr lang="en-US" b="0" dirty="0">
+                <a:solidFill>
+                  <a:srgbClr val="000000"/>
+                </a:solidFill>
+                <a:effectLst/>
+                <a:latin typeface="Consolas" panose="020B0609020204030204" pitchFamily="49" charset="0"/>
+              </a:rPr>
+              <a:t>    };</a:t>
+            </a:r>
+          </a:p>
+          <a:p>
+            <a:r>
+              <a:rPr lang="en-US" b="0" dirty="0">
+                <a:solidFill>
+                  <a:srgbClr val="000000"/>
+                </a:solidFill>
+                <a:effectLst/>
+                <a:latin typeface="Consolas" panose="020B0609020204030204" pitchFamily="49" charset="0"/>
+              </a:rPr>
+              <a:t>  }, []);</a:t>
+            </a:r>
+          </a:p>
+          <a:p>
+            <a:endParaRPr lang="en-US" b="0" dirty="0">
+              <a:solidFill>
+                <a:srgbClr val="000000"/>
+              </a:solidFill>
+              <a:effectLst/>
+              <a:latin typeface="Consolas" panose="020B0609020204030204" pitchFamily="49" charset="0"/>
+            </a:endParaRPr>
+          </a:p>
+        </p:txBody>
+      </p:sp>
+      <p:sp>
+        <p:nvSpPr>
+          <p:cNvPr id="4" name="Rectangle 3">
+            <a:extLst>
+              <a:ext uri="{FF2B5EF4-FFF2-40B4-BE49-F238E27FC236}">
+                <a16:creationId xmlns:a16="http://schemas.microsoft.com/office/drawing/2014/main" id="{5032C79B-C273-D9E9-9FDD-71FDF4D6AB1F}"/>
+              </a:ext>
+            </a:extLst>
+          </p:cNvPr>
+          <p:cNvSpPr/>
+          <p:nvPr/>
+        </p:nvSpPr>
+        <p:spPr>
+          <a:xfrm>
+            <a:off x="723730" y="2797383"/>
+            <a:ext cx="8881777" cy="4060617"/>
+          </a:xfrm>
+          <a:prstGeom prst="rect">
+            <a:avLst/>
+          </a:prstGeom>
+          <a:solidFill>
+            <a:schemeClr val="accent2">
+              <a:alpha val="15000"/>
+            </a:schemeClr>
+          </a:solidFill>
+          <a:ln w="12700" cap="flat">
+            <a:solidFill>
+              <a:schemeClr val="accent1"/>
+            </a:solidFill>
+            <a:prstDash val="solid"/>
+            <a:miter lim="800000"/>
+          </a:ln>
+          <a:effectLst/>
+          <a:sp3d/>
+        </p:spPr>
+        <p:style>
+          <a:lnRef idx="0">
+            <a:scrgbClr r="0" g="0" b="0"/>
+          </a:lnRef>
+          <a:fillRef idx="0">
+            <a:scrgbClr r="0" g="0" b="0"/>
+          </a:fillRef>
+          <a:effectRef idx="0">
+            <a:scrgbClr r="0" g="0" b="0"/>
+          </a:effectRef>
+          <a:fontRef idx="none"/>
+        </p:style>
+        <p:txBody>
+          <a:bodyPr rot="0" spcFirstLastPara="1" vertOverflow="overflow" horzOverflow="overflow" vert="horz" wrap="square" lIns="45719" tIns="45719" rIns="45719" bIns="45719" numCol="1" spcCol="38100" rtlCol="0" anchor="ctr">
+            <a:spAutoFit/>
+          </a:bodyPr>
+          <a:lstStyle/>
+          <a:p>
+            <a:pPr marL="0" marR="0" indent="0" algn="l" defTabSz="914400" rtl="0" fontAlgn="auto" latinLnBrk="0" hangingPunct="0">
+              <a:lnSpc>
+                <a:spcPct val="100000"/>
+              </a:lnSpc>
+              <a:spcBef>
+                <a:spcPts val="0"/>
+              </a:spcBef>
+              <a:spcAft>
+                <a:spcPts val="0"/>
+              </a:spcAft>
+              <a:buClrTx/>
+              <a:buSzTx/>
+              <a:buFontTx/>
+              <a:buNone/>
+              <a:tabLst/>
+            </a:pPr>
+            <a:endParaRPr kumimoji="0" lang="en-US" sz="1800" b="0" i="0" u="none" strike="noStrike" cap="none" spc="0" normalizeH="0" baseline="0" dirty="0">
+              <a:ln>
+                <a:noFill/>
+              </a:ln>
+              <a:solidFill>
+                <a:srgbClr val="000000"/>
+              </a:solidFill>
+              <a:effectLst/>
+              <a:uFillTx/>
+              <a:latin typeface="+mn-lt"/>
+              <a:ea typeface="+mn-ea"/>
+              <a:cs typeface="+mn-cs"/>
+              <a:sym typeface="Calibri"/>
+            </a:endParaRPr>
+          </a:p>
+        </p:txBody>
+      </p:sp>
+      <p:sp>
+        <p:nvSpPr>
+          <p:cNvPr id="5" name="Arrow: Left 4">
+            <a:extLst>
+              <a:ext uri="{FF2B5EF4-FFF2-40B4-BE49-F238E27FC236}">
+                <a16:creationId xmlns:a16="http://schemas.microsoft.com/office/drawing/2014/main" id="{F2E851EA-7F76-8634-744D-CD4235A71984}"/>
+              </a:ext>
+            </a:extLst>
+          </p:cNvPr>
+          <p:cNvSpPr/>
+          <p:nvPr/>
+        </p:nvSpPr>
+        <p:spPr>
+          <a:xfrm>
+            <a:off x="9754072" y="4369153"/>
+            <a:ext cx="2437928" cy="917075"/>
+          </a:xfrm>
+          <a:prstGeom prst="leftArrow">
+            <a:avLst/>
+          </a:prstGeom>
+          <a:solidFill>
+            <a:schemeClr val="tx2">
+              <a:lumMod val="20000"/>
+              <a:lumOff val="80000"/>
+            </a:schemeClr>
+          </a:solidFill>
+          <a:ln w="12700" cap="flat">
+            <a:solidFill>
+              <a:schemeClr val="accent1"/>
+            </a:solidFill>
+            <a:prstDash val="solid"/>
+            <a:miter lim="800000"/>
+          </a:ln>
+          <a:effectLst/>
+          <a:sp3d/>
+        </p:spPr>
+        <p:style>
+          <a:lnRef idx="0">
+            <a:scrgbClr r="0" g="0" b="0"/>
+          </a:lnRef>
+          <a:fillRef idx="0">
+            <a:scrgbClr r="0" g="0" b="0"/>
+          </a:fillRef>
+          <a:effectRef idx="0">
+            <a:scrgbClr r="0" g="0" b="0"/>
+          </a:effectRef>
+          <a:fontRef idx="none"/>
+        </p:style>
+        <p:txBody>
+          <a:bodyPr rot="0" spcFirstLastPara="1" vertOverflow="overflow" horzOverflow="overflow" vert="horz" wrap="square" lIns="45719" tIns="45719" rIns="45719" bIns="45719" numCol="1" spcCol="38100" rtlCol="0" anchor="ctr">
+            <a:spAutoFit/>
+          </a:bodyPr>
+          <a:lstStyle/>
+          <a:p>
+            <a:pPr marL="0" marR="0" indent="0" algn="ctr" defTabSz="914400" rtl="0" fontAlgn="auto" latinLnBrk="0" hangingPunct="0">
+              <a:lnSpc>
+                <a:spcPct val="100000"/>
+              </a:lnSpc>
+              <a:spcBef>
+                <a:spcPts val="0"/>
+              </a:spcBef>
+              <a:spcAft>
+                <a:spcPts val="0"/>
+              </a:spcAft>
+              <a:buClrTx/>
+              <a:buSzTx/>
+              <a:buFontTx/>
+              <a:buNone/>
+              <a:tabLst/>
+            </a:pPr>
+            <a:r>
+              <a:rPr kumimoji="0" lang="en-US" sz="2400" b="0" i="0" u="none" strike="noStrike" cap="none" spc="0" normalizeH="0" baseline="0" dirty="0">
+                <a:ln>
+                  <a:noFill/>
+                </a:ln>
+                <a:solidFill>
+                  <a:srgbClr val="000000"/>
+                </a:solidFill>
+                <a:effectLst/>
+                <a:uFillTx/>
+                <a:latin typeface="+mn-lt"/>
+                <a:ea typeface="+mn-ea"/>
+                <a:cs typeface="+mn-cs"/>
+                <a:sym typeface="Calibri"/>
+              </a:rPr>
+              <a:t>business logic</a:t>
+            </a:r>
+          </a:p>
+        </p:txBody>
+      </p:sp>
+    </p:spTree>
+    <p:extLst>
+      <p:ext uri="{BB962C8B-B14F-4D97-AF65-F5344CB8AC3E}">
+        <p14:creationId xmlns:p14="http://schemas.microsoft.com/office/powerpoint/2010/main" val="845014683"/>
+      </p:ext>
+    </p:extLst>
+  </p:cSld>
+  <p:clrMapOvr>
+    <a:masterClrMapping/>
+  </p:clrMapOvr>
+  <p:transition spd="med"/>
+</p:sld>
+</file>
+
+<file path=ppt/slides/slide11.xml><?xml version="1.0" encoding="utf-8"?>
 <p:sld xmlns:a="http://schemas.openxmlformats.org/drawingml/2006/main" xmlns:r="http://schemas.openxmlformats.org/officeDocument/2006/relationships" xmlns:p="http://schemas.openxmlformats.org/presentationml/2006/main">
   <p:cSld>
     <p:spTree>
@@ -9064,7 +10621,7 @@
           <a:p>
             <a:fld id="{86CB4B4D-7CA3-9044-876B-883B54F8677D}" type="slidenum">
               <a:rPr lang="en-US" smtClean="0"/>
-              <a:t>10</a:t>
+              <a:t>11</a:t>
             </a:fld>
             <a:endParaRPr lang="en-US"/>
           </a:p>
@@ -10874,7 +12431,7 @@
 </p:sld>
 </file>
 
-<file path=ppt/slides/slide11.xml><?xml version="1.0" encoding="utf-8"?>
+<file path=ppt/slides/slide12.xml><?xml version="1.0" encoding="utf-8"?>
 <p:sld xmlns:a="http://schemas.openxmlformats.org/drawingml/2006/main" xmlns:r="http://schemas.openxmlformats.org/officeDocument/2006/relationships" xmlns:p="http://schemas.openxmlformats.org/presentationml/2006/main">
   <p:cSld>
     <p:spTree>
@@ -10947,7 +12504,7 @@
           <a:p>
             <a:fld id="{86CB4B4D-7CA3-9044-876B-883B54F8677D}" type="slidenum">
               <a:rPr lang="en-US" smtClean="0"/>
-              <a:t>11</a:t>
+              <a:t>12</a:t>
             </a:fld>
             <a:endParaRPr lang="en-US"/>
           </a:p>
@@ -10997,7 +12554,7 @@
 </p:sld>
 </file>
 
-<file path=ppt/slides/slide12.xml><?xml version="1.0" encoding="utf-8"?>
+<file path=ppt/slides/slide13.xml><?xml version="1.0" encoding="utf-8"?>
 <p:sld xmlns:a="http://schemas.openxmlformats.org/drawingml/2006/main" xmlns:r="http://schemas.openxmlformats.org/officeDocument/2006/relationships" xmlns:p="http://schemas.openxmlformats.org/presentationml/2006/main">
   <p:cSld>
     <p:spTree>
@@ -11079,7 +12636,7 @@
           <a:p>
             <a:r>
               <a:rPr lang="en-US" dirty="0"/>
-              <a:t>The effect is only executed if the values in the dependency change (e.g. by a setter)</a:t>
+              <a:t>The effect is only executed if one or more of the values in the dependency change (e.g. by a setter)</a:t>
             </a:r>
           </a:p>
           <a:p>
@@ -11127,7 +12684,7 @@
           <a:p>
             <a:fld id="{86CB4B4D-7CA3-9044-876B-883B54F8677D}" type="slidenum">
               <a:rPr lang="en-US" smtClean="0"/>
-              <a:t>12</a:t>
+              <a:t>13</a:t>
             </a:fld>
             <a:endParaRPr lang="en-US"/>
           </a:p>
@@ -11147,7 +12704,7 @@
 </p:sld>
 </file>
 
-<file path=ppt/slides/slide13.xml><?xml version="1.0" encoding="utf-8"?>
+<file path=ppt/slides/slide14.xml><?xml version="1.0" encoding="utf-8"?>
 <p:sld xmlns:a="http://schemas.openxmlformats.org/drawingml/2006/main" xmlns:r="http://schemas.openxmlformats.org/officeDocument/2006/relationships" xmlns:p="http://schemas.openxmlformats.org/presentationml/2006/main">
   <p:cSld>
     <p:spTree>
@@ -12109,7 +13666,7 @@
                 <a:effectLst/>
                 <a:latin typeface="Consolas" panose="020B0609020204030204" pitchFamily="49" charset="0"/>
               </a:rPr>
-              <a:t>// runs when n or m changes</a:t>
+              <a:t>// runs on every render</a:t>
             </a:r>
             <a:endParaRPr lang="en-US" sz="1400" b="0" dirty="0">
               <a:solidFill>
@@ -12250,37 +13807,17 @@
                 <a:effectLst/>
                 <a:latin typeface="Consolas" panose="020B0609020204030204" pitchFamily="49" charset="0"/>
               </a:rPr>
-              <a:t> #2MN is run when m or n changes’</a:t>
-            </a:r>
-            <a:r>
-              <a:rPr lang="en-US" sz="1400" b="0" dirty="0">
-                <a:solidFill>
-                  <a:srgbClr val="000000"/>
-                </a:solidFill>
-                <a:effectLst/>
-                <a:latin typeface="Consolas" panose="020B0609020204030204" pitchFamily="49" charset="0"/>
-              </a:rPr>
-              <a:t>)}, [</a:t>
-            </a:r>
-            <a:r>
-              <a:rPr lang="en-US" sz="1400" b="0" dirty="0" err="1">
-                <a:solidFill>
-                  <a:srgbClr val="0070C1"/>
-                </a:solidFill>
-                <a:effectLst/>
-                <a:latin typeface="Consolas" panose="020B0609020204030204" pitchFamily="49" charset="0"/>
-              </a:rPr>
-              <a:t>m,n</a:t>
-            </a:r>
-            <a:r>
-              <a:rPr lang="en-US" sz="1400" b="0" dirty="0">
-                <a:solidFill>
-                  <a:srgbClr val="000000"/>
-                </a:solidFill>
-                <a:effectLst/>
-                <a:latin typeface="Consolas" panose="020B0609020204030204" pitchFamily="49" charset="0"/>
-              </a:rPr>
-              <a:t>])</a:t>
+              <a:t> #3A is called on every render'</a:t>
+            </a:r>
+            <a:r>
+              <a:rPr lang="en-US" sz="1400" b="0" dirty="0">
+                <a:solidFill>
+                  <a:srgbClr val="000000"/>
+                </a:solidFill>
+                <a:effectLst/>
+                <a:latin typeface="Consolas" panose="020B0609020204030204" pitchFamily="49" charset="0"/>
+              </a:rPr>
+              <a:t>)})</a:t>
             </a:r>
           </a:p>
           <a:p>
@@ -12611,7 +14148,7 @@
           <a:p>
             <a:fld id="{86CB4B4D-7CA3-9044-876B-883B54F8677D}" type="slidenum">
               <a:rPr lang="en-US" smtClean="0"/>
-              <a:t>13</a:t>
+              <a:t>14</a:t>
             </a:fld>
             <a:endParaRPr lang="en-US"/>
           </a:p>
@@ -12631,7 +14168,7 @@
 </p:sld>
 </file>
 
-<file path=ppt/slides/slide14.xml><?xml version="1.0" encoding="utf-8"?>
+<file path=ppt/slides/slide15.xml><?xml version="1.0" encoding="utf-8"?>
 <p:sld xmlns:a="http://schemas.openxmlformats.org/drawingml/2006/main" xmlns:r="http://schemas.openxmlformats.org/officeDocument/2006/relationships" xmlns:p="http://schemas.openxmlformats.org/presentationml/2006/main">
   <p:cSld>
     <p:spTree>
@@ -14124,7 +15661,7 @@
           <a:p>
             <a:fld id="{86CB4B4D-7CA3-9044-876B-883B54F8677D}" type="slidenum">
               <a:rPr lang="en-US" smtClean="0"/>
-              <a:t>14</a:t>
+              <a:t>15</a:t>
             </a:fld>
             <a:endParaRPr lang="en-US"/>
           </a:p>
@@ -14144,7 +15681,7 @@
 </p:sld>
 </file>
 
-<file path=ppt/slides/slide15.xml><?xml version="1.0" encoding="utf-8"?>
+<file path=ppt/slides/slide16.xml><?xml version="1.0" encoding="utf-8"?>
 <p:sld xmlns:a="http://schemas.openxmlformats.org/drawingml/2006/main" xmlns:r="http://schemas.openxmlformats.org/officeDocument/2006/relationships" xmlns:p="http://schemas.openxmlformats.org/presentationml/2006/main">
   <p:cSld>
     <p:spTree>
@@ -14212,7 +15749,7 @@
           <a:p>
             <a:fld id="{86CB4B4D-7CA3-9044-876B-883B54F8677D}" type="slidenum">
               <a:rPr lang="en-US" smtClean="0"/>
-              <a:t>15</a:t>
+              <a:t>16</a:t>
             </a:fld>
             <a:endParaRPr lang="en-US"/>
           </a:p>
@@ -14220,10 +15757,10 @@
       </p:sp>
       <p:pic>
         <p:nvPicPr>
-          <p:cNvPr id="8" name="Picture 7">
+          <p:cNvPr id="5" name="Picture 4">
             <a:extLst>
               <a:ext uri="{FF2B5EF4-FFF2-40B4-BE49-F238E27FC236}">
-                <a16:creationId xmlns:a16="http://schemas.microsoft.com/office/drawing/2014/main" id="{1690B66E-55D7-2A39-FBD1-BAA594CC1B8C}"/>
+                <a16:creationId xmlns:a16="http://schemas.microsoft.com/office/drawing/2014/main" id="{2C4F288C-ADBE-D863-24A3-6B2814863D39}"/>
               </a:ext>
             </a:extLst>
           </p:cNvPr>
@@ -14240,8 +15777,8 @@
         </p:blipFill>
         <p:spPr>
           <a:xfrm>
-            <a:off x="0" y="1546161"/>
-            <a:ext cx="12192000" cy="2972463"/>
+            <a:off x="0" y="1676741"/>
+            <a:ext cx="12192000" cy="4386841"/>
           </a:xfrm>
           <a:prstGeom prst="rect">
             <a:avLst/>
@@ -14262,7 +15799,7 @@
 </p:sld>
 </file>
 
-<file path=ppt/slides/slide16.xml><?xml version="1.0" encoding="utf-8"?>
+<file path=ppt/slides/slide17.xml><?xml version="1.0" encoding="utf-8"?>
 <p:sld xmlns:a="http://schemas.openxmlformats.org/drawingml/2006/main" xmlns:r="http://schemas.openxmlformats.org/officeDocument/2006/relationships" xmlns:p="http://schemas.openxmlformats.org/presentationml/2006/main">
   <p:cSld>
     <p:spTree>
@@ -14383,7 +15920,7 @@
           <a:p>
             <a:fld id="{86CB4B4D-7CA3-9044-876B-883B54F8677D}" type="slidenum">
               <a:rPr lang="en-US" smtClean="0"/>
-              <a:t>16</a:t>
+              <a:t>17</a:t>
             </a:fld>
             <a:endParaRPr lang="en-US"/>
           </a:p>
@@ -14403,7 +15940,7 @@
 </p:sld>
 </file>
 
-<file path=ppt/slides/slide17.xml><?xml version="1.0" encoding="utf-8"?>
+<file path=ppt/slides/slide18.xml><?xml version="1.0" encoding="utf-8"?>
 <p:sld xmlns:a="http://schemas.openxmlformats.org/drawingml/2006/main" xmlns:r="http://schemas.openxmlformats.org/officeDocument/2006/relationships" xmlns:p="http://schemas.openxmlformats.org/presentationml/2006/main">
   <p:cSld>
     <p:spTree>
@@ -14420,6 +15957,31 @@
           <a:chExt cx="0" cy="0"/>
         </a:xfrm>
       </p:grpSpPr>
+      <p:sp>
+        <p:nvSpPr>
+          <p:cNvPr id="5" name="Title 4">
+            <a:extLst>
+              <a:ext uri="{FF2B5EF4-FFF2-40B4-BE49-F238E27FC236}">
+                <a16:creationId xmlns:a16="http://schemas.microsoft.com/office/drawing/2014/main" id="{91563738-005E-8B76-F936-07E690F33FDB}"/>
+              </a:ext>
+            </a:extLst>
+          </p:cNvPr>
+          <p:cNvSpPr>
+            <a:spLocks noGrp="1"/>
+          </p:cNvSpPr>
+          <p:nvPr>
+            <p:ph type="title"/>
+          </p:nvPr>
+        </p:nvSpPr>
+        <p:spPr/>
+        <p:txBody>
+          <a:bodyPr/>
+          <a:lstStyle/>
+          <a:p>
+            <a:endParaRPr lang="en-US" dirty="0"/>
+          </a:p>
+        </p:txBody>
+      </p:sp>
       <p:sp>
         <p:nvSpPr>
           <p:cNvPr id="4" name="Slide Number Placeholder 3">
@@ -14443,7 +16005,7 @@
           <a:p>
             <a:fld id="{86CB4B4D-7CA3-9044-876B-883B54F8677D}" type="slidenum">
               <a:rPr lang="en-US" smtClean="0"/>
-              <a:t>17</a:t>
+              <a:t>18</a:t>
             </a:fld>
             <a:endParaRPr lang="en-US"/>
           </a:p>
@@ -15760,34 +17322,6 @@
           </a:p>
         </p:txBody>
       </p:sp>
-      <p:sp>
-        <p:nvSpPr>
-          <p:cNvPr id="3" name="Title 2">
-            <a:extLst>
-              <a:ext uri="{FF2B5EF4-FFF2-40B4-BE49-F238E27FC236}">
-                <a16:creationId xmlns:a16="http://schemas.microsoft.com/office/drawing/2014/main" id="{058EA661-A403-A1C7-4FFF-846E6D8ABB3B}"/>
-              </a:ext>
-            </a:extLst>
-          </p:cNvPr>
-          <p:cNvSpPr>
-            <a:spLocks noGrp="1"/>
-          </p:cNvSpPr>
-          <p:nvPr>
-            <p:ph type="title"/>
-          </p:nvPr>
-        </p:nvSpPr>
-        <p:spPr/>
-        <p:txBody>
-          <a:bodyPr/>
-          <a:lstStyle/>
-          <a:p>
-            <a:r>
-              <a:rPr lang="en-US" dirty="0"/>
-              <a:t>Example</a:t>
-            </a:r>
-          </a:p>
-        </p:txBody>
-      </p:sp>
     </p:spTree>
     <p:extLst>
       <p:ext uri="{BB962C8B-B14F-4D97-AF65-F5344CB8AC3E}">
@@ -15802,7 +17336,7 @@
 </p:sld>
 </file>
 
-<file path=ppt/slides/slide18.xml><?xml version="1.0" encoding="utf-8"?>
+<file path=ppt/slides/slide19.xml><?xml version="1.0" encoding="utf-8"?>
 <p:sld xmlns:a="http://schemas.openxmlformats.org/drawingml/2006/main" xmlns:r="http://schemas.openxmlformats.org/officeDocument/2006/relationships" xmlns:p="http://schemas.openxmlformats.org/presentationml/2006/main">
   <p:cSld>
     <p:spTree>
@@ -15840,10 +17374,7 @@
           <a:bodyPr/>
           <a:lstStyle/>
           <a:p>
-            <a:r>
-              <a:rPr lang="en-US" dirty="0"/>
-              <a:t>Demo</a:t>
-            </a:r>
+            <a:endParaRPr lang="en-US"/>
           </a:p>
         </p:txBody>
       </p:sp>
@@ -15870,7 +17401,7 @@
           <a:p>
             <a:fld id="{86CB4B4D-7CA3-9044-876B-883B54F8677D}" type="slidenum">
               <a:rPr lang="en-US" smtClean="0"/>
-              <a:t>18</a:t>
+              <a:t>19</a:t>
             </a:fld>
             <a:endParaRPr lang="en-US"/>
           </a:p>
@@ -15878,10 +17409,10 @@
       </p:sp>
       <p:pic>
         <p:nvPicPr>
-          <p:cNvPr id="4" name="Picture 3">
+          <p:cNvPr id="5" name="Picture 4">
             <a:extLst>
               <a:ext uri="{FF2B5EF4-FFF2-40B4-BE49-F238E27FC236}">
-                <a16:creationId xmlns:a16="http://schemas.microsoft.com/office/drawing/2014/main" id="{D005902B-4A4B-86A0-C55C-221445C76851}"/>
+                <a16:creationId xmlns:a16="http://schemas.microsoft.com/office/drawing/2014/main" id="{8EA3F860-29F9-9A7C-A793-7F2ECE6FF4FB}"/>
               </a:ext>
             </a:extLst>
           </p:cNvPr>
@@ -15898,8 +17429,8 @@
         </p:blipFill>
         <p:spPr>
           <a:xfrm>
-            <a:off x="132201" y="1523237"/>
-            <a:ext cx="12004713" cy="3752976"/>
+            <a:off x="123092" y="696965"/>
+            <a:ext cx="12192000" cy="5464069"/>
           </a:xfrm>
           <a:prstGeom prst="rect">
             <a:avLst/>
@@ -15910,144 +17441,6 @@
     <p:extLst>
       <p:ext uri="{BB962C8B-B14F-4D97-AF65-F5344CB8AC3E}">
         <p14:creationId xmlns:p14="http://schemas.microsoft.com/office/powerpoint/2010/main" val="1941355569"/>
-      </p:ext>
-    </p:extLst>
-  </p:cSld>
-  <p:clrMapOvr>
-    <a:masterClrMapping/>
-  </p:clrMapOvr>
-  <p:transition spd="med"/>
-</p:sld>
-</file>
-
-<file path=ppt/slides/slide19.xml><?xml version="1.0" encoding="utf-8"?>
-<p:sld xmlns:a="http://schemas.openxmlformats.org/drawingml/2006/main" xmlns:r="http://schemas.openxmlformats.org/officeDocument/2006/relationships" xmlns:p="http://schemas.openxmlformats.org/presentationml/2006/main">
-  <p:cSld>
-    <p:spTree>
-      <p:nvGrpSpPr>
-        <p:cNvPr id="1" name=""/>
-        <p:cNvGrpSpPr/>
-        <p:nvPr/>
-      </p:nvGrpSpPr>
-      <p:grpSpPr>
-        <a:xfrm>
-          <a:off x="0" y="0"/>
-          <a:ext cx="0" cy="0"/>
-          <a:chOff x="0" y="0"/>
-          <a:chExt cx="0" cy="0"/>
-        </a:xfrm>
-      </p:grpSpPr>
-      <p:sp>
-        <p:nvSpPr>
-          <p:cNvPr id="2" name="Title 1">
-            <a:extLst>
-              <a:ext uri="{FF2B5EF4-FFF2-40B4-BE49-F238E27FC236}">
-                <a16:creationId xmlns:a16="http://schemas.microsoft.com/office/drawing/2014/main" id="{5F6C7F50-4AD0-5135-AE43-F91148B4DBFA}"/>
-              </a:ext>
-            </a:extLst>
-          </p:cNvPr>
-          <p:cNvSpPr>
-            <a:spLocks noGrp="1"/>
-          </p:cNvSpPr>
-          <p:nvPr>
-            <p:ph type="title"/>
-          </p:nvPr>
-        </p:nvSpPr>
-        <p:spPr/>
-        <p:txBody>
-          <a:bodyPr/>
-          <a:lstStyle/>
-          <a:p>
-            <a:r>
-              <a:rPr lang="en-US" dirty="0"/>
-              <a:t>Custom Hooks</a:t>
-            </a:r>
-          </a:p>
-        </p:txBody>
-      </p:sp>
-      <p:sp>
-        <p:nvSpPr>
-          <p:cNvPr id="3" name="Text Placeholder 2">
-            <a:extLst>
-              <a:ext uri="{FF2B5EF4-FFF2-40B4-BE49-F238E27FC236}">
-                <a16:creationId xmlns:a16="http://schemas.microsoft.com/office/drawing/2014/main" id="{98FC7662-3EE7-92E8-8427-76E9027BE025}"/>
-              </a:ext>
-            </a:extLst>
-          </p:cNvPr>
-          <p:cNvSpPr>
-            <a:spLocks noGrp="1"/>
-          </p:cNvSpPr>
-          <p:nvPr>
-            <p:ph type="body" idx="1"/>
-          </p:nvPr>
-        </p:nvSpPr>
-        <p:spPr/>
-        <p:txBody>
-          <a:bodyPr/>
-          <a:lstStyle/>
-          <a:p>
-            <a:r>
-              <a:rPr lang="en-US" dirty="0"/>
-              <a:t>REACT lets us combine </a:t>
-            </a:r>
-            <a:r>
-              <a:rPr lang="en-US" dirty="0" err="1"/>
-              <a:t>useState</a:t>
-            </a:r>
-            <a:r>
-              <a:rPr lang="en-US" dirty="0"/>
-              <a:t> and </a:t>
-            </a:r>
-            <a:r>
-              <a:rPr lang="en-US" dirty="0" err="1"/>
-              <a:t>useEffect</a:t>
-            </a:r>
-            <a:r>
-              <a:rPr lang="en-US" dirty="0"/>
-              <a:t> to build custom hooks.</a:t>
-            </a:r>
-          </a:p>
-          <a:p>
-            <a:r>
-              <a:rPr lang="en-US" dirty="0"/>
-              <a:t>Custom Hooks let us separate business logic from display logic</a:t>
-            </a:r>
-          </a:p>
-        </p:txBody>
-      </p:sp>
-      <p:sp>
-        <p:nvSpPr>
-          <p:cNvPr id="4" name="Slide Number Placeholder 3">
-            <a:extLst>
-              <a:ext uri="{FF2B5EF4-FFF2-40B4-BE49-F238E27FC236}">
-                <a16:creationId xmlns:a16="http://schemas.microsoft.com/office/drawing/2014/main" id="{20B320A2-2F20-DA92-936C-B16ADF140647}"/>
-              </a:ext>
-            </a:extLst>
-          </p:cNvPr>
-          <p:cNvSpPr>
-            <a:spLocks noGrp="1"/>
-          </p:cNvSpPr>
-          <p:nvPr>
-            <p:ph type="sldNum" sz="quarter" idx="2"/>
-          </p:nvPr>
-        </p:nvSpPr>
-        <p:spPr/>
-        <p:txBody>
-          <a:bodyPr/>
-          <a:lstStyle/>
-          <a:p>
-            <a:fld id="{86CB4B4D-7CA3-9044-876B-883B54F8677D}" type="slidenum">
-              <a:rPr lang="en-US" smtClean="0"/>
-              <a:t>19</a:t>
-            </a:fld>
-            <a:endParaRPr lang="en-US"/>
-          </a:p>
-        </p:txBody>
-      </p:sp>
-    </p:spTree>
-    <p:extLst>
-      <p:ext uri="{BB962C8B-B14F-4D97-AF65-F5344CB8AC3E}">
-        <p14:creationId xmlns:p14="http://schemas.microsoft.com/office/powerpoint/2010/main" val="3248419483"/>
       </p:ext>
     </p:extLst>
   </p:cSld>
@@ -16274,6 +17667,257 @@
       </p:grpSpPr>
       <p:sp>
         <p:nvSpPr>
+          <p:cNvPr id="2" name="Title 1">
+            <a:extLst>
+              <a:ext uri="{FF2B5EF4-FFF2-40B4-BE49-F238E27FC236}">
+                <a16:creationId xmlns:a16="http://schemas.microsoft.com/office/drawing/2014/main" id="{26420DD3-2520-341E-73CC-DBEAAF3A3038}"/>
+              </a:ext>
+            </a:extLst>
+          </p:cNvPr>
+          <p:cNvSpPr>
+            <a:spLocks noGrp="1"/>
+          </p:cNvSpPr>
+          <p:nvPr>
+            <p:ph type="title"/>
+          </p:nvPr>
+        </p:nvSpPr>
+        <p:spPr/>
+        <p:txBody>
+          <a:bodyPr/>
+          <a:lstStyle/>
+          <a:p>
+            <a:r>
+              <a:rPr lang="en-US" dirty="0"/>
+              <a:t>Lesson 9.2 Custom Hooks</a:t>
+            </a:r>
+          </a:p>
+        </p:txBody>
+      </p:sp>
+      <p:sp>
+        <p:nvSpPr>
+          <p:cNvPr id="3" name="Text Placeholder 2">
+            <a:extLst>
+              <a:ext uri="{FF2B5EF4-FFF2-40B4-BE49-F238E27FC236}">
+                <a16:creationId xmlns:a16="http://schemas.microsoft.com/office/drawing/2014/main" id="{ECA70242-122B-ECB8-DA86-DBC32541B904}"/>
+              </a:ext>
+            </a:extLst>
+          </p:cNvPr>
+          <p:cNvSpPr>
+            <a:spLocks noGrp="1"/>
+          </p:cNvSpPr>
+          <p:nvPr>
+            <p:ph type="body" sz="half" idx="1"/>
+          </p:nvPr>
+        </p:nvSpPr>
+        <p:spPr/>
+        <p:txBody>
+          <a:bodyPr/>
+          <a:lstStyle/>
+          <a:p>
+            <a:endParaRPr lang="en-US"/>
+          </a:p>
+        </p:txBody>
+      </p:sp>
+      <p:sp>
+        <p:nvSpPr>
+          <p:cNvPr id="4" name="Slide Number Placeholder 3">
+            <a:extLst>
+              <a:ext uri="{FF2B5EF4-FFF2-40B4-BE49-F238E27FC236}">
+                <a16:creationId xmlns:a16="http://schemas.microsoft.com/office/drawing/2014/main" id="{A7A84572-D9AF-DC9C-18CF-5AED9F4757E9}"/>
+              </a:ext>
+            </a:extLst>
+          </p:cNvPr>
+          <p:cNvSpPr>
+            <a:spLocks noGrp="1"/>
+          </p:cNvSpPr>
+          <p:nvPr>
+            <p:ph type="sldNum" sz="quarter" idx="2"/>
+          </p:nvPr>
+        </p:nvSpPr>
+        <p:spPr/>
+        <p:txBody>
+          <a:bodyPr/>
+          <a:lstStyle/>
+          <a:p>
+            <a:fld id="{86CB4B4D-7CA3-9044-876B-883B54F8677D}" type="slidenum">
+              <a:rPr lang="en-US" smtClean="0"/>
+              <a:t>20</a:t>
+            </a:fld>
+            <a:endParaRPr lang="en-US"/>
+          </a:p>
+        </p:txBody>
+      </p:sp>
+    </p:spTree>
+    <p:extLst>
+      <p:ext uri="{BB962C8B-B14F-4D97-AF65-F5344CB8AC3E}">
+        <p14:creationId xmlns:p14="http://schemas.microsoft.com/office/powerpoint/2010/main" val="3589980470"/>
+      </p:ext>
+    </p:extLst>
+  </p:cSld>
+  <p:clrMapOvr>
+    <a:masterClrMapping/>
+  </p:clrMapOvr>
+  <p:transition spd="med"/>
+</p:sld>
+</file>
+
+<file path=ppt/slides/slide21.xml><?xml version="1.0" encoding="utf-8"?>
+<p:sld xmlns:a="http://schemas.openxmlformats.org/drawingml/2006/main" xmlns:r="http://schemas.openxmlformats.org/officeDocument/2006/relationships" xmlns:p="http://schemas.openxmlformats.org/presentationml/2006/main">
+  <p:cSld>
+    <p:spTree>
+      <p:nvGrpSpPr>
+        <p:cNvPr id="1" name=""/>
+        <p:cNvGrpSpPr/>
+        <p:nvPr/>
+      </p:nvGrpSpPr>
+      <p:grpSpPr>
+        <a:xfrm>
+          <a:off x="0" y="0"/>
+          <a:ext cx="0" cy="0"/>
+          <a:chOff x="0" y="0"/>
+          <a:chExt cx="0" cy="0"/>
+        </a:xfrm>
+      </p:grpSpPr>
+      <p:sp>
+        <p:nvSpPr>
+          <p:cNvPr id="2" name="Title 1">
+            <a:extLst>
+              <a:ext uri="{FF2B5EF4-FFF2-40B4-BE49-F238E27FC236}">
+                <a16:creationId xmlns:a16="http://schemas.microsoft.com/office/drawing/2014/main" id="{5F6C7F50-4AD0-5135-AE43-F91148B4DBFA}"/>
+              </a:ext>
+            </a:extLst>
+          </p:cNvPr>
+          <p:cNvSpPr>
+            <a:spLocks noGrp="1"/>
+          </p:cNvSpPr>
+          <p:nvPr>
+            <p:ph type="title"/>
+          </p:nvPr>
+        </p:nvSpPr>
+        <p:spPr/>
+        <p:txBody>
+          <a:bodyPr/>
+          <a:lstStyle/>
+          <a:p>
+            <a:r>
+              <a:rPr lang="en-US" dirty="0"/>
+              <a:t>Custom Hooks</a:t>
+            </a:r>
+          </a:p>
+        </p:txBody>
+      </p:sp>
+      <p:sp>
+        <p:nvSpPr>
+          <p:cNvPr id="3" name="Text Placeholder 2">
+            <a:extLst>
+              <a:ext uri="{FF2B5EF4-FFF2-40B4-BE49-F238E27FC236}">
+                <a16:creationId xmlns:a16="http://schemas.microsoft.com/office/drawing/2014/main" id="{98FC7662-3EE7-92E8-8427-76E9027BE025}"/>
+              </a:ext>
+            </a:extLst>
+          </p:cNvPr>
+          <p:cNvSpPr>
+            <a:spLocks noGrp="1"/>
+          </p:cNvSpPr>
+          <p:nvPr>
+            <p:ph type="body" idx="1"/>
+          </p:nvPr>
+        </p:nvSpPr>
+        <p:spPr/>
+        <p:txBody>
+          <a:bodyPr/>
+          <a:lstStyle/>
+          <a:p>
+            <a:r>
+              <a:rPr lang="en-US" dirty="0"/>
+              <a:t>REACT lets us combine </a:t>
+            </a:r>
+            <a:r>
+              <a:rPr lang="en-US" dirty="0" err="1"/>
+              <a:t>useState</a:t>
+            </a:r>
+            <a:r>
+              <a:rPr lang="en-US" dirty="0"/>
+              <a:t> and </a:t>
+            </a:r>
+            <a:r>
+              <a:rPr lang="en-US" dirty="0" err="1"/>
+              <a:t>useEffect</a:t>
+            </a:r>
+            <a:r>
+              <a:rPr lang="en-US" dirty="0"/>
+              <a:t> to build custom hooks.</a:t>
+            </a:r>
+          </a:p>
+          <a:p>
+            <a:r>
+              <a:rPr lang="en-US" dirty="0"/>
+              <a:t>Custom Hooks let us separate business logic from display logic</a:t>
+            </a:r>
+          </a:p>
+        </p:txBody>
+      </p:sp>
+      <p:sp>
+        <p:nvSpPr>
+          <p:cNvPr id="4" name="Slide Number Placeholder 3">
+            <a:extLst>
+              <a:ext uri="{FF2B5EF4-FFF2-40B4-BE49-F238E27FC236}">
+                <a16:creationId xmlns:a16="http://schemas.microsoft.com/office/drawing/2014/main" id="{20B320A2-2F20-DA92-936C-B16ADF140647}"/>
+              </a:ext>
+            </a:extLst>
+          </p:cNvPr>
+          <p:cNvSpPr>
+            <a:spLocks noGrp="1"/>
+          </p:cNvSpPr>
+          <p:nvPr>
+            <p:ph type="sldNum" sz="quarter" idx="2"/>
+          </p:nvPr>
+        </p:nvSpPr>
+        <p:spPr/>
+        <p:txBody>
+          <a:bodyPr/>
+          <a:lstStyle/>
+          <a:p>
+            <a:fld id="{86CB4B4D-7CA3-9044-876B-883B54F8677D}" type="slidenum">
+              <a:rPr lang="en-US" smtClean="0"/>
+              <a:t>21</a:t>
+            </a:fld>
+            <a:endParaRPr lang="en-US"/>
+          </a:p>
+        </p:txBody>
+      </p:sp>
+    </p:spTree>
+    <p:extLst>
+      <p:ext uri="{BB962C8B-B14F-4D97-AF65-F5344CB8AC3E}">
+        <p14:creationId xmlns:p14="http://schemas.microsoft.com/office/powerpoint/2010/main" val="3248419483"/>
+      </p:ext>
+    </p:extLst>
+  </p:cSld>
+  <p:clrMapOvr>
+    <a:masterClrMapping/>
+  </p:clrMapOvr>
+  <p:transition spd="med"/>
+</p:sld>
+</file>
+
+<file path=ppt/slides/slide22.xml><?xml version="1.0" encoding="utf-8"?>
+<p:sld xmlns:a="http://schemas.openxmlformats.org/drawingml/2006/main" xmlns:r="http://schemas.openxmlformats.org/officeDocument/2006/relationships" xmlns:p="http://schemas.openxmlformats.org/presentationml/2006/main">
+  <p:cSld>
+    <p:spTree>
+      <p:nvGrpSpPr>
+        <p:cNvPr id="1" name=""/>
+        <p:cNvGrpSpPr/>
+        <p:nvPr/>
+      </p:nvGrpSpPr>
+      <p:grpSpPr>
+        <a:xfrm>
+          <a:off x="0" y="0"/>
+          <a:ext cx="0" cy="0"/>
+          <a:chOff x="0" y="0"/>
+          <a:chExt cx="0" cy="0"/>
+        </a:xfrm>
+      </p:grpSpPr>
+      <p:sp>
+        <p:nvSpPr>
           <p:cNvPr id="5" name="Title 4">
             <a:extLst>
               <a:ext uri="{FF2B5EF4-FFF2-40B4-BE49-F238E27FC236}">
@@ -16328,7 +17972,7 @@
           <a:p>
             <a:fld id="{86CB4B4D-7CA3-9044-876B-883B54F8677D}" type="slidenum">
               <a:rPr lang="en-US" smtClean="0"/>
-              <a:t>20</a:t>
+              <a:t>22</a:t>
             </a:fld>
             <a:endParaRPr lang="en-US"/>
           </a:p>
@@ -16814,7 +18458,7 @@
 </p:sld>
 </file>
 
-<file path=ppt/slides/slide21.xml><?xml version="1.0" encoding="utf-8"?>
+<file path=ppt/slides/slide23.xml><?xml version="1.0" encoding="utf-8"?>
 <p:sld xmlns:a="http://schemas.openxmlformats.org/drawingml/2006/main" xmlns:r="http://schemas.openxmlformats.org/officeDocument/2006/relationships" xmlns:p="http://schemas.openxmlformats.org/presentationml/2006/main">
   <p:cSld>
     <p:spTree>
@@ -18666,7 +20310,7 @@
           <a:p>
             <a:fld id="{86CB4B4D-7CA3-9044-876B-883B54F8677D}" type="slidenum">
               <a:rPr lang="en-US" smtClean="0"/>
-              <a:t>21</a:t>
+              <a:t>23</a:t>
             </a:fld>
             <a:endParaRPr lang="en-US"/>
           </a:p>
@@ -18771,7 +20415,7 @@
 </p:sld>
 </file>
 
-<file path=ppt/slides/slide22.xml><?xml version="1.0" encoding="utf-8"?>
+<file path=ppt/slides/slide24.xml><?xml version="1.0" encoding="utf-8"?>
 <p:sld xmlns:a="http://schemas.openxmlformats.org/drawingml/2006/main" xmlns:r="http://schemas.openxmlformats.org/officeDocument/2006/relationships" xmlns:p="http://schemas.openxmlformats.org/presentationml/2006/main">
   <p:cSld>
     <p:spTree>
@@ -18844,7 +20488,7 @@
           <a:p>
             <a:fld id="{86CB4B4D-7CA3-9044-876B-883B54F8677D}" type="slidenum">
               <a:rPr lang="en-US" smtClean="0"/>
-              <a:t>22</a:t>
+              <a:t>24</a:t>
             </a:fld>
             <a:endParaRPr lang="en-US"/>
           </a:p>
@@ -20762,7 +22406,7 @@
 </p:sld>
 </file>
 
-<file path=ppt/slides/slide23.xml><?xml version="1.0" encoding="utf-8"?>
+<file path=ppt/slides/slide25.xml><?xml version="1.0" encoding="utf-8"?>
 <p:sld xmlns:a="http://schemas.openxmlformats.org/drawingml/2006/main" xmlns:r="http://schemas.openxmlformats.org/officeDocument/2006/relationships" xmlns:p="http://schemas.openxmlformats.org/presentationml/2006/main">
   <p:cSld>
     <p:spTree>
@@ -20835,7 +22479,7 @@
           <a:p>
             <a:fld id="{86CB4B4D-7CA3-9044-876B-883B54F8677D}" type="slidenum">
               <a:rPr lang="en-US" smtClean="0"/>
-              <a:t>23</a:t>
+              <a:t>25</a:t>
             </a:fld>
             <a:endParaRPr lang="en-US"/>
           </a:p>
@@ -21801,7 +23445,7 @@
 </p:sld>
 </file>
 
-<file path=ppt/slides/slide24.xml><?xml version="1.0" encoding="utf-8"?>
+<file path=ppt/slides/slide26.xml><?xml version="1.0" encoding="utf-8"?>
 <p:sld xmlns:a="http://schemas.openxmlformats.org/drawingml/2006/main" xmlns:r="http://schemas.openxmlformats.org/officeDocument/2006/relationships" xmlns:p="http://schemas.openxmlformats.org/presentationml/2006/main">
   <p:cSld>
     <p:spTree>
@@ -21869,7 +23513,7 @@
           <a:p>
             <a:fld id="{86CB4B4D-7CA3-9044-876B-883B54F8677D}" type="slidenum">
               <a:rPr lang="en-US" smtClean="0"/>
-              <a:t>24</a:t>
+              <a:t>26</a:t>
             </a:fld>
             <a:endParaRPr lang="en-US"/>
           </a:p>
@@ -23116,7 +24760,7 @@
 </p:sld>
 </file>
 
-<file path=ppt/slides/slide25.xml><?xml version="1.0" encoding="utf-8"?>
+<file path=ppt/slides/slide27.xml><?xml version="1.0" encoding="utf-8"?>
 <p:sld xmlns:a="http://schemas.openxmlformats.org/drawingml/2006/main" xmlns:r="http://schemas.openxmlformats.org/officeDocument/2006/relationships" xmlns:p="http://schemas.openxmlformats.org/presentationml/2006/main">
   <p:cSld>
     <p:spTree>
@@ -23184,7 +24828,7 @@
           <a:p>
             <a:fld id="{86CB4B4D-7CA3-9044-876B-883B54F8677D}" type="slidenum">
               <a:rPr lang="en-US" smtClean="0"/>
-              <a:t>25</a:t>
+              <a:t>27</a:t>
             </a:fld>
             <a:endParaRPr lang="en-US"/>
           </a:p>
@@ -24434,7 +26078,7 @@
 </p:sld>
 </file>
 
-<file path=ppt/slides/slide26.xml><?xml version="1.0" encoding="utf-8"?>
+<file path=ppt/slides/slide28.xml><?xml version="1.0" encoding="utf-8"?>
 <p:sld xmlns:a="http://schemas.openxmlformats.org/drawingml/2006/main" xmlns:r="http://schemas.openxmlformats.org/officeDocument/2006/relationships" xmlns:p="http://schemas.openxmlformats.org/presentationml/2006/main">
   <p:cSld>
     <p:spTree>
@@ -24502,7 +26146,7 @@
           <a:p>
             <a:fld id="{86CB4B4D-7CA3-9044-876B-883B54F8677D}" type="slidenum">
               <a:rPr lang="en-US" smtClean="0"/>
-              <a:t>26</a:t>
+              <a:t>28</a:t>
             </a:fld>
             <a:endParaRPr lang="en-US"/>
           </a:p>
@@ -25775,7 +27419,7 @@
 </p:sld>
 </file>
 
-<file path=ppt/slides/slide27.xml><?xml version="1.0" encoding="utf-8"?>
+<file path=ppt/slides/slide29.xml><?xml version="1.0" encoding="utf-8"?>
 <p:sld xmlns:a="http://schemas.openxmlformats.org/drawingml/2006/main" xmlns:r="http://schemas.openxmlformats.org/officeDocument/2006/relationships" xmlns:p="http://schemas.openxmlformats.org/presentationml/2006/main">
   <p:cSld>
     <p:spTree>
@@ -25915,7 +27559,7 @@
           </a:prstGeom>
           <a:extLst>
             <a:ext uri="{C572A759-6A51-4108-AA02-DFA0A04FC94B}">
-              <ma14:wrappingTextBoxFlag xmlns:ma14="http://schemas.microsoft.com/office/mac/drawingml/2011/main" xmlns:a14="http://schemas.microsoft.com/office/drawing/2010/main" xmlns:m="http://schemas.openxmlformats.org/officeDocument/2006/math" xmlns="" val="1"/>
+              <ma14:wrappingTextBoxFlag xmlns="" xmlns:m="http://schemas.openxmlformats.org/officeDocument/2006/math" xmlns:a14="http://schemas.microsoft.com/office/drawing/2010/main" xmlns:ma14="http://schemas.microsoft.com/office/mac/drawingml/2011/main" val="1"/>
             </a:ext>
           </a:extLst>
         </p:spPr>
@@ -25925,7 +27569,7 @@
           <a:p>
             <a:fld id="{86CB4B4D-7CA3-9044-876B-883B54F8677D}" type="slidenum">
               <a:rPr/>
-              <a:t>27</a:t>
+              <a:t>29</a:t>
             </a:fld>
             <a:endParaRPr/>
           </a:p>
@@ -25956,7 +27600,7 @@
           </a:ln>
           <a:extLst>
             <a:ext uri="{C572A759-6A51-4108-AA02-DFA0A04FC94B}">
-              <ma14:wrappingTextBoxFlag xmlns:ma14="http://schemas.microsoft.com/office/mac/drawingml/2011/main" xmlns:a14="http://schemas.microsoft.com/office/drawing/2010/main" xmlns:m="http://schemas.openxmlformats.org/officeDocument/2006/math" xmlns="" val="1"/>
+              <ma14:wrappingTextBoxFlag xmlns="" xmlns:m="http://schemas.openxmlformats.org/officeDocument/2006/math" xmlns:a14="http://schemas.microsoft.com/office/drawing/2010/main" xmlns:ma14="http://schemas.microsoft.com/office/mac/drawingml/2011/main" val="1"/>
             </a:ext>
           </a:extLst>
         </p:spPr>
@@ -26231,7 +27875,7 @@
             <a:effectLst/>
             <a:extLst>
               <a:ext uri="{C572A759-6A51-4108-AA02-DFA0A04FC94B}">
-                <ma14:wrappingTextBoxFlag xmlns:ma14="http://schemas.microsoft.com/office/mac/drawingml/2011/main" xmlns:a14="http://schemas.microsoft.com/office/drawing/2010/main" xmlns:m="http://schemas.openxmlformats.org/officeDocument/2006/math" xmlns="" val="1"/>
+                <ma14:wrappingTextBoxFlag xmlns="" xmlns:m="http://schemas.openxmlformats.org/officeDocument/2006/math" xmlns:a14="http://schemas.microsoft.com/office/drawing/2010/main" xmlns:ma14="http://schemas.microsoft.com/office/mac/drawingml/2011/main" val="1"/>
               </a:ext>
             </a:extLst>
           </p:spPr>
@@ -26340,7 +27984,125 @@
 </p:sld>
 </file>
 
-<file path=ppt/slides/slide28.xml><?xml version="1.0" encoding="utf-8"?>
+<file path=ppt/slides/slide3.xml><?xml version="1.0" encoding="utf-8"?>
+<p:sld xmlns:a="http://schemas.openxmlformats.org/drawingml/2006/main" xmlns:r="http://schemas.openxmlformats.org/officeDocument/2006/relationships" xmlns:p="http://schemas.openxmlformats.org/presentationml/2006/main">
+  <p:cSld>
+    <p:spTree>
+      <p:nvGrpSpPr>
+        <p:cNvPr id="1" name=""/>
+        <p:cNvGrpSpPr/>
+        <p:nvPr/>
+      </p:nvGrpSpPr>
+      <p:grpSpPr>
+        <a:xfrm>
+          <a:off x="0" y="0"/>
+          <a:ext cx="0" cy="0"/>
+          <a:chOff x="0" y="0"/>
+          <a:chExt cx="0" cy="0"/>
+        </a:xfrm>
+      </p:grpSpPr>
+      <p:sp>
+        <p:nvSpPr>
+          <p:cNvPr id="2" name="Title 1">
+            <a:extLst>
+              <a:ext uri="{FF2B5EF4-FFF2-40B4-BE49-F238E27FC236}">
+                <a16:creationId xmlns:a16="http://schemas.microsoft.com/office/drawing/2014/main" id="{F5C6FDF5-81CD-4A4A-0A9A-CF58B2A7DAB3}"/>
+              </a:ext>
+            </a:extLst>
+          </p:cNvPr>
+          <p:cNvSpPr>
+            <a:spLocks noGrp="1"/>
+          </p:cNvSpPr>
+          <p:nvPr>
+            <p:ph type="title"/>
+          </p:nvPr>
+        </p:nvSpPr>
+        <p:spPr/>
+        <p:txBody>
+          <a:bodyPr/>
+          <a:lstStyle/>
+          <a:p>
+            <a:r>
+              <a:rPr lang="en-US" dirty="0"/>
+              <a:t>Lesson 9.1 </a:t>
+            </a:r>
+            <a:r>
+              <a:rPr lang="en-US" dirty="0" err="1"/>
+              <a:t>useEffect</a:t>
+            </a:r>
+            <a:endParaRPr lang="en-US" dirty="0"/>
+          </a:p>
+        </p:txBody>
+      </p:sp>
+      <p:sp>
+        <p:nvSpPr>
+          <p:cNvPr id="3" name="Text Placeholder 2">
+            <a:extLst>
+              <a:ext uri="{FF2B5EF4-FFF2-40B4-BE49-F238E27FC236}">
+                <a16:creationId xmlns:a16="http://schemas.microsoft.com/office/drawing/2014/main" id="{731FA6A7-CC69-D79D-12F2-A92C19969EFF}"/>
+              </a:ext>
+            </a:extLst>
+          </p:cNvPr>
+          <p:cNvSpPr>
+            <a:spLocks noGrp="1"/>
+          </p:cNvSpPr>
+          <p:nvPr>
+            <p:ph type="body" sz="half" idx="1"/>
+          </p:nvPr>
+        </p:nvSpPr>
+        <p:spPr/>
+        <p:txBody>
+          <a:bodyPr/>
+          <a:lstStyle/>
+          <a:p>
+            <a:endParaRPr lang="en-US"/>
+          </a:p>
+        </p:txBody>
+      </p:sp>
+      <p:sp>
+        <p:nvSpPr>
+          <p:cNvPr id="4" name="Slide Number Placeholder 3">
+            <a:extLst>
+              <a:ext uri="{FF2B5EF4-FFF2-40B4-BE49-F238E27FC236}">
+                <a16:creationId xmlns:a16="http://schemas.microsoft.com/office/drawing/2014/main" id="{04C8268C-E4F6-B470-A4EE-A47ED18C9514}"/>
+              </a:ext>
+            </a:extLst>
+          </p:cNvPr>
+          <p:cNvSpPr>
+            <a:spLocks noGrp="1"/>
+          </p:cNvSpPr>
+          <p:nvPr>
+            <p:ph type="sldNum" sz="quarter" idx="2"/>
+          </p:nvPr>
+        </p:nvSpPr>
+        <p:spPr/>
+        <p:txBody>
+          <a:bodyPr/>
+          <a:lstStyle/>
+          <a:p>
+            <a:fld id="{86CB4B4D-7CA3-9044-876B-883B54F8677D}" type="slidenum">
+              <a:rPr lang="en-US" smtClean="0"/>
+              <a:t>3</a:t>
+            </a:fld>
+            <a:endParaRPr lang="en-US"/>
+          </a:p>
+        </p:txBody>
+      </p:sp>
+    </p:spTree>
+    <p:extLst>
+      <p:ext uri="{BB962C8B-B14F-4D97-AF65-F5344CB8AC3E}">
+        <p14:creationId xmlns:p14="http://schemas.microsoft.com/office/powerpoint/2010/main" val="409711853"/>
+      </p:ext>
+    </p:extLst>
+  </p:cSld>
+  <p:clrMapOvr>
+    <a:masterClrMapping/>
+  </p:clrMapOvr>
+  <p:transition spd="med"/>
+</p:sld>
+</file>
+
+<file path=ppt/slides/slide30.xml><?xml version="1.0" encoding="utf-8"?>
 <p:sld xmlns:a="http://schemas.openxmlformats.org/drawingml/2006/main" xmlns:r="http://schemas.openxmlformats.org/officeDocument/2006/relationships" xmlns:p="http://schemas.openxmlformats.org/presentationml/2006/main">
   <p:cSld>
     <p:spTree>
@@ -26457,7 +28219,7 @@
           </a:prstGeom>
           <a:extLst>
             <a:ext uri="{C572A759-6A51-4108-AA02-DFA0A04FC94B}">
-              <ma14:wrappingTextBoxFlag xmlns:ma14="http://schemas.microsoft.com/office/mac/drawingml/2011/main" xmlns:a14="http://schemas.microsoft.com/office/drawing/2010/main" xmlns:m="http://schemas.openxmlformats.org/officeDocument/2006/math" xmlns="" val="1"/>
+              <ma14:wrappingTextBoxFlag xmlns="" xmlns:m="http://schemas.openxmlformats.org/officeDocument/2006/math" xmlns:a14="http://schemas.microsoft.com/office/drawing/2010/main" xmlns:ma14="http://schemas.microsoft.com/office/mac/drawingml/2011/main" val="1"/>
             </a:ext>
           </a:extLst>
         </p:spPr>
@@ -26467,7 +28229,7 @@
           <a:p>
             <a:fld id="{86CB4B4D-7CA3-9044-876B-883B54F8677D}" type="slidenum">
               <a:rPr/>
-              <a:t>28</a:t>
+              <a:t>30</a:t>
             </a:fld>
             <a:endParaRPr/>
           </a:p>
@@ -26482,7 +28244,120 @@
 </p:sld>
 </file>
 
-<file path=ppt/slides/slide29.xml><?xml version="1.0" encoding="utf-8"?>
+<file path=ppt/slides/slide31.xml><?xml version="1.0" encoding="utf-8"?>
+<p:sld xmlns:a="http://schemas.openxmlformats.org/drawingml/2006/main" xmlns:r="http://schemas.openxmlformats.org/officeDocument/2006/relationships" xmlns:p="http://schemas.openxmlformats.org/presentationml/2006/main">
+  <p:cSld>
+    <p:spTree>
+      <p:nvGrpSpPr>
+        <p:cNvPr id="1" name=""/>
+        <p:cNvGrpSpPr/>
+        <p:nvPr/>
+      </p:nvGrpSpPr>
+      <p:grpSpPr>
+        <a:xfrm>
+          <a:off x="0" y="0"/>
+          <a:ext cx="0" cy="0"/>
+          <a:chOff x="0" y="0"/>
+          <a:chExt cx="0" cy="0"/>
+        </a:xfrm>
+      </p:grpSpPr>
+      <p:sp>
+        <p:nvSpPr>
+          <p:cNvPr id="2" name="Title 1">
+            <a:extLst>
+              <a:ext uri="{FF2B5EF4-FFF2-40B4-BE49-F238E27FC236}">
+                <a16:creationId xmlns:a16="http://schemas.microsoft.com/office/drawing/2014/main" id="{B15EAF94-963D-F2B7-037D-567B2D0A9AC5}"/>
+              </a:ext>
+            </a:extLst>
+          </p:cNvPr>
+          <p:cNvSpPr>
+            <a:spLocks noGrp="1"/>
+          </p:cNvSpPr>
+          <p:nvPr>
+            <p:ph type="title"/>
+          </p:nvPr>
+        </p:nvSpPr>
+        <p:spPr/>
+        <p:txBody>
+          <a:bodyPr/>
+          <a:lstStyle/>
+          <a:p>
+            <a:r>
+              <a:rPr lang="en-US" dirty="0"/>
+              <a:t>Lesson 9.3 Testing your REACT components</a:t>
+            </a:r>
+          </a:p>
+        </p:txBody>
+      </p:sp>
+      <p:sp>
+        <p:nvSpPr>
+          <p:cNvPr id="3" name="Text Placeholder 2">
+            <a:extLst>
+              <a:ext uri="{FF2B5EF4-FFF2-40B4-BE49-F238E27FC236}">
+                <a16:creationId xmlns:a16="http://schemas.microsoft.com/office/drawing/2014/main" id="{A3D4AA8D-F018-70EF-F30A-1E342E6AEA77}"/>
+              </a:ext>
+            </a:extLst>
+          </p:cNvPr>
+          <p:cNvSpPr>
+            <a:spLocks noGrp="1"/>
+          </p:cNvSpPr>
+          <p:nvPr>
+            <p:ph type="body" sz="half" idx="1"/>
+          </p:nvPr>
+        </p:nvSpPr>
+        <p:spPr/>
+        <p:txBody>
+          <a:bodyPr/>
+          <a:lstStyle/>
+          <a:p>
+            <a:endParaRPr lang="en-US"/>
+          </a:p>
+        </p:txBody>
+      </p:sp>
+      <p:sp>
+        <p:nvSpPr>
+          <p:cNvPr id="4" name="Slide Number Placeholder 3">
+            <a:extLst>
+              <a:ext uri="{FF2B5EF4-FFF2-40B4-BE49-F238E27FC236}">
+                <a16:creationId xmlns:a16="http://schemas.microsoft.com/office/drawing/2014/main" id="{65F151D8-C1FC-D558-5F28-4CD314864FDA}"/>
+              </a:ext>
+            </a:extLst>
+          </p:cNvPr>
+          <p:cNvSpPr>
+            <a:spLocks noGrp="1"/>
+          </p:cNvSpPr>
+          <p:nvPr>
+            <p:ph type="sldNum" sz="quarter" idx="2"/>
+          </p:nvPr>
+        </p:nvSpPr>
+        <p:spPr/>
+        <p:txBody>
+          <a:bodyPr/>
+          <a:lstStyle/>
+          <a:p>
+            <a:fld id="{86CB4B4D-7CA3-9044-876B-883B54F8677D}" type="slidenum">
+              <a:rPr lang="en-US" smtClean="0"/>
+              <a:t>31</a:t>
+            </a:fld>
+            <a:endParaRPr lang="en-US"/>
+          </a:p>
+        </p:txBody>
+      </p:sp>
+    </p:spTree>
+    <p:extLst>
+      <p:ext uri="{BB962C8B-B14F-4D97-AF65-F5344CB8AC3E}">
+        <p14:creationId xmlns:p14="http://schemas.microsoft.com/office/powerpoint/2010/main" val="2308735133"/>
+      </p:ext>
+    </p:extLst>
+  </p:cSld>
+  <p:clrMapOvr>
+    <a:masterClrMapping/>
+  </p:clrMapOvr>
+  <p:transition spd="med"/>
+</p:sld>
+</file>
+
+<file path=ppt/slides/slide32.xml><?xml version="1.0" encoding="utf-8"?>
 <p:sld xmlns:a="http://schemas.openxmlformats.org/drawingml/2006/main" xmlns:r="http://schemas.openxmlformats.org/officeDocument/2006/relationships" xmlns:p="http://schemas.openxmlformats.org/presentationml/2006/main">
   <p:cSld>
     <p:spTree>
@@ -26615,7 +28490,7 @@
           </a:prstGeom>
           <a:extLst>
             <a:ext uri="{C572A759-6A51-4108-AA02-DFA0A04FC94B}">
-              <ma14:wrappingTextBoxFlag xmlns="" xmlns:m="http://schemas.openxmlformats.org/officeDocument/2006/math" xmlns:a14="http://schemas.microsoft.com/office/drawing/2010/main" xmlns:ma14="http://schemas.microsoft.com/office/mac/drawingml/2011/main" val="1"/>
+              <ma14:wrappingTextBoxFlag xmlns:ma14="http://schemas.microsoft.com/office/mac/drawingml/2011/main" xmlns:a14="http://schemas.microsoft.com/office/drawing/2010/main" xmlns:m="http://schemas.openxmlformats.org/officeDocument/2006/math" xmlns="" val="1"/>
             </a:ext>
           </a:extLst>
         </p:spPr>
@@ -26625,7 +28500,7 @@
           <a:p>
             <a:fld id="{86CB4B4D-7CA3-9044-876B-883B54F8677D}" type="slidenum">
               <a:rPr/>
-              <a:t>29</a:t>
+              <a:t>32</a:t>
             </a:fld>
             <a:endParaRPr/>
           </a:p>
@@ -26639,7 +28514,7 @@
         </p:nvSpPr>
         <p:spPr>
           <a:xfrm>
-            <a:off x="7020561" y="4662635"/>
+            <a:off x="311472" y="4932800"/>
             <a:ext cx="4470400" cy="1200329"/>
           </a:xfrm>
           <a:prstGeom prst="rect">
@@ -26659,7 +28534,7 @@
           </a:ln>
           <a:extLst>
             <a:ext uri="{C572A759-6A51-4108-AA02-DFA0A04FC94B}">
-              <ma14:wrappingTextBoxFlag xmlns="" xmlns:m="http://schemas.openxmlformats.org/officeDocument/2006/math" xmlns:a14="http://schemas.microsoft.com/office/drawing/2010/main" xmlns:ma14="http://schemas.microsoft.com/office/mac/drawingml/2011/main" val="1"/>
+              <ma14:wrappingTextBoxFlag xmlns:ma14="http://schemas.microsoft.com/office/mac/drawingml/2011/main" xmlns:a14="http://schemas.microsoft.com/office/drawing/2010/main" xmlns:m="http://schemas.openxmlformats.org/officeDocument/2006/math" xmlns="" val="1"/>
             </a:ext>
           </a:extLst>
         </p:spPr>
@@ -26714,38 +28589,12 @@
           </a:p>
         </p:txBody>
       </p:sp>
-    </p:spTree>
-  </p:cSld>
-  <p:clrMapOvr>
-    <a:masterClrMapping/>
-  </p:clrMapOvr>
-  <p:transition spd="med"/>
-</p:sld>
-</file>
-
-<file path=ppt/slides/slide3.xml><?xml version="1.0" encoding="utf-8"?>
-<p:sld xmlns:a="http://schemas.openxmlformats.org/drawingml/2006/main" xmlns:r="http://schemas.openxmlformats.org/officeDocument/2006/relationships" xmlns:p="http://schemas.openxmlformats.org/presentationml/2006/main">
-  <p:cSld>
-    <p:spTree>
-      <p:nvGrpSpPr>
-        <p:cNvPr id="1" name=""/>
-        <p:cNvGrpSpPr/>
-        <p:nvPr/>
-      </p:nvGrpSpPr>
-      <p:grpSpPr>
-        <a:xfrm>
-          <a:off x="0" y="0"/>
-          <a:ext cx="0" cy="0"/>
-          <a:chOff x="0" y="0"/>
-          <a:chExt cx="0" cy="0"/>
-        </a:xfrm>
-      </p:grpSpPr>
       <p:sp>
         <p:nvSpPr>
-          <p:cNvPr id="12" name="TextBox 11">
+          <p:cNvPr id="2" name="TextBox 1">
             <a:extLst>
               <a:ext uri="{FF2B5EF4-FFF2-40B4-BE49-F238E27FC236}">
-                <a16:creationId xmlns:a16="http://schemas.microsoft.com/office/drawing/2014/main" id="{CB8AB8A6-3946-36F5-47EA-C69393119EAE}"/>
+                <a16:creationId xmlns:a16="http://schemas.microsoft.com/office/drawing/2014/main" id="{D4203AEA-816B-D648-212B-1960C4288715}"/>
               </a:ext>
             </a:extLst>
           </p:cNvPr>
@@ -26754,606 +28603,8 @@
         </p:nvSpPr>
         <p:spPr>
           <a:xfrm>
-            <a:off x="968827" y="1839406"/>
-            <a:ext cx="7913915" cy="3970318"/>
-          </a:xfrm>
-          <a:prstGeom prst="rect">
-            <a:avLst/>
-          </a:prstGeom>
-          <a:noFill/>
-          <a:ln w="12700" cap="flat">
-            <a:noFill/>
-            <a:miter lim="400000"/>
-          </a:ln>
-          <a:effectLst/>
-          <a:sp3d/>
-        </p:spPr>
-        <p:style>
-          <a:lnRef idx="0">
-            <a:scrgbClr r="0" g="0" b="0"/>
-          </a:lnRef>
-          <a:fillRef idx="0">
-            <a:scrgbClr r="0" g="0" b="0"/>
-          </a:fillRef>
-          <a:effectRef idx="0">
-            <a:scrgbClr r="0" g="0" b="0"/>
-          </a:effectRef>
-          <a:fontRef idx="none"/>
-        </p:style>
-        <p:txBody>
-          <a:bodyPr wrap="square">
-            <a:spAutoFit/>
-          </a:bodyPr>
-          <a:lstStyle/>
-          <a:p>
-            <a:r>
-              <a:rPr lang="en-US" b="0" dirty="0">
-                <a:solidFill>
-                  <a:srgbClr val="AF00DB"/>
-                </a:solidFill>
-                <a:effectLst/>
-                <a:latin typeface="Consolas" panose="020B0609020204030204" pitchFamily="49" charset="0"/>
-              </a:rPr>
-              <a:t>import</a:t>
-            </a:r>
-            <a:r>
-              <a:rPr lang="en-US" b="0" dirty="0">
-                <a:solidFill>
-                  <a:srgbClr val="000000"/>
-                </a:solidFill>
-                <a:effectLst/>
-                <a:latin typeface="Consolas" panose="020B0609020204030204" pitchFamily="49" charset="0"/>
-              </a:rPr>
-              <a:t> { </a:t>
-            </a:r>
-            <a:r>
-              <a:rPr lang="en-US" b="0" dirty="0" err="1">
-                <a:solidFill>
-                  <a:srgbClr val="001080"/>
-                </a:solidFill>
-                <a:effectLst/>
-                <a:latin typeface="Consolas" panose="020B0609020204030204" pitchFamily="49" charset="0"/>
-              </a:rPr>
-              <a:t>clockServer</a:t>
-            </a:r>
-            <a:r>
-              <a:rPr lang="en-US" b="0" dirty="0">
-                <a:solidFill>
-                  <a:srgbClr val="000000"/>
-                </a:solidFill>
-                <a:effectLst/>
-                <a:latin typeface="Consolas" panose="020B0609020204030204" pitchFamily="49" charset="0"/>
-              </a:rPr>
-              <a:t> } </a:t>
-            </a:r>
-            <a:r>
-              <a:rPr lang="en-US" b="0" dirty="0">
-                <a:solidFill>
-                  <a:srgbClr val="AF00DB"/>
-                </a:solidFill>
-                <a:effectLst/>
-                <a:latin typeface="Consolas" panose="020B0609020204030204" pitchFamily="49" charset="0"/>
-              </a:rPr>
-              <a:t>from</a:t>
-            </a:r>
-            <a:r>
-              <a:rPr lang="en-US" b="0" dirty="0">
-                <a:solidFill>
-                  <a:srgbClr val="000000"/>
-                </a:solidFill>
-                <a:effectLst/>
-                <a:latin typeface="Consolas" panose="020B0609020204030204" pitchFamily="49" charset="0"/>
-              </a:rPr>
-              <a:t> </a:t>
-            </a:r>
-            <a:r>
-              <a:rPr lang="en-US" b="0" dirty="0">
-                <a:solidFill>
-                  <a:srgbClr val="A31515"/>
-                </a:solidFill>
-                <a:effectLst/>
-                <a:latin typeface="Consolas" panose="020B0609020204030204" pitchFamily="49" charset="0"/>
-              </a:rPr>
-              <a:t>'./clock.js'</a:t>
-            </a:r>
-            <a:r>
-              <a:rPr lang="en-US" b="0" dirty="0">
-                <a:solidFill>
-                  <a:srgbClr val="000000"/>
-                </a:solidFill>
-                <a:effectLst/>
-                <a:latin typeface="Consolas" panose="020B0609020204030204" pitchFamily="49" charset="0"/>
-              </a:rPr>
-              <a:t>;</a:t>
-            </a:r>
-          </a:p>
-          <a:p>
-            <a:br>
-              <a:rPr lang="en-US" b="0" dirty="0">
-                <a:solidFill>
-                  <a:srgbClr val="000000"/>
-                </a:solidFill>
-                <a:effectLst/>
-                <a:latin typeface="Consolas" panose="020B0609020204030204" pitchFamily="49" charset="0"/>
-              </a:rPr>
-            </a:br>
-            <a:r>
-              <a:rPr lang="en-US" b="0" dirty="0">
-                <a:solidFill>
-                  <a:srgbClr val="0000FF"/>
-                </a:solidFill>
-                <a:effectLst/>
-                <a:latin typeface="Consolas" panose="020B0609020204030204" pitchFamily="49" charset="0"/>
-              </a:rPr>
-              <a:t>function</a:t>
-            </a:r>
-            <a:r>
-              <a:rPr lang="en-US" b="0" dirty="0">
-                <a:solidFill>
-                  <a:srgbClr val="000000"/>
-                </a:solidFill>
-                <a:effectLst/>
-                <a:latin typeface="Consolas" panose="020B0609020204030204" pitchFamily="49" charset="0"/>
-              </a:rPr>
-              <a:t> </a:t>
-            </a:r>
-            <a:r>
-              <a:rPr lang="en-US" b="0" dirty="0" err="1">
-                <a:solidFill>
-                  <a:srgbClr val="795E26"/>
-                </a:solidFill>
-                <a:effectLst/>
-                <a:latin typeface="Consolas" panose="020B0609020204030204" pitchFamily="49" charset="0"/>
-              </a:rPr>
-              <a:t>ClockClient</a:t>
-            </a:r>
-            <a:r>
-              <a:rPr lang="en-US" b="0" dirty="0">
-                <a:solidFill>
-                  <a:srgbClr val="000000"/>
-                </a:solidFill>
-                <a:effectLst/>
-                <a:latin typeface="Consolas" panose="020B0609020204030204" pitchFamily="49" charset="0"/>
-              </a:rPr>
-              <a:t>() {</a:t>
-            </a:r>
-          </a:p>
-          <a:p>
-            <a:r>
-              <a:rPr lang="en-US" b="0" dirty="0">
-                <a:solidFill>
-                  <a:srgbClr val="000000"/>
-                </a:solidFill>
-                <a:effectLst/>
-                <a:latin typeface="Consolas" panose="020B0609020204030204" pitchFamily="49" charset="0"/>
-              </a:rPr>
-              <a:t>  </a:t>
-            </a:r>
-          </a:p>
-          <a:p>
-            <a:r>
-              <a:rPr lang="en-US" b="0" dirty="0">
-                <a:solidFill>
-                  <a:srgbClr val="000000"/>
-                </a:solidFill>
-                <a:effectLst/>
-                <a:latin typeface="Consolas" panose="020B0609020204030204" pitchFamily="49" charset="0"/>
-              </a:rPr>
-              <a:t>  </a:t>
-            </a:r>
-            <a:r>
-              <a:rPr lang="en-US" b="0" dirty="0" err="1">
-                <a:solidFill>
-                  <a:srgbClr val="795E26"/>
-                </a:solidFill>
-                <a:effectLst/>
-                <a:latin typeface="Consolas" panose="020B0609020204030204" pitchFamily="49" charset="0"/>
-              </a:rPr>
-              <a:t>useEffect</a:t>
-            </a:r>
-            <a:r>
-              <a:rPr lang="en-US" b="0" dirty="0">
-                <a:solidFill>
-                  <a:srgbClr val="000000"/>
-                </a:solidFill>
-                <a:effectLst/>
-                <a:latin typeface="Consolas" panose="020B0609020204030204" pitchFamily="49" charset="0"/>
-              </a:rPr>
-              <a:t>(() </a:t>
-            </a:r>
-            <a:r>
-              <a:rPr lang="en-US" b="0" dirty="0">
-                <a:solidFill>
-                  <a:srgbClr val="0000FF"/>
-                </a:solidFill>
-                <a:effectLst/>
-                <a:latin typeface="Consolas" panose="020B0609020204030204" pitchFamily="49" charset="0"/>
-              </a:rPr>
-              <a:t>=&gt;</a:t>
-            </a:r>
-            <a:r>
-              <a:rPr lang="en-US" b="0" dirty="0">
-                <a:solidFill>
-                  <a:srgbClr val="000000"/>
-                </a:solidFill>
-                <a:effectLst/>
-                <a:latin typeface="Consolas" panose="020B0609020204030204" pitchFamily="49" charset="0"/>
-              </a:rPr>
-              <a:t> {</a:t>
-            </a:r>
-          </a:p>
-          <a:p>
-            <a:r>
-              <a:rPr lang="en-US" b="0" dirty="0">
-                <a:solidFill>
-                  <a:srgbClr val="000000"/>
-                </a:solidFill>
-                <a:effectLst/>
-                <a:latin typeface="Consolas" panose="020B0609020204030204" pitchFamily="49" charset="0"/>
-              </a:rPr>
-              <a:t>    </a:t>
-            </a:r>
-            <a:r>
-              <a:rPr lang="en-US" b="0" dirty="0">
-                <a:solidFill>
-                  <a:srgbClr val="0000FF"/>
-                </a:solidFill>
-                <a:effectLst/>
-                <a:latin typeface="Consolas" panose="020B0609020204030204" pitchFamily="49" charset="0"/>
-              </a:rPr>
-              <a:t>const</a:t>
-            </a:r>
-            <a:r>
-              <a:rPr lang="en-US" b="0" dirty="0">
-                <a:solidFill>
-                  <a:srgbClr val="000000"/>
-                </a:solidFill>
-                <a:effectLst/>
-                <a:latin typeface="Consolas" panose="020B0609020204030204" pitchFamily="49" charset="0"/>
-              </a:rPr>
-              <a:t> </a:t>
-            </a:r>
-            <a:r>
-              <a:rPr lang="en-US" b="0" dirty="0">
-                <a:solidFill>
-                  <a:srgbClr val="0070C1"/>
-                </a:solidFill>
-                <a:effectLst/>
-                <a:latin typeface="Consolas" panose="020B0609020204030204" pitchFamily="49" charset="0"/>
-              </a:rPr>
-              <a:t>connection</a:t>
-            </a:r>
-            <a:r>
-              <a:rPr lang="en-US" b="0" dirty="0">
-                <a:solidFill>
-                  <a:srgbClr val="000000"/>
-                </a:solidFill>
-                <a:effectLst/>
-                <a:latin typeface="Consolas" panose="020B0609020204030204" pitchFamily="49" charset="0"/>
-              </a:rPr>
-              <a:t> = </a:t>
-            </a:r>
-            <a:r>
-              <a:rPr lang="en-US" b="0" dirty="0" err="1">
-                <a:solidFill>
-                  <a:srgbClr val="001080"/>
-                </a:solidFill>
-                <a:effectLst/>
-                <a:latin typeface="Consolas" panose="020B0609020204030204" pitchFamily="49" charset="0"/>
-              </a:rPr>
-              <a:t>clockServer</a:t>
-            </a:r>
-            <a:r>
-              <a:rPr lang="en-US" b="0" dirty="0" err="1">
-                <a:solidFill>
-                  <a:srgbClr val="000000"/>
-                </a:solidFill>
-                <a:effectLst/>
-                <a:latin typeface="Consolas" panose="020B0609020204030204" pitchFamily="49" charset="0"/>
-              </a:rPr>
-              <a:t>.</a:t>
-            </a:r>
-            <a:r>
-              <a:rPr lang="en-US" b="0" dirty="0" err="1">
-                <a:solidFill>
-                  <a:srgbClr val="795E26"/>
-                </a:solidFill>
-                <a:effectLst/>
-                <a:latin typeface="Consolas" panose="020B0609020204030204" pitchFamily="49" charset="0"/>
-              </a:rPr>
-              <a:t>createConnection</a:t>
-            </a:r>
-            <a:r>
-              <a:rPr lang="en-US" b="0" dirty="0">
-                <a:solidFill>
-                  <a:srgbClr val="000000"/>
-                </a:solidFill>
-                <a:effectLst/>
-                <a:latin typeface="Consolas" panose="020B0609020204030204" pitchFamily="49" charset="0"/>
-              </a:rPr>
-              <a:t>()</a:t>
-            </a:r>
-          </a:p>
-          <a:p>
-            <a:r>
-              <a:rPr lang="en-US" b="0" dirty="0">
-                <a:solidFill>
-                  <a:srgbClr val="000000"/>
-                </a:solidFill>
-                <a:effectLst/>
-                <a:latin typeface="Consolas" panose="020B0609020204030204" pitchFamily="49" charset="0"/>
-              </a:rPr>
-              <a:t>    </a:t>
-            </a:r>
-            <a:r>
-              <a:rPr lang="en-US" b="0" dirty="0" err="1">
-                <a:solidFill>
-                  <a:srgbClr val="0070C1"/>
-                </a:solidFill>
-                <a:effectLst/>
-                <a:latin typeface="Consolas" panose="020B0609020204030204" pitchFamily="49" charset="0"/>
-              </a:rPr>
-              <a:t>connection</a:t>
-            </a:r>
-            <a:r>
-              <a:rPr lang="en-US" b="0" dirty="0" err="1">
-                <a:solidFill>
-                  <a:srgbClr val="000000"/>
-                </a:solidFill>
-                <a:effectLst/>
-                <a:latin typeface="Consolas" panose="020B0609020204030204" pitchFamily="49" charset="0"/>
-              </a:rPr>
-              <a:t>.</a:t>
-            </a:r>
-            <a:r>
-              <a:rPr lang="en-US" b="0" dirty="0" err="1">
-                <a:solidFill>
-                  <a:srgbClr val="795E26"/>
-                </a:solidFill>
-                <a:effectLst/>
-                <a:latin typeface="Consolas" panose="020B0609020204030204" pitchFamily="49" charset="0"/>
-              </a:rPr>
-              <a:t>connect</a:t>
-            </a:r>
-            <a:r>
-              <a:rPr lang="en-US" b="0" dirty="0">
-                <a:solidFill>
-                  <a:srgbClr val="000000"/>
-                </a:solidFill>
-                <a:effectLst/>
-                <a:latin typeface="Consolas" panose="020B0609020204030204" pitchFamily="49" charset="0"/>
-              </a:rPr>
-              <a:t>();</a:t>
-            </a:r>
-          </a:p>
-          <a:p>
-            <a:endParaRPr lang="en-US" b="0" dirty="0">
-              <a:solidFill>
-                <a:srgbClr val="000000"/>
-              </a:solidFill>
-              <a:effectLst/>
-              <a:latin typeface="Consolas" panose="020B0609020204030204" pitchFamily="49" charset="0"/>
-            </a:endParaRPr>
-          </a:p>
-          <a:p>
-            <a:r>
-              <a:rPr lang="en-US" b="0" dirty="0">
-                <a:solidFill>
-                  <a:srgbClr val="000000"/>
-                </a:solidFill>
-                <a:effectLst/>
-                <a:latin typeface="Consolas" panose="020B0609020204030204" pitchFamily="49" charset="0"/>
-              </a:rPr>
-              <a:t>    </a:t>
-            </a:r>
-            <a:r>
-              <a:rPr lang="en-US" b="0" dirty="0">
-                <a:solidFill>
-                  <a:srgbClr val="AF00DB"/>
-                </a:solidFill>
-                <a:effectLst/>
-                <a:latin typeface="Consolas" panose="020B0609020204030204" pitchFamily="49" charset="0"/>
-              </a:rPr>
-              <a:t>return</a:t>
-            </a:r>
-            <a:r>
-              <a:rPr lang="en-US" b="0" dirty="0">
-                <a:solidFill>
-                  <a:srgbClr val="000000"/>
-                </a:solidFill>
-                <a:effectLst/>
-                <a:latin typeface="Consolas" panose="020B0609020204030204" pitchFamily="49" charset="0"/>
-              </a:rPr>
-              <a:t> () </a:t>
-            </a:r>
-            <a:r>
-              <a:rPr lang="en-US" b="0" dirty="0">
-                <a:solidFill>
-                  <a:srgbClr val="0000FF"/>
-                </a:solidFill>
-                <a:effectLst/>
-                <a:latin typeface="Consolas" panose="020B0609020204030204" pitchFamily="49" charset="0"/>
-              </a:rPr>
-              <a:t>=&gt;</a:t>
-            </a:r>
-            <a:r>
-              <a:rPr lang="en-US" b="0" dirty="0">
-                <a:solidFill>
-                  <a:srgbClr val="000000"/>
-                </a:solidFill>
-                <a:effectLst/>
-                <a:latin typeface="Consolas" panose="020B0609020204030204" pitchFamily="49" charset="0"/>
-              </a:rPr>
-              <a:t> {</a:t>
-            </a:r>
-          </a:p>
-          <a:p>
-            <a:r>
-              <a:rPr lang="en-US" b="0" dirty="0">
-                <a:solidFill>
-                  <a:srgbClr val="000000"/>
-                </a:solidFill>
-                <a:effectLst/>
-                <a:latin typeface="Consolas" panose="020B0609020204030204" pitchFamily="49" charset="0"/>
-              </a:rPr>
-              <a:t>      </a:t>
-            </a:r>
-            <a:r>
-              <a:rPr lang="en-US" b="0" dirty="0" err="1">
-                <a:solidFill>
-                  <a:srgbClr val="0070C1"/>
-                </a:solidFill>
-                <a:effectLst/>
-                <a:latin typeface="Consolas" panose="020B0609020204030204" pitchFamily="49" charset="0"/>
-              </a:rPr>
-              <a:t>connection</a:t>
-            </a:r>
-            <a:r>
-              <a:rPr lang="en-US" b="0" dirty="0" err="1">
-                <a:solidFill>
-                  <a:srgbClr val="000000"/>
-                </a:solidFill>
-                <a:effectLst/>
-                <a:latin typeface="Consolas" panose="020B0609020204030204" pitchFamily="49" charset="0"/>
-              </a:rPr>
-              <a:t>.</a:t>
-            </a:r>
-            <a:r>
-              <a:rPr lang="en-US" b="0" dirty="0" err="1">
-                <a:solidFill>
-                  <a:srgbClr val="795E26"/>
-                </a:solidFill>
-                <a:effectLst/>
-                <a:latin typeface="Consolas" panose="020B0609020204030204" pitchFamily="49" charset="0"/>
-              </a:rPr>
-              <a:t>disconnect</a:t>
-            </a:r>
-            <a:r>
-              <a:rPr lang="en-US" b="0" dirty="0">
-                <a:solidFill>
-                  <a:srgbClr val="000000"/>
-                </a:solidFill>
-                <a:effectLst/>
-                <a:latin typeface="Consolas" panose="020B0609020204030204" pitchFamily="49" charset="0"/>
-              </a:rPr>
-              <a:t>();</a:t>
-            </a:r>
-          </a:p>
-          <a:p>
-            <a:r>
-              <a:rPr lang="en-US" b="0" dirty="0">
-                <a:solidFill>
-                  <a:srgbClr val="000000"/>
-                </a:solidFill>
-                <a:effectLst/>
-                <a:latin typeface="Consolas" panose="020B0609020204030204" pitchFamily="49" charset="0"/>
-              </a:rPr>
-              <a:t>    };</a:t>
-            </a:r>
-          </a:p>
-          <a:p>
-            <a:r>
-              <a:rPr lang="en-US" b="0" dirty="0">
-                <a:solidFill>
-                  <a:srgbClr val="000000"/>
-                </a:solidFill>
-                <a:effectLst/>
-                <a:latin typeface="Consolas" panose="020B0609020204030204" pitchFamily="49" charset="0"/>
-              </a:rPr>
-              <a:t>  }, []);</a:t>
-            </a:r>
-          </a:p>
-          <a:p>
-            <a:r>
-              <a:rPr lang="en-US" b="0" dirty="0">
-                <a:solidFill>
-                  <a:srgbClr val="000000"/>
-                </a:solidFill>
-                <a:effectLst/>
-                <a:latin typeface="Consolas" panose="020B0609020204030204" pitchFamily="49" charset="0"/>
-              </a:rPr>
-              <a:t>  </a:t>
-            </a:r>
-            <a:r>
-              <a:rPr lang="en-US" b="0" dirty="0">
-                <a:solidFill>
-                  <a:srgbClr val="008000"/>
-                </a:solidFill>
-                <a:effectLst/>
-                <a:latin typeface="Consolas" panose="020B0609020204030204" pitchFamily="49" charset="0"/>
-              </a:rPr>
-              <a:t>// ...</a:t>
-            </a:r>
-            <a:endParaRPr lang="en-US" b="0" dirty="0">
-              <a:solidFill>
-                <a:srgbClr val="000000"/>
-              </a:solidFill>
-              <a:effectLst/>
-              <a:latin typeface="Consolas" panose="020B0609020204030204" pitchFamily="49" charset="0"/>
-            </a:endParaRPr>
-          </a:p>
-          <a:p>
-            <a:r>
-              <a:rPr lang="en-US" b="0" dirty="0">
-                <a:solidFill>
-                  <a:srgbClr val="000000"/>
-                </a:solidFill>
-                <a:effectLst/>
-                <a:latin typeface="Consolas" panose="020B0609020204030204" pitchFamily="49" charset="0"/>
-              </a:rPr>
-              <a:t>}</a:t>
-            </a:r>
-          </a:p>
-        </p:txBody>
-      </p:sp>
-      <p:sp>
-        <p:nvSpPr>
-          <p:cNvPr id="2" name="Title 1">
-            <a:extLst>
-              <a:ext uri="{FF2B5EF4-FFF2-40B4-BE49-F238E27FC236}">
-                <a16:creationId xmlns:a16="http://schemas.microsoft.com/office/drawing/2014/main" id="{784A4F4F-C4AE-D1C0-3F12-9DB3018AC09E}"/>
-              </a:ext>
-            </a:extLst>
-          </p:cNvPr>
-          <p:cNvSpPr>
-            <a:spLocks noGrp="1"/>
-          </p:cNvSpPr>
-          <p:nvPr>
-            <p:ph type="title"/>
-          </p:nvPr>
-        </p:nvSpPr>
-        <p:spPr/>
-        <p:txBody>
-          <a:bodyPr/>
-          <a:lstStyle/>
-          <a:p>
-            <a:r>
-              <a:rPr lang="en-US" dirty="0" err="1"/>
-              <a:t>useEffect</a:t>
-            </a:r>
-            <a:r>
-              <a:rPr lang="en-US" dirty="0"/>
-              <a:t> is a mechanism for synchronizing a component with an external system</a:t>
-            </a:r>
-          </a:p>
-        </p:txBody>
-      </p:sp>
-      <p:sp>
-        <p:nvSpPr>
-          <p:cNvPr id="6" name="TextBox 5">
-            <a:extLst>
-              <a:ext uri="{FF2B5EF4-FFF2-40B4-BE49-F238E27FC236}">
-                <a16:creationId xmlns:a16="http://schemas.microsoft.com/office/drawing/2014/main" id="{DA2921BC-D96C-CE4E-A24A-793135B0040D}"/>
-              </a:ext>
-            </a:extLst>
-          </p:cNvPr>
-          <p:cNvSpPr txBox="1"/>
-          <p:nvPr/>
-        </p:nvSpPr>
-        <p:spPr>
-          <a:xfrm>
-            <a:off x="6946711" y="6149326"/>
-            <a:ext cx="4234491" cy="369330"/>
+            <a:off x="2340317" y="6230095"/>
+            <a:ext cx="8049637" cy="369330"/>
           </a:xfrm>
           <a:prstGeom prst="rect">
             <a:avLst/>
@@ -27414,9 +28665,9 @@
                 <a:ea typeface="+mn-ea"/>
                 <a:cs typeface="+mn-cs"/>
                 <a:sym typeface="Calibri"/>
-                <a:hlinkClick r:id="rId3"/>
-              </a:rPr>
-              <a:t>https://react.dev/reference/react/useEffect</a:t>
+                <a:hlinkClick r:id="rId4"/>
+              </a:rPr>
+              <a:t>https://docs.cypress.io/guides/end-to-end-testing/writing-your-first-end-to-end-test</a:t>
             </a:r>
             <a:endParaRPr kumimoji="0" lang="en-US" sz="1800" b="0" i="0" u="none" strike="noStrike" cap="none" spc="0" normalizeH="0" baseline="0" dirty="0">
               <a:ln>
@@ -27435,12 +28686,385 @@
           </a:p>
         </p:txBody>
       </p:sp>
+    </p:spTree>
+  </p:cSld>
+  <p:clrMapOvr>
+    <a:masterClrMapping/>
+  </p:clrMapOvr>
+  <p:transition spd="med"/>
+</p:sld>
+</file>
+
+<file path=ppt/slides/slide33.xml><?xml version="1.0" encoding="utf-8"?>
+<p:sld xmlns:a="http://schemas.openxmlformats.org/drawingml/2006/main" xmlns:r="http://schemas.openxmlformats.org/officeDocument/2006/relationships" xmlns:p="http://schemas.openxmlformats.org/presentationml/2006/main">
+  <p:cSld>
+    <p:spTree>
+      <p:nvGrpSpPr>
+        <p:cNvPr id="1" name=""/>
+        <p:cNvGrpSpPr/>
+        <p:nvPr/>
+      </p:nvGrpSpPr>
+      <p:grpSpPr>
+        <a:xfrm>
+          <a:off x="0" y="0"/>
+          <a:ext cx="0" cy="0"/>
+          <a:chOff x="0" y="0"/>
+          <a:chExt cx="0" cy="0"/>
+        </a:xfrm>
+      </p:grpSpPr>
+      <p:graphicFrame>
+        <p:nvGraphicFramePr>
+          <p:cNvPr id="5" name="Table 4">
+            <a:extLst>
+              <a:ext uri="{FF2B5EF4-FFF2-40B4-BE49-F238E27FC236}">
+                <a16:creationId xmlns:a16="http://schemas.microsoft.com/office/drawing/2014/main" id="{7A2C8D87-542D-8E57-1741-3609007A08D2}"/>
+              </a:ext>
+            </a:extLst>
+          </p:cNvPr>
+          <p:cNvGraphicFramePr>
+            <a:graphicFrameLocks noGrp="1"/>
+          </p:cNvGraphicFramePr>
+          <p:nvPr>
+            <p:extLst>
+              <p:ext uri="{D42A27DB-BD31-4B8C-83A1-F6EECF244321}">
+                <p14:modId xmlns:p14="http://schemas.microsoft.com/office/powerpoint/2010/main" val="2498032163"/>
+              </p:ext>
+            </p:extLst>
+          </p:nvPr>
+        </p:nvGraphicFramePr>
+        <p:xfrm>
+          <a:off x="859971" y="1603065"/>
+          <a:ext cx="8363641" cy="4396110"/>
+        </p:xfrm>
+        <a:graphic>
+          <a:graphicData uri="http://schemas.openxmlformats.org/drawingml/2006/table">
+            <a:tbl>
+              <a:tblPr firstRow="1" bandRow="1">
+                <a:tableStyleId>{5940675A-B579-460E-94D1-54222C63F5DA}</a:tableStyleId>
+              </a:tblPr>
+              <a:tblGrid>
+                <a:gridCol w="3026229">
+                  <a:extLst>
+                    <a:ext uri="{9D8B030D-6E8A-4147-A177-3AD203B41FA5}">
+                      <a16:colId xmlns:a16="http://schemas.microsoft.com/office/drawing/2014/main" val="753566598"/>
+                    </a:ext>
+                  </a:extLst>
+                </a:gridCol>
+                <a:gridCol w="5337412">
+                  <a:extLst>
+                    <a:ext uri="{9D8B030D-6E8A-4147-A177-3AD203B41FA5}">
+                      <a16:colId xmlns:a16="http://schemas.microsoft.com/office/drawing/2014/main" val="2810399039"/>
+                    </a:ext>
+                  </a:extLst>
+                </a:gridCol>
+              </a:tblGrid>
+              <a:tr h="835450">
+                <a:tc>
+                  <a:txBody>
+                    <a:bodyPr/>
+                    <a:lstStyle/>
+                    <a:p>
+                      <a:pPr algn="l"/>
+                      <a:r>
+                        <a:rPr lang="en-US" sz="2800" dirty="0">
+                          <a:latin typeface="Consolas" panose="020B0609020204030204" pitchFamily="49" charset="0"/>
+                        </a:rPr>
+                        <a:t>.visit()</a:t>
+                      </a:r>
+                    </a:p>
+                  </a:txBody>
+                  <a:tcPr anchor="ctr"/>
+                </a:tc>
+                <a:tc>
+                  <a:txBody>
+                    <a:bodyPr/>
+                    <a:lstStyle/>
+                    <a:p>
+                      <a:pPr algn="l"/>
+                      <a:r>
+                        <a:rPr lang="en-US" sz="2800" dirty="0">
+                          <a:latin typeface="+mn-lt"/>
+                        </a:rPr>
+                        <a:t>Visit a remote URL. Many tests begin with this command.</a:t>
+                      </a:r>
+                    </a:p>
+                  </a:txBody>
+                  <a:tcPr anchor="ctr"/>
+                </a:tc>
+                <a:extLst>
+                  <a:ext uri="{0D108BD9-81ED-4DB2-BD59-A6C34878D82A}">
+                    <a16:rowId xmlns:a16="http://schemas.microsoft.com/office/drawing/2014/main" val="3551947148"/>
+                  </a:ext>
+                </a:extLst>
+              </a:tr>
+              <a:tr h="835450">
+                <a:tc>
+                  <a:txBody>
+                    <a:bodyPr/>
+                    <a:lstStyle/>
+                    <a:p>
+                      <a:pPr algn="l"/>
+                      <a:r>
+                        <a:rPr lang="en-US" sz="2800" dirty="0">
+                          <a:latin typeface="Consolas" panose="020B0609020204030204" pitchFamily="49" charset="0"/>
+                        </a:rPr>
+                        <a:t>.contains()</a:t>
+                      </a:r>
+                    </a:p>
+                  </a:txBody>
+                  <a:tcPr anchor="ctr"/>
+                </a:tc>
+                <a:tc>
+                  <a:txBody>
+                    <a:bodyPr/>
+                    <a:lstStyle/>
+                    <a:p>
+                      <a:pPr algn="l"/>
+                      <a:r>
+                        <a:rPr lang="en-US" sz="2800" dirty="0">
+                          <a:latin typeface="+mn-lt"/>
+                        </a:rPr>
+                        <a:t>Select a DOM element by text content.</a:t>
+                      </a:r>
+                    </a:p>
+                  </a:txBody>
+                  <a:tcPr anchor="ctr"/>
+                </a:tc>
+                <a:extLst>
+                  <a:ext uri="{0D108BD9-81ED-4DB2-BD59-A6C34878D82A}">
+                    <a16:rowId xmlns:a16="http://schemas.microsoft.com/office/drawing/2014/main" val="629116516"/>
+                  </a:ext>
+                </a:extLst>
+              </a:tr>
+              <a:tr h="835450">
+                <a:tc>
+                  <a:txBody>
+                    <a:bodyPr/>
+                    <a:lstStyle/>
+                    <a:p>
+                      <a:pPr algn="l"/>
+                      <a:r>
+                        <a:rPr lang="en-US" sz="2800" dirty="0">
+                          <a:latin typeface="Consolas" panose="020B0609020204030204" pitchFamily="49" charset="0"/>
+                        </a:rPr>
+                        <a:t>.get()</a:t>
+                      </a:r>
+                    </a:p>
+                  </a:txBody>
+                  <a:tcPr anchor="ctr"/>
+                </a:tc>
+                <a:tc>
+                  <a:txBody>
+                    <a:bodyPr/>
+                    <a:lstStyle/>
+                    <a:p>
+                      <a:pPr algn="l"/>
+                      <a:r>
+                        <a:rPr lang="en-US" sz="2800" dirty="0">
+                          <a:latin typeface="+mn-lt"/>
+                        </a:rPr>
+                        <a:t>Find DOM elements by selector</a:t>
+                      </a:r>
+                    </a:p>
+                  </a:txBody>
+                  <a:tcPr anchor="ctr"/>
+                </a:tc>
+                <a:extLst>
+                  <a:ext uri="{0D108BD9-81ED-4DB2-BD59-A6C34878D82A}">
+                    <a16:rowId xmlns:a16="http://schemas.microsoft.com/office/drawing/2014/main" val="2185582708"/>
+                  </a:ext>
+                </a:extLst>
+              </a:tr>
+              <a:tr h="835450">
+                <a:tc>
+                  <a:txBody>
+                    <a:bodyPr/>
+                    <a:lstStyle/>
+                    <a:p>
+                      <a:pPr algn="l"/>
+                      <a:r>
+                        <a:rPr lang="en-US" sz="2800" dirty="0">
+                          <a:latin typeface="Consolas" panose="020B0609020204030204" pitchFamily="49" charset="0"/>
+                        </a:rPr>
+                        <a:t>.click()</a:t>
+                      </a:r>
+                    </a:p>
+                  </a:txBody>
+                  <a:tcPr anchor="ctr"/>
+                </a:tc>
+                <a:tc>
+                  <a:txBody>
+                    <a:bodyPr/>
+                    <a:lstStyle/>
+                    <a:p>
+                      <a:pPr algn="l"/>
+                      <a:r>
+                        <a:rPr lang="en-US" sz="2800" b="0" i="0" u="none" strike="noStrike" cap="none" spc="0" baseline="0" dirty="0">
+                          <a:solidFill>
+                            <a:schemeClr val="tx1"/>
+                          </a:solidFill>
+                          <a:effectLst/>
+                          <a:uFillTx/>
+                          <a:latin typeface="+mn-lt"/>
+                          <a:ea typeface="+mn-ea"/>
+                          <a:cs typeface="+mn-cs"/>
+                          <a:sym typeface="Calibri"/>
+                        </a:rPr>
+                        <a:t>Click a DOM element.</a:t>
+                      </a:r>
+                      <a:endParaRPr lang="en-US" sz="2800" dirty="0">
+                        <a:latin typeface="+mn-lt"/>
+                      </a:endParaRPr>
+                    </a:p>
+                  </a:txBody>
+                  <a:tcPr anchor="ctr"/>
+                </a:tc>
+                <a:extLst>
+                  <a:ext uri="{0D108BD9-81ED-4DB2-BD59-A6C34878D82A}">
+                    <a16:rowId xmlns:a16="http://schemas.microsoft.com/office/drawing/2014/main" val="4259106528"/>
+                  </a:ext>
+                </a:extLst>
+              </a:tr>
+              <a:tr h="835450">
+                <a:tc>
+                  <a:txBody>
+                    <a:bodyPr/>
+                    <a:lstStyle/>
+                    <a:p>
+                      <a:pPr algn="l"/>
+                      <a:r>
+                        <a:rPr lang="en-US" sz="2800" dirty="0">
+                          <a:latin typeface="Consolas" panose="020B0609020204030204" pitchFamily="49" charset="0"/>
+                        </a:rPr>
+                        <a:t>.type()</a:t>
+                      </a:r>
+                    </a:p>
+                  </a:txBody>
+                  <a:tcPr anchor="ctr"/>
+                </a:tc>
+                <a:tc>
+                  <a:txBody>
+                    <a:bodyPr/>
+                    <a:lstStyle/>
+                    <a:p>
+                      <a:pPr algn="l"/>
+                      <a:r>
+                        <a:rPr lang="en-US" sz="2800" b="0" i="0" u="none" strike="noStrike" cap="none" spc="0" baseline="0" dirty="0">
+                          <a:solidFill>
+                            <a:schemeClr val="tx1"/>
+                          </a:solidFill>
+                          <a:effectLst/>
+                          <a:uFillTx/>
+                          <a:latin typeface="+mn-lt"/>
+                          <a:ea typeface="+mn-ea"/>
+                          <a:cs typeface="+mn-cs"/>
+                          <a:sym typeface="Calibri"/>
+                        </a:rPr>
+                        <a:t>Type into a DOM element.</a:t>
+                      </a:r>
+                      <a:endParaRPr lang="en-US" sz="2800" dirty="0">
+                        <a:latin typeface="+mn-lt"/>
+                      </a:endParaRPr>
+                    </a:p>
+                  </a:txBody>
+                  <a:tcPr anchor="ctr"/>
+                </a:tc>
+                <a:extLst>
+                  <a:ext uri="{0D108BD9-81ED-4DB2-BD59-A6C34878D82A}">
+                    <a16:rowId xmlns:a16="http://schemas.microsoft.com/office/drawing/2014/main" val="1878514729"/>
+                  </a:ext>
+                </a:extLst>
+              </a:tr>
+            </a:tbl>
+          </a:graphicData>
+        </a:graphic>
+      </p:graphicFrame>
+      <p:sp>
+        <p:nvSpPr>
+          <p:cNvPr id="2" name="Title 1">
+            <a:extLst>
+              <a:ext uri="{FF2B5EF4-FFF2-40B4-BE49-F238E27FC236}">
+                <a16:creationId xmlns:a16="http://schemas.microsoft.com/office/drawing/2014/main" id="{14382358-6725-904C-D7B5-8458F41CBA27}"/>
+              </a:ext>
+            </a:extLst>
+          </p:cNvPr>
+          <p:cNvSpPr>
+            <a:spLocks noGrp="1"/>
+          </p:cNvSpPr>
+          <p:nvPr>
+            <p:ph type="title"/>
+          </p:nvPr>
+        </p:nvSpPr>
+        <p:spPr/>
+        <p:txBody>
+          <a:bodyPr/>
+          <a:lstStyle/>
+          <a:p>
+            <a:r>
+              <a:rPr lang="en-US" dirty="0"/>
+              <a:t>Cypress commands work on a "virtual DOM"</a:t>
+            </a:r>
+          </a:p>
+        </p:txBody>
+      </p:sp>
+      <p:sp>
+        <p:nvSpPr>
+          <p:cNvPr id="6" name="Text Placeholder 5">
+            <a:extLst>
+              <a:ext uri="{FF2B5EF4-FFF2-40B4-BE49-F238E27FC236}">
+                <a16:creationId xmlns:a16="http://schemas.microsoft.com/office/drawing/2014/main" id="{FDFD56F0-BAE3-D690-D5F8-5758DA9411ED}"/>
+              </a:ext>
+            </a:extLst>
+          </p:cNvPr>
+          <p:cNvSpPr>
+            <a:spLocks noGrp="1"/>
+          </p:cNvSpPr>
+          <p:nvPr>
+            <p:ph type="body" idx="1"/>
+          </p:nvPr>
+        </p:nvSpPr>
+        <p:spPr>
+          <a:xfrm>
+            <a:off x="9383485" y="4269297"/>
+            <a:ext cx="2656114" cy="1724910"/>
+          </a:xfrm>
+        </p:spPr>
+        <p:style>
+          <a:lnRef idx="2">
+            <a:schemeClr val="dk1"/>
+          </a:lnRef>
+          <a:fillRef idx="1">
+            <a:schemeClr val="lt1"/>
+          </a:fillRef>
+          <a:effectRef idx="0">
+            <a:schemeClr val="dk1"/>
+          </a:effectRef>
+          <a:fontRef idx="minor">
+            <a:schemeClr val="dk1"/>
+          </a:fontRef>
+        </p:style>
+        <p:txBody>
+          <a:bodyPr>
+            <a:normAutofit/>
+          </a:bodyPr>
+          <a:lstStyle/>
+          <a:p>
+            <a:pPr marL="0" indent="0">
+              <a:buNone/>
+            </a:pPr>
+            <a:r>
+              <a:rPr lang="en-US" dirty="0"/>
+              <a:t>These will fail if the specified element does not exist</a:t>
+            </a:r>
+          </a:p>
+        </p:txBody>
+      </p:sp>
       <p:sp>
         <p:nvSpPr>
           <p:cNvPr id="4" name="Slide Number Placeholder 3">
             <a:extLst>
               <a:ext uri="{FF2B5EF4-FFF2-40B4-BE49-F238E27FC236}">
-                <a16:creationId xmlns:a16="http://schemas.microsoft.com/office/drawing/2014/main" id="{C106D35E-F8BC-CC43-CE14-43CAA45C74E9}"/>
+                <a16:creationId xmlns:a16="http://schemas.microsoft.com/office/drawing/2014/main" id="{2B45F899-B7ED-CA49-99E5-D844AD6E6E36}"/>
               </a:ext>
             </a:extLst>
           </p:cNvPr>
@@ -27458,7 +29082,7 @@
           <a:p>
             <a:fld id="{86CB4B4D-7CA3-9044-876B-883B54F8677D}" type="slidenum">
               <a:rPr lang="en-US" smtClean="0"/>
-              <a:t>3</a:t>
+              <a:t>33</a:t>
             </a:fld>
             <a:endParaRPr lang="en-US"/>
           </a:p>
@@ -27466,36 +29090,28 @@
       </p:sp>
       <p:sp>
         <p:nvSpPr>
-          <p:cNvPr id="8" name="Arrow: Left 7">
+          <p:cNvPr id="7" name="TextBox 6">
             <a:extLst>
               <a:ext uri="{FF2B5EF4-FFF2-40B4-BE49-F238E27FC236}">
-                <a16:creationId xmlns:a16="http://schemas.microsoft.com/office/drawing/2014/main" id="{26C3FA75-64CA-C959-0B28-81AD3FB51474}"/>
+                <a16:creationId xmlns:a16="http://schemas.microsoft.com/office/drawing/2014/main" id="{FD7BF55A-CFA1-0121-A9F4-81D9B04611C4}"/>
               </a:ext>
             </a:extLst>
           </p:cNvPr>
-          <p:cNvSpPr/>
+          <p:cNvSpPr txBox="1"/>
           <p:nvPr/>
         </p:nvSpPr>
         <p:spPr>
           <a:xfrm>
-            <a:off x="8135634" y="2655869"/>
-            <a:ext cx="2117558" cy="1283906"/>
+            <a:off x="5457155" y="6293735"/>
+            <a:ext cx="7532914" cy="369330"/>
           </a:xfrm>
-          <a:prstGeom prst="leftArrow">
+          <a:prstGeom prst="rect">
             <a:avLst/>
           </a:prstGeom>
-          <a:solidFill>
-            <a:schemeClr val="accent3">
-              <a:lumMod val="40000"/>
-              <a:lumOff val="60000"/>
-            </a:schemeClr>
-          </a:solidFill>
+          <a:noFill/>
           <a:ln w="12700" cap="flat">
-            <a:solidFill>
-              <a:schemeClr val="accent1"/>
-            </a:solidFill>
-            <a:prstDash val="solid"/>
-            <a:miter lim="800000"/>
+            <a:noFill/>
+            <a:miter lim="400000"/>
           </a:ln>
           <a:effectLst/>
           <a:sp3d/>
@@ -27513,7 +29129,7 @@
           <a:fontRef idx="none"/>
         </p:style>
         <p:txBody>
-          <a:bodyPr rot="0" spcFirstLastPara="1" vertOverflow="overflow" horzOverflow="overflow" vert="horz" wrap="square" lIns="45719" tIns="45719" rIns="45719" bIns="45719" numCol="1" spcCol="38100" rtlCol="0" anchor="ctr">
+          <a:bodyPr rot="0" spcFirstLastPara="1" vertOverflow="overflow" horzOverflow="overflow" vert="horz" wrap="square" lIns="45719" tIns="45719" rIns="45719" bIns="45719" numCol="1" spcCol="38100" rtlCol="0" anchor="t">
             <a:spAutoFit/>
           </a:bodyPr>
           <a:lstStyle/>
@@ -27535,8 +29151,22 @@
               <a:tabLst/>
             </a:pPr>
             <a:r>
-              <a:rPr lang="en-US" dirty="0"/>
-              <a:t>Action to take on first render</a:t>
+              <a:rPr kumimoji="0" lang="en-US" sz="1800" b="0" i="0" u="none" strike="noStrike" cap="none" spc="0" normalizeH="0" baseline="0" dirty="0">
+                <a:ln>
+                  <a:noFill/>
+                </a:ln>
+                <a:solidFill>
+                  <a:srgbClr val="000000"/>
+                </a:solidFill>
+                <a:effectLst/>
+                <a:uFillTx/>
+                <a:latin typeface="+mn-lt"/>
+                <a:ea typeface="+mn-ea"/>
+                <a:cs typeface="+mn-cs"/>
+                <a:sym typeface="Calibri"/>
+                <a:hlinkClick r:id="rId3"/>
+              </a:rPr>
+              <a:t>https://docs.cypress.io/api/table-of-contents#Cypress-API</a:t>
             </a:r>
             <a:endParaRPr kumimoji="0" lang="en-US" sz="1800" b="0" i="0" u="none" strike="noStrike" cap="none" spc="0" normalizeH="0" baseline="0" dirty="0">
               <a:ln>
@@ -27555,232 +29185,10 @@
           </a:p>
         </p:txBody>
       </p:sp>
-      <p:sp>
-        <p:nvSpPr>
-          <p:cNvPr id="9" name="Arrow: Left 8">
-            <a:extLst>
-              <a:ext uri="{FF2B5EF4-FFF2-40B4-BE49-F238E27FC236}">
-                <a16:creationId xmlns:a16="http://schemas.microsoft.com/office/drawing/2014/main" id="{311E723F-5709-3B3B-ABAE-5401E8EF42BA}"/>
-              </a:ext>
-            </a:extLst>
-          </p:cNvPr>
-          <p:cNvSpPr/>
-          <p:nvPr/>
-        </p:nvSpPr>
-        <p:spPr>
-          <a:xfrm>
-            <a:off x="5335376" y="3943144"/>
-            <a:ext cx="3547366" cy="1283906"/>
-          </a:xfrm>
-          <a:prstGeom prst="leftArrow">
-            <a:avLst/>
-          </a:prstGeom>
-          <a:solidFill>
-            <a:schemeClr val="accent3">
-              <a:lumMod val="40000"/>
-              <a:lumOff val="60000"/>
-            </a:schemeClr>
-          </a:solidFill>
-          <a:ln w="12700" cap="flat">
-            <a:solidFill>
-              <a:schemeClr val="accent1"/>
-            </a:solidFill>
-            <a:prstDash val="solid"/>
-            <a:miter lim="800000"/>
-          </a:ln>
-          <a:effectLst/>
-          <a:sp3d/>
-        </p:spPr>
-        <p:style>
-          <a:lnRef idx="0">
-            <a:scrgbClr r="0" g="0" b="0"/>
-          </a:lnRef>
-          <a:fillRef idx="0">
-            <a:scrgbClr r="0" g="0" b="0"/>
-          </a:fillRef>
-          <a:effectRef idx="0">
-            <a:scrgbClr r="0" g="0" b="0"/>
-          </a:effectRef>
-          <a:fontRef idx="none"/>
-        </p:style>
-        <p:txBody>
-          <a:bodyPr rot="0" spcFirstLastPara="1" vertOverflow="overflow" horzOverflow="overflow" vert="horz" wrap="square" lIns="45719" tIns="45719" rIns="45719" bIns="45719" numCol="1" spcCol="38100" rtlCol="0" anchor="ctr">
-            <a:spAutoFit/>
-          </a:bodyPr>
-          <a:lstStyle/>
-          <a:p>
-            <a:pPr marL="0" marR="0" indent="0" algn="l" defTabSz="914400" rtl="0" fontAlgn="auto" latinLnBrk="0" hangingPunct="0">
-              <a:lnSpc>
-                <a:spcPct val="100000"/>
-              </a:lnSpc>
-              <a:spcBef>
-                <a:spcPts val="0"/>
-              </a:spcBef>
-              <a:spcAft>
-                <a:spcPts val="0"/>
-              </a:spcAft>
-              <a:buClrTx/>
-              <a:buSzTx/>
-              <a:buFontTx/>
-              <a:buNone/>
-              <a:tabLst/>
-            </a:pPr>
-            <a:r>
-              <a:rPr lang="en-US" dirty="0"/>
-              <a:t>Action to take when component dismounts</a:t>
-            </a:r>
-            <a:endParaRPr kumimoji="0" lang="en-US" sz="1800" b="0" i="0" u="none" strike="noStrike" cap="none" spc="0" normalizeH="0" baseline="0" dirty="0">
-              <a:ln>
-                <a:noFill/>
-              </a:ln>
-              <a:solidFill>
-                <a:srgbClr val="000000"/>
-              </a:solidFill>
-              <a:effectLst/>
-              <a:uFillTx/>
-              <a:latin typeface="+mn-lt"/>
-              <a:ea typeface="+mn-ea"/>
-              <a:cs typeface="+mn-cs"/>
-              <a:sym typeface="Calibri"/>
-            </a:endParaRPr>
-          </a:p>
-        </p:txBody>
-      </p:sp>
-      <p:grpSp>
-        <p:nvGrpSpPr>
-          <p:cNvPr id="21" name="Group 20">
-            <a:extLst>
-              <a:ext uri="{FF2B5EF4-FFF2-40B4-BE49-F238E27FC236}">
-                <a16:creationId xmlns:a16="http://schemas.microsoft.com/office/drawing/2014/main" id="{6DF6F86B-92DB-2A6F-C86C-D9D8E5D4BF9A}"/>
-              </a:ext>
-            </a:extLst>
-          </p:cNvPr>
-          <p:cNvGrpSpPr/>
-          <p:nvPr/>
-        </p:nvGrpSpPr>
-        <p:grpSpPr>
-          <a:xfrm>
-            <a:off x="1687285" y="5227050"/>
-            <a:ext cx="2797629" cy="1229003"/>
-            <a:chOff x="1687285" y="5227050"/>
-            <a:chExt cx="2797629" cy="1229003"/>
-          </a:xfrm>
-        </p:grpSpPr>
-        <p:cxnSp>
-          <p:nvCxnSpPr>
-            <p:cNvPr id="17" name="Straight Arrow Connector 16">
-              <a:extLst>
-                <a:ext uri="{FF2B5EF4-FFF2-40B4-BE49-F238E27FC236}">
-                  <a16:creationId xmlns:a16="http://schemas.microsoft.com/office/drawing/2014/main" id="{FC0317B6-86FE-BD0A-7F68-B2D5D5675C48}"/>
-                </a:ext>
-              </a:extLst>
-            </p:cNvPr>
-            <p:cNvCxnSpPr>
-              <a:cxnSpLocks/>
-            </p:cNvCxnSpPr>
-            <p:nvPr/>
-          </p:nvCxnSpPr>
-          <p:spPr>
-            <a:xfrm flipH="1" flipV="1">
-              <a:off x="1949200" y="5227050"/>
-              <a:ext cx="790152" cy="614501"/>
-            </a:xfrm>
-            <a:prstGeom prst="straightConnector1">
-              <a:avLst/>
-            </a:prstGeom>
-            <a:noFill/>
-            <a:ln w="63500" cap="flat">
-              <a:solidFill>
-                <a:schemeClr val="bg1">
-                  <a:lumMod val="65000"/>
-                </a:schemeClr>
-              </a:solidFill>
-              <a:prstDash val="solid"/>
-              <a:miter lim="800000"/>
-              <a:tailEnd type="triangle"/>
-            </a:ln>
-            <a:effectLst/>
-            <a:sp3d/>
-          </p:spPr>
-          <p:style>
-            <a:lnRef idx="0">
-              <a:scrgbClr r="0" g="0" b="0"/>
-            </a:lnRef>
-            <a:fillRef idx="0">
-              <a:scrgbClr r="0" g="0" b="0"/>
-            </a:fillRef>
-            <a:effectRef idx="0">
-              <a:scrgbClr r="0" g="0" b="0"/>
-            </a:effectRef>
-            <a:fontRef idx="none"/>
-          </p:style>
-        </p:cxnSp>
-        <p:sp>
-          <p:nvSpPr>
-            <p:cNvPr id="15" name="Rectangle 14">
-              <a:extLst>
-                <a:ext uri="{FF2B5EF4-FFF2-40B4-BE49-F238E27FC236}">
-                  <a16:creationId xmlns:a16="http://schemas.microsoft.com/office/drawing/2014/main" id="{B0B99846-94B1-FB3E-25E9-00C8357F84CE}"/>
-                </a:ext>
-              </a:extLst>
-            </p:cNvPr>
-            <p:cNvSpPr/>
-            <p:nvPr/>
-          </p:nvSpPr>
-          <p:spPr>
-            <a:xfrm>
-              <a:off x="1687285" y="5809724"/>
-              <a:ext cx="2797629" cy="646329"/>
-            </a:xfrm>
-            <a:prstGeom prst="rect">
-              <a:avLst/>
-            </a:prstGeom>
-            <a:solidFill>
-              <a:schemeClr val="accent3">
-                <a:lumMod val="40000"/>
-                <a:lumOff val="60000"/>
-              </a:schemeClr>
-            </a:solidFill>
-            <a:ln w="12700" cap="flat">
-              <a:solidFill>
-                <a:schemeClr val="accent1"/>
-              </a:solidFill>
-              <a:prstDash val="solid"/>
-              <a:miter lim="800000"/>
-            </a:ln>
-            <a:effectLst/>
-            <a:sp3d/>
-          </p:spPr>
-          <p:style>
-            <a:lnRef idx="0">
-              <a:scrgbClr r="0" g="0" b="0"/>
-            </a:lnRef>
-            <a:fillRef idx="0">
-              <a:scrgbClr r="0" g="0" b="0"/>
-            </a:fillRef>
-            <a:effectRef idx="0">
-              <a:scrgbClr r="0" g="0" b="0"/>
-            </a:effectRef>
-            <a:fontRef idx="none"/>
-          </p:style>
-          <p:txBody>
-            <a:bodyPr rot="0" spcFirstLastPara="1" vertOverflow="overflow" horzOverflow="overflow" vert="horz" wrap="square" lIns="45719" tIns="45719" rIns="45719" bIns="45719" numCol="1" spcCol="38100" rtlCol="0" anchor="ctr">
-              <a:spAutoFit/>
-            </a:bodyPr>
-            <a:lstStyle/>
-            <a:p>
-              <a:r>
-                <a:rPr lang="en-US" dirty="0"/>
-                <a:t>Empty array says: do this on first render only</a:t>
-              </a:r>
-            </a:p>
-          </p:txBody>
-        </p:sp>
-      </p:grpSp>
     </p:spTree>
     <p:extLst>
       <p:ext uri="{BB962C8B-B14F-4D97-AF65-F5344CB8AC3E}">
-        <p14:creationId xmlns:p14="http://schemas.microsoft.com/office/powerpoint/2010/main" val="3414127211"/>
+        <p14:creationId xmlns:p14="http://schemas.microsoft.com/office/powerpoint/2010/main" val="3434578814"/>
       </p:ext>
     </p:extLst>
   </p:cSld>
@@ -27788,179 +29196,10 @@
     <a:masterClrMapping/>
   </p:clrMapOvr>
   <p:transition spd="med"/>
-  <p:timing>
-    <p:tnLst>
-      <p:par>
-        <p:cTn id="1" dur="indefinite" restart="never" nodeType="tmRoot">
-          <p:childTnLst>
-            <p:seq concurrent="1" nextAc="seek">
-              <p:cTn id="2" dur="indefinite" nodeType="mainSeq">
-                <p:childTnLst>
-                  <p:par>
-                    <p:cTn id="3" fill="hold">
-                      <p:stCondLst>
-                        <p:cond delay="indefinite"/>
-                      </p:stCondLst>
-                      <p:childTnLst>
-                        <p:par>
-                          <p:cTn id="4" fill="hold">
-                            <p:stCondLst>
-                              <p:cond delay="0"/>
-                            </p:stCondLst>
-                            <p:childTnLst>
-                              <p:par>
-                                <p:cTn id="5" presetID="1" presetClass="entr" presetSubtype="0" fill="hold" nodeType="clickEffect">
-                                  <p:stCondLst>
-                                    <p:cond delay="0"/>
-                                  </p:stCondLst>
-                                  <p:childTnLst>
-                                    <p:set>
-                                      <p:cBhvr>
-                                        <p:cTn id="6" dur="1" fill="hold">
-                                          <p:stCondLst>
-                                            <p:cond delay="0"/>
-                                          </p:stCondLst>
-                                        </p:cTn>
-                                        <p:tgtEl>
-                                          <p:spTgt spid="21"/>
-                                        </p:tgtEl>
-                                        <p:attrNameLst>
-                                          <p:attrName>style.visibility</p:attrName>
-                                        </p:attrNameLst>
-                                      </p:cBhvr>
-                                      <p:to>
-                                        <p:strVal val="visible"/>
-                                      </p:to>
-                                    </p:set>
-                                  </p:childTnLst>
-                                </p:cTn>
-                              </p:par>
-                            </p:childTnLst>
-                          </p:cTn>
-                        </p:par>
-                      </p:childTnLst>
-                    </p:cTn>
-                  </p:par>
-                  <p:par>
-                    <p:cTn id="7" fill="hold">
-                      <p:stCondLst>
-                        <p:cond delay="indefinite"/>
-                      </p:stCondLst>
-                      <p:childTnLst>
-                        <p:par>
-                          <p:cTn id="8" fill="hold">
-                            <p:stCondLst>
-                              <p:cond delay="0"/>
-                            </p:stCondLst>
-                            <p:childTnLst>
-                              <p:par>
-                                <p:cTn id="9" presetID="1" presetClass="entr" presetSubtype="0" fill="hold" grpId="0" nodeType="clickEffect">
-                                  <p:stCondLst>
-                                    <p:cond delay="0"/>
-                                  </p:stCondLst>
-                                  <p:childTnLst>
-                                    <p:set>
-                                      <p:cBhvr>
-                                        <p:cTn id="10" dur="1" fill="hold">
-                                          <p:stCondLst>
-                                            <p:cond delay="0"/>
-                                          </p:stCondLst>
-                                        </p:cTn>
-                                        <p:tgtEl>
-                                          <p:spTgt spid="8"/>
-                                        </p:tgtEl>
-                                        <p:attrNameLst>
-                                          <p:attrName>style.visibility</p:attrName>
-                                        </p:attrNameLst>
-                                      </p:cBhvr>
-                                      <p:to>
-                                        <p:strVal val="visible"/>
-                                      </p:to>
-                                    </p:set>
-                                  </p:childTnLst>
-                                </p:cTn>
-                              </p:par>
-                            </p:childTnLst>
-                          </p:cTn>
-                        </p:par>
-                      </p:childTnLst>
-                    </p:cTn>
-                  </p:par>
-                  <p:par>
-                    <p:cTn id="11" fill="hold">
-                      <p:stCondLst>
-                        <p:cond delay="indefinite"/>
-                      </p:stCondLst>
-                      <p:childTnLst>
-                        <p:par>
-                          <p:cTn id="12" fill="hold">
-                            <p:stCondLst>
-                              <p:cond delay="0"/>
-                            </p:stCondLst>
-                            <p:childTnLst>
-                              <p:par>
-                                <p:cTn id="13" presetID="1" presetClass="entr" presetSubtype="0" fill="hold" grpId="0" nodeType="clickEffect">
-                                  <p:stCondLst>
-                                    <p:cond delay="0"/>
-                                  </p:stCondLst>
-                                  <p:childTnLst>
-                                    <p:set>
-                                      <p:cBhvr>
-                                        <p:cTn id="14" dur="1" fill="hold">
-                                          <p:stCondLst>
-                                            <p:cond delay="0"/>
-                                          </p:stCondLst>
-                                        </p:cTn>
-                                        <p:tgtEl>
-                                          <p:spTgt spid="9"/>
-                                        </p:tgtEl>
-                                        <p:attrNameLst>
-                                          <p:attrName>style.visibility</p:attrName>
-                                        </p:attrNameLst>
-                                      </p:cBhvr>
-                                      <p:to>
-                                        <p:strVal val="visible"/>
-                                      </p:to>
-                                    </p:set>
-                                  </p:childTnLst>
-                                </p:cTn>
-                              </p:par>
-                            </p:childTnLst>
-                          </p:cTn>
-                        </p:par>
-                      </p:childTnLst>
-                    </p:cTn>
-                  </p:par>
-                </p:childTnLst>
-              </p:cTn>
-              <p:prevCondLst>
-                <p:cond evt="onPrev" delay="0">
-                  <p:tgtEl>
-                    <p:sldTgt/>
-                  </p:tgtEl>
-                </p:cond>
-              </p:prevCondLst>
-              <p:nextCondLst>
-                <p:cond evt="onNext" delay="0">
-                  <p:tgtEl>
-                    <p:sldTgt/>
-                  </p:tgtEl>
-                </p:cond>
-              </p:nextCondLst>
-            </p:seq>
-          </p:childTnLst>
-        </p:cTn>
-      </p:par>
-    </p:tnLst>
-    <p:bldLst>
-      <p:bldP spid="8" grpId="0" animBg="1"/>
-      <p:bldP spid="9" grpId="0" animBg="1"/>
-    </p:bldLst>
-  </p:timing>
 </p:sld>
 </file>
 
-<file path=ppt/slides/slide30.xml><?xml version="1.0" encoding="utf-8"?>
+<file path=ppt/slides/slide34.xml><?xml version="1.0" encoding="utf-8"?>
 <p:sld xmlns:a="http://schemas.openxmlformats.org/drawingml/2006/main" xmlns:r="http://schemas.openxmlformats.org/officeDocument/2006/relationships" xmlns:p="http://schemas.openxmlformats.org/presentationml/2006/main">
   <p:cSld>
     <p:spTree>
@@ -28000,7 +29239,7 @@
           <a:p>
             <a:r>
               <a:rPr lang="en-US" dirty="0"/>
-              <a:t>Most tests are in AAA form: Assemble/Act/Assess</a:t>
+              <a:t>Recall: Most tests are in AAA form: Assemble/Act/Assess</a:t>
             </a:r>
           </a:p>
         </p:txBody>
@@ -28028,7 +29267,7 @@
           <a:p>
             <a:fld id="{20F37917-FD3A-4669-9018-DA04BCDD3D75}" type="slidenum">
               <a:rPr lang="en-US" smtClean="0"/>
-              <a:t>30</a:t>
+              <a:t>34</a:t>
             </a:fld>
             <a:endParaRPr lang="en-US"/>
           </a:p>
@@ -29520,7 +30759,7 @@
                             </p:stCondLst>
                             <p:childTnLst>
                               <p:par>
-                                <p:cTn id="9" presetID="1" presetClass="exit" presetSubtype="0" fill="hold" nodeType="clickEffect">
+                                <p:cTn id="9" presetID="1" presetClass="entr" presetSubtype="0" fill="hold" nodeType="clickEffect">
                                   <p:stCondLst>
                                     <p:cond delay="0"/>
                                   </p:stCondLst>
@@ -29533,14 +30772,14 @@
                                           </p:stCondLst>
                                         </p:cTn>
                                         <p:tgtEl>
-                                          <p:spTgt spid="5"/>
+                                          <p:spTgt spid="10"/>
                                         </p:tgtEl>
                                         <p:attrNameLst>
                                           <p:attrName>style.visibility</p:attrName>
                                         </p:attrNameLst>
                                       </p:cBhvr>
                                       <p:to>
-                                        <p:strVal val="hidden"/>
+                                        <p:strVal val="visible"/>
                                       </p:to>
                                     </p:set>
                                   </p:childTnLst>
@@ -29578,96 +30817,6 @@
                                           </p:stCondLst>
                                         </p:cTn>
                                         <p:tgtEl>
-                                          <p:spTgt spid="10"/>
-                                        </p:tgtEl>
-                                        <p:attrNameLst>
-                                          <p:attrName>style.visibility</p:attrName>
-                                        </p:attrNameLst>
-                                      </p:cBhvr>
-                                      <p:to>
-                                        <p:strVal val="visible"/>
-                                      </p:to>
-                                    </p:set>
-                                  </p:childTnLst>
-                                </p:cTn>
-                              </p:par>
-                            </p:childTnLst>
-                          </p:cTn>
-                        </p:par>
-                      </p:childTnLst>
-                    </p:cTn>
-                  </p:par>
-                  <p:par>
-                    <p:cTn id="15" fill="hold">
-                      <p:stCondLst>
-                        <p:cond delay="indefinite"/>
-                      </p:stCondLst>
-                      <p:childTnLst>
-                        <p:par>
-                          <p:cTn id="16" fill="hold">
-                            <p:stCondLst>
-                              <p:cond delay="0"/>
-                            </p:stCondLst>
-                            <p:childTnLst>
-                              <p:par>
-                                <p:cTn id="17" presetID="1" presetClass="exit" presetSubtype="0" fill="hold" nodeType="clickEffect">
-                                  <p:stCondLst>
-                                    <p:cond delay="0"/>
-                                  </p:stCondLst>
-                                  <p:childTnLst>
-                                    <p:set>
-                                      <p:cBhvr>
-                                        <p:cTn id="18" dur="1" fill="hold">
-                                          <p:stCondLst>
-                                            <p:cond delay="0"/>
-                                          </p:stCondLst>
-                                        </p:cTn>
-                                        <p:tgtEl>
-                                          <p:spTgt spid="10"/>
-                                        </p:tgtEl>
-                                        <p:attrNameLst>
-                                          <p:attrName>style.visibility</p:attrName>
-                                        </p:attrNameLst>
-                                      </p:cBhvr>
-                                      <p:to>
-                                        <p:strVal val="hidden"/>
-                                      </p:to>
-                                    </p:set>
-                                  </p:childTnLst>
-                                </p:cTn>
-                              </p:par>
-                            </p:childTnLst>
-                          </p:cTn>
-                        </p:par>
-                      </p:childTnLst>
-                    </p:cTn>
-                  </p:par>
-                  <p:par>
-                    <p:cTn id="19" fill="hold">
-                      <p:stCondLst>
-                        <p:cond delay="indefinite"/>
-                      </p:stCondLst>
-                      <p:childTnLst>
-                        <p:par>
-                          <p:cTn id="20" fill="hold">
-                            <p:stCondLst>
-                              <p:cond delay="0"/>
-                            </p:stCondLst>
-                            <p:childTnLst>
-                              <p:par>
-                                <p:cTn id="21" presetID="1" presetClass="entr" presetSubtype="0" fill="hold" nodeType="clickEffect">
-                                  <p:stCondLst>
-                                    <p:cond delay="0"/>
-                                  </p:stCondLst>
-                                  <p:childTnLst>
-                                    <p:set>
-                                      <p:cBhvr>
-                                        <p:cTn id="22" dur="1" fill="hold">
-                                          <p:stCondLst>
-                                            <p:cond delay="0"/>
-                                          </p:stCondLst>
-                                        </p:cTn>
-                                        <p:tgtEl>
                                           <p:spTgt spid="13"/>
                                         </p:tgtEl>
                                         <p:attrNameLst>
@@ -29676,51 +30825,6 @@
                                       </p:cBhvr>
                                       <p:to>
                                         <p:strVal val="visible"/>
-                                      </p:to>
-                                    </p:set>
-                                  </p:childTnLst>
-                                </p:cTn>
-                              </p:par>
-                            </p:childTnLst>
-                          </p:cTn>
-                        </p:par>
-                      </p:childTnLst>
-                    </p:cTn>
-                  </p:par>
-                  <p:par>
-                    <p:cTn id="23" fill="hold">
-                      <p:stCondLst>
-                        <p:cond delay="indefinite"/>
-                      </p:stCondLst>
-                      <p:childTnLst>
-                        <p:par>
-                          <p:cTn id="24" fill="hold">
-                            <p:stCondLst>
-                              <p:cond delay="0"/>
-                            </p:stCondLst>
-                            <p:childTnLst>
-                              <p:par>
-                                <p:cTn id="25" presetID="1" presetClass="exit" presetSubtype="0" fill="hold" nodeType="clickEffect">
-                                  <p:stCondLst>
-                                    <p:cond delay="0"/>
-                                  </p:stCondLst>
-                                  <p:childTnLst>
-                                    <p:set>
-                                      <p:cBhvr>
-                                        <p:cTn id="26" dur="1" fill="hold">
-                                          <p:stCondLst>
-                                            <p:cond delay="0"/>
-                                          </p:stCondLst>
-                                        </p:cTn>
-                                        <p:tgtEl>
-                                          <p:spTgt spid="13"/>
-                                        </p:tgtEl>
-                                        <p:attrNameLst>
-                                          <p:attrName>style.visibility</p:attrName>
-                                        </p:attrNameLst>
-                                      </p:cBhvr>
-                                      <p:to>
-                                        <p:strVal val="hidden"/>
                                       </p:to>
                                     </p:set>
                                   </p:childTnLst>
@@ -29757,7 +30861,7 @@
 </p:sld>
 </file>
 
-<file path=ppt/slides/slide31.xml><?xml version="1.0" encoding="utf-8"?>
+<file path=ppt/slides/slide35.xml><?xml version="1.0" encoding="utf-8"?>
 <p:sld xmlns:a="http://schemas.openxmlformats.org/drawingml/2006/main" xmlns:r="http://schemas.openxmlformats.org/officeDocument/2006/relationships" xmlns:p="http://schemas.openxmlformats.org/presentationml/2006/main">
   <p:cSld>
     <p:spTree>
@@ -29825,7 +30929,7 @@
           <a:p>
             <a:fld id="{86CB4B4D-7CA3-9044-876B-883B54F8677D}" type="slidenum">
               <a:rPr lang="en-US" smtClean="0"/>
-              <a:t>31</a:t>
+              <a:t>35</a:t>
             </a:fld>
             <a:endParaRPr lang="en-US"/>
           </a:p>
@@ -31559,7 +32663,119 @@
                   <a:schemeClr val="tx1"/>
                 </a:solidFill>
               </a:rPr>
-              <a:t>(not in all branches)</a:t>
+              <a:t>(from IP2 solution)</a:t>
+            </a:r>
+          </a:p>
+        </p:txBody>
+      </p:sp>
+      <p:sp>
+        <p:nvSpPr>
+          <p:cNvPr id="2" name="TextBox 1">
+            <a:extLst>
+              <a:ext uri="{FF2B5EF4-FFF2-40B4-BE49-F238E27FC236}">
+                <a16:creationId xmlns:a16="http://schemas.microsoft.com/office/drawing/2014/main" id="{9254B8D1-A2B4-57BC-E769-1367783A36DF}"/>
+              </a:ext>
+            </a:extLst>
+          </p:cNvPr>
+          <p:cNvSpPr txBox="1"/>
+          <p:nvPr/>
+        </p:nvSpPr>
+        <p:spPr>
+          <a:xfrm>
+            <a:off x="6302829" y="6167088"/>
+            <a:ext cx="4595518" cy="584773"/>
+          </a:xfrm>
+          <a:prstGeom prst="rect">
+            <a:avLst/>
+          </a:prstGeom>
+          <a:ln/>
+        </p:spPr>
+        <p:style>
+          <a:lnRef idx="2">
+            <a:schemeClr val="dk1"/>
+          </a:lnRef>
+          <a:fillRef idx="1">
+            <a:schemeClr val="lt1"/>
+          </a:fillRef>
+          <a:effectRef idx="0">
+            <a:schemeClr val="dk1"/>
+          </a:effectRef>
+          <a:fontRef idx="minor">
+            <a:schemeClr val="dk1"/>
+          </a:fontRef>
+        </p:style>
+        <p:txBody>
+          <a:bodyPr rot="0" spcFirstLastPara="1" vertOverflow="overflow" horzOverflow="overflow" vert="horz" wrap="square" lIns="45719" tIns="45719" rIns="45719" bIns="45719" numCol="1" spcCol="38100" rtlCol="0" anchor="t">
+            <a:spAutoFit/>
+          </a:bodyPr>
+          <a:lstStyle/>
+          <a:p>
+            <a:pPr marL="0" marR="0" indent="0" algn="l" defTabSz="914400" rtl="0" fontAlgn="auto" latinLnBrk="0" hangingPunct="0">
+              <a:lnSpc>
+                <a:spcPct val="100000"/>
+              </a:lnSpc>
+              <a:spcBef>
+                <a:spcPts val="0"/>
+              </a:spcBef>
+              <a:spcAft>
+                <a:spcPts val="0"/>
+              </a:spcAft>
+              <a:buClrTx/>
+              <a:buSzTx/>
+              <a:buFontTx/>
+              <a:buNone/>
+              <a:tabLst/>
+            </a:pPr>
+            <a:r>
+              <a:rPr kumimoji="0" lang="en-US" sz="3200" b="0" i="0" u="none" strike="noStrike" cap="none" spc="0" normalizeH="0" baseline="0" dirty="0">
+                <a:ln>
+                  <a:noFill/>
+                </a:ln>
+                <a:solidFill>
+                  <a:srgbClr val="000000"/>
+                </a:solidFill>
+                <a:effectLst/>
+                <a:uFillTx/>
+                <a:latin typeface="+mn-lt"/>
+                <a:ea typeface="+mn-ea"/>
+                <a:cs typeface="+mn-cs"/>
+                <a:sym typeface="Calibri"/>
+              </a:rPr>
+              <a:t>run with: </a:t>
+            </a:r>
+            <a:r>
+              <a:rPr kumimoji="0" lang="en-US" sz="3200" b="0" i="0" u="none" strike="noStrike" cap="none" spc="0" normalizeH="0" baseline="0" dirty="0" err="1">
+                <a:ln>
+                  <a:noFill/>
+                </a:ln>
+                <a:solidFill>
+                  <a:srgbClr val="000000"/>
+                </a:solidFill>
+                <a:effectLst/>
+                <a:uFillTx/>
+                <a:latin typeface="+mn-lt"/>
+                <a:ea typeface="+mn-ea"/>
+                <a:cs typeface="+mn-cs"/>
+                <a:sym typeface="Calibri"/>
+              </a:rPr>
+              <a:t>npx</a:t>
+            </a:r>
+            <a:r>
+              <a:rPr kumimoji="0" lang="en-US" sz="3200" b="0" i="0" u="none" strike="noStrike" cap="none" spc="0" normalizeH="0" baseline="0" dirty="0">
+                <a:ln>
+                  <a:noFill/>
+                </a:ln>
+                <a:solidFill>
+                  <a:srgbClr val="000000"/>
+                </a:solidFill>
+                <a:effectLst/>
+                <a:uFillTx/>
+                <a:latin typeface="+mn-lt"/>
+                <a:ea typeface="+mn-ea"/>
+                <a:cs typeface="+mn-cs"/>
+                <a:sym typeface="Calibri"/>
+              </a:rPr>
+              <a:t> cypress run</a:t>
             </a:r>
           </a:p>
         </p:txBody>
@@ -31641,7 +32857,7 @@
                             </p:stCondLst>
                             <p:childTnLst>
                               <p:par>
-                                <p:cTn id="9" presetID="1" presetClass="exit" presetSubtype="0" fill="hold" nodeType="clickEffect">
+                                <p:cTn id="9" presetID="1" presetClass="entr" presetSubtype="0" fill="hold" nodeType="clickEffect">
                                   <p:stCondLst>
                                     <p:cond delay="0"/>
                                   </p:stCondLst>
@@ -31654,14 +32870,14 @@
                                           </p:stCondLst>
                                         </p:cTn>
                                         <p:tgtEl>
-                                          <p:spTgt spid="8"/>
+                                          <p:spTgt spid="11"/>
                                         </p:tgtEl>
                                         <p:attrNameLst>
                                           <p:attrName>style.visibility</p:attrName>
                                         </p:attrNameLst>
                                       </p:cBhvr>
                                       <p:to>
-                                        <p:strVal val="hidden"/>
+                                        <p:strVal val="visible"/>
                                       </p:to>
                                     </p:set>
                                   </p:childTnLst>
@@ -31699,96 +32915,6 @@
                                           </p:stCondLst>
                                         </p:cTn>
                                         <p:tgtEl>
-                                          <p:spTgt spid="11"/>
-                                        </p:tgtEl>
-                                        <p:attrNameLst>
-                                          <p:attrName>style.visibility</p:attrName>
-                                        </p:attrNameLst>
-                                      </p:cBhvr>
-                                      <p:to>
-                                        <p:strVal val="visible"/>
-                                      </p:to>
-                                    </p:set>
-                                  </p:childTnLst>
-                                </p:cTn>
-                              </p:par>
-                            </p:childTnLst>
-                          </p:cTn>
-                        </p:par>
-                      </p:childTnLst>
-                    </p:cTn>
-                  </p:par>
-                  <p:par>
-                    <p:cTn id="15" fill="hold">
-                      <p:stCondLst>
-                        <p:cond delay="indefinite"/>
-                      </p:stCondLst>
-                      <p:childTnLst>
-                        <p:par>
-                          <p:cTn id="16" fill="hold">
-                            <p:stCondLst>
-                              <p:cond delay="0"/>
-                            </p:stCondLst>
-                            <p:childTnLst>
-                              <p:par>
-                                <p:cTn id="17" presetID="1" presetClass="exit" presetSubtype="0" fill="hold" nodeType="clickEffect">
-                                  <p:stCondLst>
-                                    <p:cond delay="0"/>
-                                  </p:stCondLst>
-                                  <p:childTnLst>
-                                    <p:set>
-                                      <p:cBhvr>
-                                        <p:cTn id="18" dur="1" fill="hold">
-                                          <p:stCondLst>
-                                            <p:cond delay="0"/>
-                                          </p:stCondLst>
-                                        </p:cTn>
-                                        <p:tgtEl>
-                                          <p:spTgt spid="11"/>
-                                        </p:tgtEl>
-                                        <p:attrNameLst>
-                                          <p:attrName>style.visibility</p:attrName>
-                                        </p:attrNameLst>
-                                      </p:cBhvr>
-                                      <p:to>
-                                        <p:strVal val="hidden"/>
-                                      </p:to>
-                                    </p:set>
-                                  </p:childTnLst>
-                                </p:cTn>
-                              </p:par>
-                            </p:childTnLst>
-                          </p:cTn>
-                        </p:par>
-                      </p:childTnLst>
-                    </p:cTn>
-                  </p:par>
-                  <p:par>
-                    <p:cTn id="19" fill="hold">
-                      <p:stCondLst>
-                        <p:cond delay="indefinite"/>
-                      </p:stCondLst>
-                      <p:childTnLst>
-                        <p:par>
-                          <p:cTn id="20" fill="hold">
-                            <p:stCondLst>
-                              <p:cond delay="0"/>
-                            </p:stCondLst>
-                            <p:childTnLst>
-                              <p:par>
-                                <p:cTn id="21" presetID="1" presetClass="entr" presetSubtype="0" fill="hold" nodeType="clickEffect">
-                                  <p:stCondLst>
-                                    <p:cond delay="0"/>
-                                  </p:stCondLst>
-                                  <p:childTnLst>
-                                    <p:set>
-                                      <p:cBhvr>
-                                        <p:cTn id="22" dur="1" fill="hold">
-                                          <p:stCondLst>
-                                            <p:cond delay="0"/>
-                                          </p:stCondLst>
-                                        </p:cTn>
-                                        <p:tgtEl>
                                           <p:spTgt spid="14"/>
                                         </p:tgtEl>
                                         <p:attrNameLst>
@@ -31797,51 +32923,6 @@
                                       </p:cBhvr>
                                       <p:to>
                                         <p:strVal val="visible"/>
-                                      </p:to>
-                                    </p:set>
-                                  </p:childTnLst>
-                                </p:cTn>
-                              </p:par>
-                            </p:childTnLst>
-                          </p:cTn>
-                        </p:par>
-                      </p:childTnLst>
-                    </p:cTn>
-                  </p:par>
-                  <p:par>
-                    <p:cTn id="23" fill="hold">
-                      <p:stCondLst>
-                        <p:cond delay="indefinite"/>
-                      </p:stCondLst>
-                      <p:childTnLst>
-                        <p:par>
-                          <p:cTn id="24" fill="hold">
-                            <p:stCondLst>
-                              <p:cond delay="0"/>
-                            </p:stCondLst>
-                            <p:childTnLst>
-                              <p:par>
-                                <p:cTn id="25" presetID="1" presetClass="exit" presetSubtype="0" fill="hold" nodeType="clickEffect">
-                                  <p:stCondLst>
-                                    <p:cond delay="0"/>
-                                  </p:stCondLst>
-                                  <p:childTnLst>
-                                    <p:set>
-                                      <p:cBhvr>
-                                        <p:cTn id="26" dur="1" fill="hold">
-                                          <p:stCondLst>
-                                            <p:cond delay="0"/>
-                                          </p:stCondLst>
-                                        </p:cTn>
-                                        <p:tgtEl>
-                                          <p:spTgt spid="14"/>
-                                        </p:tgtEl>
-                                        <p:attrNameLst>
-                                          <p:attrName>style.visibility</p:attrName>
-                                        </p:attrNameLst>
-                                      </p:cBhvr>
-                                      <p:to>
-                                        <p:strVal val="hidden"/>
                                       </p:to>
                                     </p:set>
                                   </p:childTnLst>
@@ -31878,7 +32959,7 @@
 </p:sld>
 </file>
 
-<file path=ppt/slides/slide32.xml><?xml version="1.0" encoding="utf-8"?>
+<file path=ppt/slides/slide36.xml><?xml version="1.0" encoding="utf-8"?>
 <p:sld xmlns:a="http://schemas.openxmlformats.org/drawingml/2006/main" xmlns:r="http://schemas.openxmlformats.org/officeDocument/2006/relationships" xmlns:p="http://schemas.openxmlformats.org/presentationml/2006/main">
   <p:cSld>
     <p:spTree>
@@ -32047,7 +33128,7 @@
           <a:p>
             <a:fld id="{86CB4B4D-7CA3-9044-876B-883B54F8677D}" type="slidenum">
               <a:rPr lang="en-US" smtClean="0"/>
-              <a:t>32</a:t>
+              <a:t>36</a:t>
             </a:fld>
             <a:endParaRPr lang="en-US"/>
           </a:p>
@@ -32068,6 +33149,1243 @@
 </file>
 
 <file path=ppt/slides/slide4.xml><?xml version="1.0" encoding="utf-8"?>
+<p:sld xmlns:a="http://schemas.openxmlformats.org/drawingml/2006/main" xmlns:r="http://schemas.openxmlformats.org/officeDocument/2006/relationships" xmlns:p="http://schemas.openxmlformats.org/presentationml/2006/main">
+  <p:cSld>
+    <p:spTree>
+      <p:nvGrpSpPr>
+        <p:cNvPr id="1" name=""/>
+        <p:cNvGrpSpPr/>
+        <p:nvPr/>
+      </p:nvGrpSpPr>
+      <p:grpSpPr>
+        <a:xfrm>
+          <a:off x="0" y="0"/>
+          <a:ext cx="0" cy="0"/>
+          <a:chOff x="0" y="0"/>
+          <a:chExt cx="0" cy="0"/>
+        </a:xfrm>
+      </p:grpSpPr>
+      <p:sp>
+        <p:nvSpPr>
+          <p:cNvPr id="12" name="TextBox 11">
+            <a:extLst>
+              <a:ext uri="{FF2B5EF4-FFF2-40B4-BE49-F238E27FC236}">
+                <a16:creationId xmlns:a16="http://schemas.microsoft.com/office/drawing/2014/main" id="{CB8AB8A6-3946-36F5-47EA-C69393119EAE}"/>
+              </a:ext>
+            </a:extLst>
+          </p:cNvPr>
+          <p:cNvSpPr txBox="1"/>
+          <p:nvPr/>
+        </p:nvSpPr>
+        <p:spPr>
+          <a:xfrm>
+            <a:off x="968827" y="1839406"/>
+            <a:ext cx="7913915" cy="3970318"/>
+          </a:xfrm>
+          <a:prstGeom prst="rect">
+            <a:avLst/>
+          </a:prstGeom>
+          <a:noFill/>
+          <a:ln w="12700" cap="flat">
+            <a:noFill/>
+            <a:miter lim="400000"/>
+          </a:ln>
+          <a:effectLst/>
+          <a:sp3d/>
+        </p:spPr>
+        <p:style>
+          <a:lnRef idx="0">
+            <a:scrgbClr r="0" g="0" b="0"/>
+          </a:lnRef>
+          <a:fillRef idx="0">
+            <a:scrgbClr r="0" g="0" b="0"/>
+          </a:fillRef>
+          <a:effectRef idx="0">
+            <a:scrgbClr r="0" g="0" b="0"/>
+          </a:effectRef>
+          <a:fontRef idx="none"/>
+        </p:style>
+        <p:txBody>
+          <a:bodyPr wrap="square">
+            <a:spAutoFit/>
+          </a:bodyPr>
+          <a:lstStyle/>
+          <a:p>
+            <a:r>
+              <a:rPr lang="en-US" b="0" dirty="0">
+                <a:solidFill>
+                  <a:srgbClr val="AF00DB"/>
+                </a:solidFill>
+                <a:effectLst/>
+                <a:latin typeface="Consolas" panose="020B0609020204030204" pitchFamily="49" charset="0"/>
+              </a:rPr>
+              <a:t>import</a:t>
+            </a:r>
+            <a:r>
+              <a:rPr lang="en-US" b="0" dirty="0">
+                <a:solidFill>
+                  <a:srgbClr val="000000"/>
+                </a:solidFill>
+                <a:effectLst/>
+                <a:latin typeface="Consolas" panose="020B0609020204030204" pitchFamily="49" charset="0"/>
+              </a:rPr>
+              <a:t> { </a:t>
+            </a:r>
+            <a:r>
+              <a:rPr lang="en-US" b="0" dirty="0" err="1">
+                <a:solidFill>
+                  <a:srgbClr val="001080"/>
+                </a:solidFill>
+                <a:effectLst/>
+                <a:latin typeface="Consolas" panose="020B0609020204030204" pitchFamily="49" charset="0"/>
+              </a:rPr>
+              <a:t>clockServer</a:t>
+            </a:r>
+            <a:r>
+              <a:rPr lang="en-US" b="0" dirty="0">
+                <a:solidFill>
+                  <a:srgbClr val="000000"/>
+                </a:solidFill>
+                <a:effectLst/>
+                <a:latin typeface="Consolas" panose="020B0609020204030204" pitchFamily="49" charset="0"/>
+              </a:rPr>
+              <a:t> } </a:t>
+            </a:r>
+            <a:r>
+              <a:rPr lang="en-US" b="0" dirty="0">
+                <a:solidFill>
+                  <a:srgbClr val="AF00DB"/>
+                </a:solidFill>
+                <a:effectLst/>
+                <a:latin typeface="Consolas" panose="020B0609020204030204" pitchFamily="49" charset="0"/>
+              </a:rPr>
+              <a:t>from</a:t>
+            </a:r>
+            <a:r>
+              <a:rPr lang="en-US" b="0" dirty="0">
+                <a:solidFill>
+                  <a:srgbClr val="000000"/>
+                </a:solidFill>
+                <a:effectLst/>
+                <a:latin typeface="Consolas" panose="020B0609020204030204" pitchFamily="49" charset="0"/>
+              </a:rPr>
+              <a:t> </a:t>
+            </a:r>
+            <a:r>
+              <a:rPr lang="en-US" b="0" dirty="0">
+                <a:solidFill>
+                  <a:srgbClr val="A31515"/>
+                </a:solidFill>
+                <a:effectLst/>
+                <a:latin typeface="Consolas" panose="020B0609020204030204" pitchFamily="49" charset="0"/>
+              </a:rPr>
+              <a:t>'./clock.js'</a:t>
+            </a:r>
+            <a:r>
+              <a:rPr lang="en-US" b="0" dirty="0">
+                <a:solidFill>
+                  <a:srgbClr val="000000"/>
+                </a:solidFill>
+                <a:effectLst/>
+                <a:latin typeface="Consolas" panose="020B0609020204030204" pitchFamily="49" charset="0"/>
+              </a:rPr>
+              <a:t>;</a:t>
+            </a:r>
+          </a:p>
+          <a:p>
+            <a:br>
+              <a:rPr lang="en-US" b="0" dirty="0">
+                <a:solidFill>
+                  <a:srgbClr val="000000"/>
+                </a:solidFill>
+                <a:effectLst/>
+                <a:latin typeface="Consolas" panose="020B0609020204030204" pitchFamily="49" charset="0"/>
+              </a:rPr>
+            </a:br>
+            <a:r>
+              <a:rPr lang="en-US" b="0" dirty="0">
+                <a:solidFill>
+                  <a:srgbClr val="0000FF"/>
+                </a:solidFill>
+                <a:effectLst/>
+                <a:latin typeface="Consolas" panose="020B0609020204030204" pitchFamily="49" charset="0"/>
+              </a:rPr>
+              <a:t>function</a:t>
+            </a:r>
+            <a:r>
+              <a:rPr lang="en-US" b="0" dirty="0">
+                <a:solidFill>
+                  <a:srgbClr val="000000"/>
+                </a:solidFill>
+                <a:effectLst/>
+                <a:latin typeface="Consolas" panose="020B0609020204030204" pitchFamily="49" charset="0"/>
+              </a:rPr>
+              <a:t> </a:t>
+            </a:r>
+            <a:r>
+              <a:rPr lang="en-US" b="0" dirty="0" err="1">
+                <a:solidFill>
+                  <a:srgbClr val="795E26"/>
+                </a:solidFill>
+                <a:effectLst/>
+                <a:latin typeface="Consolas" panose="020B0609020204030204" pitchFamily="49" charset="0"/>
+              </a:rPr>
+              <a:t>ClockClient</a:t>
+            </a:r>
+            <a:r>
+              <a:rPr lang="en-US" b="0" dirty="0">
+                <a:solidFill>
+                  <a:srgbClr val="000000"/>
+                </a:solidFill>
+                <a:effectLst/>
+                <a:latin typeface="Consolas" panose="020B0609020204030204" pitchFamily="49" charset="0"/>
+              </a:rPr>
+              <a:t>() {</a:t>
+            </a:r>
+          </a:p>
+          <a:p>
+            <a:r>
+              <a:rPr lang="en-US" b="0" dirty="0">
+                <a:solidFill>
+                  <a:srgbClr val="000000"/>
+                </a:solidFill>
+                <a:effectLst/>
+                <a:latin typeface="Consolas" panose="020B0609020204030204" pitchFamily="49" charset="0"/>
+              </a:rPr>
+              <a:t>  </a:t>
+            </a:r>
+          </a:p>
+          <a:p>
+            <a:r>
+              <a:rPr lang="en-US" b="0" dirty="0">
+                <a:solidFill>
+                  <a:srgbClr val="000000"/>
+                </a:solidFill>
+                <a:effectLst/>
+                <a:latin typeface="Consolas" panose="020B0609020204030204" pitchFamily="49" charset="0"/>
+              </a:rPr>
+              <a:t>  </a:t>
+            </a:r>
+            <a:r>
+              <a:rPr lang="en-US" b="0" dirty="0" err="1">
+                <a:solidFill>
+                  <a:srgbClr val="795E26"/>
+                </a:solidFill>
+                <a:effectLst/>
+                <a:latin typeface="Consolas" panose="020B0609020204030204" pitchFamily="49" charset="0"/>
+              </a:rPr>
+              <a:t>useEffect</a:t>
+            </a:r>
+            <a:r>
+              <a:rPr lang="en-US" b="0" dirty="0">
+                <a:solidFill>
+                  <a:srgbClr val="000000"/>
+                </a:solidFill>
+                <a:effectLst/>
+                <a:latin typeface="Consolas" panose="020B0609020204030204" pitchFamily="49" charset="0"/>
+              </a:rPr>
+              <a:t>(() </a:t>
+            </a:r>
+            <a:r>
+              <a:rPr lang="en-US" b="0" dirty="0">
+                <a:solidFill>
+                  <a:srgbClr val="0000FF"/>
+                </a:solidFill>
+                <a:effectLst/>
+                <a:latin typeface="Consolas" panose="020B0609020204030204" pitchFamily="49" charset="0"/>
+              </a:rPr>
+              <a:t>=&gt;</a:t>
+            </a:r>
+            <a:r>
+              <a:rPr lang="en-US" b="0" dirty="0">
+                <a:solidFill>
+                  <a:srgbClr val="000000"/>
+                </a:solidFill>
+                <a:effectLst/>
+                <a:latin typeface="Consolas" panose="020B0609020204030204" pitchFamily="49" charset="0"/>
+              </a:rPr>
+              <a:t> {</a:t>
+            </a:r>
+          </a:p>
+          <a:p>
+            <a:r>
+              <a:rPr lang="en-US" b="0" dirty="0">
+                <a:solidFill>
+                  <a:srgbClr val="000000"/>
+                </a:solidFill>
+                <a:effectLst/>
+                <a:latin typeface="Consolas" panose="020B0609020204030204" pitchFamily="49" charset="0"/>
+              </a:rPr>
+              <a:t>    </a:t>
+            </a:r>
+            <a:r>
+              <a:rPr lang="en-US" b="0" dirty="0">
+                <a:solidFill>
+                  <a:srgbClr val="0000FF"/>
+                </a:solidFill>
+                <a:effectLst/>
+                <a:latin typeface="Consolas" panose="020B0609020204030204" pitchFamily="49" charset="0"/>
+              </a:rPr>
+              <a:t>const</a:t>
+            </a:r>
+            <a:r>
+              <a:rPr lang="en-US" b="0" dirty="0">
+                <a:solidFill>
+                  <a:srgbClr val="000000"/>
+                </a:solidFill>
+                <a:effectLst/>
+                <a:latin typeface="Consolas" panose="020B0609020204030204" pitchFamily="49" charset="0"/>
+              </a:rPr>
+              <a:t> </a:t>
+            </a:r>
+            <a:r>
+              <a:rPr lang="en-US" b="0" dirty="0">
+                <a:solidFill>
+                  <a:srgbClr val="0070C1"/>
+                </a:solidFill>
+                <a:effectLst/>
+                <a:latin typeface="Consolas" panose="020B0609020204030204" pitchFamily="49" charset="0"/>
+              </a:rPr>
+              <a:t>connection</a:t>
+            </a:r>
+            <a:r>
+              <a:rPr lang="en-US" b="0" dirty="0">
+                <a:solidFill>
+                  <a:srgbClr val="000000"/>
+                </a:solidFill>
+                <a:effectLst/>
+                <a:latin typeface="Consolas" panose="020B0609020204030204" pitchFamily="49" charset="0"/>
+              </a:rPr>
+              <a:t> = </a:t>
+            </a:r>
+            <a:r>
+              <a:rPr lang="en-US" b="0" dirty="0" err="1">
+                <a:solidFill>
+                  <a:srgbClr val="001080"/>
+                </a:solidFill>
+                <a:effectLst/>
+                <a:latin typeface="Consolas" panose="020B0609020204030204" pitchFamily="49" charset="0"/>
+              </a:rPr>
+              <a:t>clockServer</a:t>
+            </a:r>
+            <a:r>
+              <a:rPr lang="en-US" b="0" dirty="0" err="1">
+                <a:solidFill>
+                  <a:srgbClr val="000000"/>
+                </a:solidFill>
+                <a:effectLst/>
+                <a:latin typeface="Consolas" panose="020B0609020204030204" pitchFamily="49" charset="0"/>
+              </a:rPr>
+              <a:t>.</a:t>
+            </a:r>
+            <a:r>
+              <a:rPr lang="en-US" b="0" dirty="0" err="1">
+                <a:solidFill>
+                  <a:srgbClr val="795E26"/>
+                </a:solidFill>
+                <a:effectLst/>
+                <a:latin typeface="Consolas" panose="020B0609020204030204" pitchFamily="49" charset="0"/>
+              </a:rPr>
+              <a:t>createConnection</a:t>
+            </a:r>
+            <a:r>
+              <a:rPr lang="en-US" b="0" dirty="0">
+                <a:solidFill>
+                  <a:srgbClr val="000000"/>
+                </a:solidFill>
+                <a:effectLst/>
+                <a:latin typeface="Consolas" panose="020B0609020204030204" pitchFamily="49" charset="0"/>
+              </a:rPr>
+              <a:t>()</a:t>
+            </a:r>
+          </a:p>
+          <a:p>
+            <a:r>
+              <a:rPr lang="en-US" b="0" dirty="0">
+                <a:solidFill>
+                  <a:srgbClr val="000000"/>
+                </a:solidFill>
+                <a:effectLst/>
+                <a:latin typeface="Consolas" panose="020B0609020204030204" pitchFamily="49" charset="0"/>
+              </a:rPr>
+              <a:t>    </a:t>
+            </a:r>
+            <a:r>
+              <a:rPr lang="en-US" b="0" dirty="0" err="1">
+                <a:solidFill>
+                  <a:srgbClr val="0070C1"/>
+                </a:solidFill>
+                <a:effectLst/>
+                <a:latin typeface="Consolas" panose="020B0609020204030204" pitchFamily="49" charset="0"/>
+              </a:rPr>
+              <a:t>connection</a:t>
+            </a:r>
+            <a:r>
+              <a:rPr lang="en-US" b="0" dirty="0" err="1">
+                <a:solidFill>
+                  <a:srgbClr val="000000"/>
+                </a:solidFill>
+                <a:effectLst/>
+                <a:latin typeface="Consolas" panose="020B0609020204030204" pitchFamily="49" charset="0"/>
+              </a:rPr>
+              <a:t>.</a:t>
+            </a:r>
+            <a:r>
+              <a:rPr lang="en-US" b="0" dirty="0" err="1">
+                <a:solidFill>
+                  <a:srgbClr val="795E26"/>
+                </a:solidFill>
+                <a:effectLst/>
+                <a:latin typeface="Consolas" panose="020B0609020204030204" pitchFamily="49" charset="0"/>
+              </a:rPr>
+              <a:t>connect</a:t>
+            </a:r>
+            <a:r>
+              <a:rPr lang="en-US" b="0" dirty="0">
+                <a:solidFill>
+                  <a:srgbClr val="000000"/>
+                </a:solidFill>
+                <a:effectLst/>
+                <a:latin typeface="Consolas" panose="020B0609020204030204" pitchFamily="49" charset="0"/>
+              </a:rPr>
+              <a:t>();</a:t>
+            </a:r>
+          </a:p>
+          <a:p>
+            <a:endParaRPr lang="en-US" b="0" dirty="0">
+              <a:solidFill>
+                <a:srgbClr val="000000"/>
+              </a:solidFill>
+              <a:effectLst/>
+              <a:latin typeface="Consolas" panose="020B0609020204030204" pitchFamily="49" charset="0"/>
+            </a:endParaRPr>
+          </a:p>
+          <a:p>
+            <a:r>
+              <a:rPr lang="en-US" b="0" dirty="0">
+                <a:solidFill>
+                  <a:srgbClr val="000000"/>
+                </a:solidFill>
+                <a:effectLst/>
+                <a:latin typeface="Consolas" panose="020B0609020204030204" pitchFamily="49" charset="0"/>
+              </a:rPr>
+              <a:t>    </a:t>
+            </a:r>
+            <a:r>
+              <a:rPr lang="en-US" b="0" dirty="0">
+                <a:solidFill>
+                  <a:srgbClr val="AF00DB"/>
+                </a:solidFill>
+                <a:effectLst/>
+                <a:latin typeface="Consolas" panose="020B0609020204030204" pitchFamily="49" charset="0"/>
+              </a:rPr>
+              <a:t>return</a:t>
+            </a:r>
+            <a:r>
+              <a:rPr lang="en-US" b="0" dirty="0">
+                <a:solidFill>
+                  <a:srgbClr val="000000"/>
+                </a:solidFill>
+                <a:effectLst/>
+                <a:latin typeface="Consolas" panose="020B0609020204030204" pitchFamily="49" charset="0"/>
+              </a:rPr>
+              <a:t> () </a:t>
+            </a:r>
+            <a:r>
+              <a:rPr lang="en-US" b="0" dirty="0">
+                <a:solidFill>
+                  <a:srgbClr val="0000FF"/>
+                </a:solidFill>
+                <a:effectLst/>
+                <a:latin typeface="Consolas" panose="020B0609020204030204" pitchFamily="49" charset="0"/>
+              </a:rPr>
+              <a:t>=&gt;</a:t>
+            </a:r>
+            <a:r>
+              <a:rPr lang="en-US" b="0" dirty="0">
+                <a:solidFill>
+                  <a:srgbClr val="000000"/>
+                </a:solidFill>
+                <a:effectLst/>
+                <a:latin typeface="Consolas" panose="020B0609020204030204" pitchFamily="49" charset="0"/>
+              </a:rPr>
+              <a:t> {</a:t>
+            </a:r>
+          </a:p>
+          <a:p>
+            <a:r>
+              <a:rPr lang="en-US" b="0" dirty="0">
+                <a:solidFill>
+                  <a:srgbClr val="000000"/>
+                </a:solidFill>
+                <a:effectLst/>
+                <a:latin typeface="Consolas" panose="020B0609020204030204" pitchFamily="49" charset="0"/>
+              </a:rPr>
+              <a:t>      </a:t>
+            </a:r>
+            <a:r>
+              <a:rPr lang="en-US" b="0" dirty="0" err="1">
+                <a:solidFill>
+                  <a:srgbClr val="0070C1"/>
+                </a:solidFill>
+                <a:effectLst/>
+                <a:latin typeface="Consolas" panose="020B0609020204030204" pitchFamily="49" charset="0"/>
+              </a:rPr>
+              <a:t>connection</a:t>
+            </a:r>
+            <a:r>
+              <a:rPr lang="en-US" b="0" dirty="0" err="1">
+                <a:solidFill>
+                  <a:srgbClr val="000000"/>
+                </a:solidFill>
+                <a:effectLst/>
+                <a:latin typeface="Consolas" panose="020B0609020204030204" pitchFamily="49" charset="0"/>
+              </a:rPr>
+              <a:t>.</a:t>
+            </a:r>
+            <a:r>
+              <a:rPr lang="en-US" b="0" dirty="0" err="1">
+                <a:solidFill>
+                  <a:srgbClr val="795E26"/>
+                </a:solidFill>
+                <a:effectLst/>
+                <a:latin typeface="Consolas" panose="020B0609020204030204" pitchFamily="49" charset="0"/>
+              </a:rPr>
+              <a:t>disconnect</a:t>
+            </a:r>
+            <a:r>
+              <a:rPr lang="en-US" b="0" dirty="0">
+                <a:solidFill>
+                  <a:srgbClr val="000000"/>
+                </a:solidFill>
+                <a:effectLst/>
+                <a:latin typeface="Consolas" panose="020B0609020204030204" pitchFamily="49" charset="0"/>
+              </a:rPr>
+              <a:t>();</a:t>
+            </a:r>
+          </a:p>
+          <a:p>
+            <a:r>
+              <a:rPr lang="en-US" b="0" dirty="0">
+                <a:solidFill>
+                  <a:srgbClr val="000000"/>
+                </a:solidFill>
+                <a:effectLst/>
+                <a:latin typeface="Consolas" panose="020B0609020204030204" pitchFamily="49" charset="0"/>
+              </a:rPr>
+              <a:t>    };</a:t>
+            </a:r>
+          </a:p>
+          <a:p>
+            <a:r>
+              <a:rPr lang="en-US" b="0" dirty="0">
+                <a:solidFill>
+                  <a:srgbClr val="000000"/>
+                </a:solidFill>
+                <a:effectLst/>
+                <a:latin typeface="Consolas" panose="020B0609020204030204" pitchFamily="49" charset="0"/>
+              </a:rPr>
+              <a:t>  }, []);</a:t>
+            </a:r>
+          </a:p>
+          <a:p>
+            <a:r>
+              <a:rPr lang="en-US" b="0" dirty="0">
+                <a:solidFill>
+                  <a:srgbClr val="000000"/>
+                </a:solidFill>
+                <a:effectLst/>
+                <a:latin typeface="Consolas" panose="020B0609020204030204" pitchFamily="49" charset="0"/>
+              </a:rPr>
+              <a:t>  </a:t>
+            </a:r>
+            <a:r>
+              <a:rPr lang="en-US" b="0" dirty="0">
+                <a:solidFill>
+                  <a:srgbClr val="008000"/>
+                </a:solidFill>
+                <a:effectLst/>
+                <a:latin typeface="Consolas" panose="020B0609020204030204" pitchFamily="49" charset="0"/>
+              </a:rPr>
+              <a:t>// ...</a:t>
+            </a:r>
+            <a:endParaRPr lang="en-US" b="0" dirty="0">
+              <a:solidFill>
+                <a:srgbClr val="000000"/>
+              </a:solidFill>
+              <a:effectLst/>
+              <a:latin typeface="Consolas" panose="020B0609020204030204" pitchFamily="49" charset="0"/>
+            </a:endParaRPr>
+          </a:p>
+          <a:p>
+            <a:r>
+              <a:rPr lang="en-US" b="0" dirty="0">
+                <a:solidFill>
+                  <a:srgbClr val="000000"/>
+                </a:solidFill>
+                <a:effectLst/>
+                <a:latin typeface="Consolas" panose="020B0609020204030204" pitchFamily="49" charset="0"/>
+              </a:rPr>
+              <a:t>}</a:t>
+            </a:r>
+          </a:p>
+        </p:txBody>
+      </p:sp>
+      <p:sp>
+        <p:nvSpPr>
+          <p:cNvPr id="2" name="Title 1">
+            <a:extLst>
+              <a:ext uri="{FF2B5EF4-FFF2-40B4-BE49-F238E27FC236}">
+                <a16:creationId xmlns:a16="http://schemas.microsoft.com/office/drawing/2014/main" id="{784A4F4F-C4AE-D1C0-3F12-9DB3018AC09E}"/>
+              </a:ext>
+            </a:extLst>
+          </p:cNvPr>
+          <p:cNvSpPr>
+            <a:spLocks noGrp="1"/>
+          </p:cNvSpPr>
+          <p:nvPr>
+            <p:ph type="title"/>
+          </p:nvPr>
+        </p:nvSpPr>
+        <p:spPr/>
+        <p:txBody>
+          <a:bodyPr/>
+          <a:lstStyle/>
+          <a:p>
+            <a:r>
+              <a:rPr lang="en-US" dirty="0" err="1"/>
+              <a:t>useEffect</a:t>
+            </a:r>
+            <a:r>
+              <a:rPr lang="en-US" dirty="0"/>
+              <a:t> is a mechanism for synchronizing a component with an external system</a:t>
+            </a:r>
+          </a:p>
+        </p:txBody>
+      </p:sp>
+      <p:sp>
+        <p:nvSpPr>
+          <p:cNvPr id="6" name="TextBox 5">
+            <a:extLst>
+              <a:ext uri="{FF2B5EF4-FFF2-40B4-BE49-F238E27FC236}">
+                <a16:creationId xmlns:a16="http://schemas.microsoft.com/office/drawing/2014/main" id="{DA2921BC-D96C-CE4E-A24A-793135B0040D}"/>
+              </a:ext>
+            </a:extLst>
+          </p:cNvPr>
+          <p:cNvSpPr txBox="1"/>
+          <p:nvPr/>
+        </p:nvSpPr>
+        <p:spPr>
+          <a:xfrm>
+            <a:off x="6946711" y="6149326"/>
+            <a:ext cx="4234491" cy="369330"/>
+          </a:xfrm>
+          <a:prstGeom prst="rect">
+            <a:avLst/>
+          </a:prstGeom>
+          <a:noFill/>
+          <a:ln w="12700" cap="flat">
+            <a:noFill/>
+            <a:miter lim="400000"/>
+          </a:ln>
+          <a:effectLst/>
+          <a:sp3d/>
+        </p:spPr>
+        <p:style>
+          <a:lnRef idx="0">
+            <a:scrgbClr r="0" g="0" b="0"/>
+          </a:lnRef>
+          <a:fillRef idx="0">
+            <a:scrgbClr r="0" g="0" b="0"/>
+          </a:fillRef>
+          <a:effectRef idx="0">
+            <a:scrgbClr r="0" g="0" b="0"/>
+          </a:effectRef>
+          <a:fontRef idx="none"/>
+        </p:style>
+        <p:txBody>
+          <a:bodyPr rot="0" spcFirstLastPara="1" vertOverflow="overflow" horzOverflow="overflow" vert="horz" wrap="none" lIns="45719" tIns="45719" rIns="45719" bIns="45719" numCol="1" spcCol="38100" rtlCol="0" anchor="t">
+            <a:spAutoFit/>
+          </a:bodyPr>
+          <a:lstStyle/>
+          <a:p>
+            <a:pPr marL="0" marR="0" indent="0" algn="l" defTabSz="914400" rtl="0" fontAlgn="auto" latinLnBrk="0" hangingPunct="0">
+              <a:lnSpc>
+                <a:spcPct val="100000"/>
+              </a:lnSpc>
+              <a:spcBef>
+                <a:spcPts val="0"/>
+              </a:spcBef>
+              <a:spcAft>
+                <a:spcPts val="0"/>
+              </a:spcAft>
+              <a:buClrTx/>
+              <a:buSzTx/>
+              <a:buFontTx/>
+              <a:buNone/>
+              <a:tabLst/>
+            </a:pPr>
+            <a:r>
+              <a:rPr kumimoji="0" lang="en-US" sz="1800" b="0" i="0" u="none" strike="noStrike" cap="none" spc="0" normalizeH="0" baseline="0" dirty="0">
+                <a:ln>
+                  <a:noFill/>
+                </a:ln>
+                <a:solidFill>
+                  <a:srgbClr val="000000"/>
+                </a:solidFill>
+                <a:effectLst/>
+                <a:uFillTx/>
+                <a:latin typeface="+mn-lt"/>
+                <a:ea typeface="+mn-ea"/>
+                <a:cs typeface="+mn-cs"/>
+                <a:sym typeface="Calibri"/>
+                <a:hlinkClick r:id="rId3"/>
+              </a:rPr>
+              <a:t>https://react.dev/reference/react/useEffect</a:t>
+            </a:r>
+            <a:endParaRPr kumimoji="0" lang="en-US" sz="1800" b="0" i="0" u="none" strike="noStrike" cap="none" spc="0" normalizeH="0" baseline="0" dirty="0">
+              <a:ln>
+                <a:noFill/>
+              </a:ln>
+              <a:solidFill>
+                <a:srgbClr val="000000"/>
+              </a:solidFill>
+              <a:effectLst/>
+              <a:uFillTx/>
+              <a:latin typeface="+mn-lt"/>
+              <a:ea typeface="+mn-ea"/>
+              <a:cs typeface="+mn-cs"/>
+              <a:sym typeface="Calibri"/>
+            </a:endParaRPr>
+          </a:p>
+        </p:txBody>
+      </p:sp>
+      <p:sp>
+        <p:nvSpPr>
+          <p:cNvPr id="4" name="Slide Number Placeholder 3">
+            <a:extLst>
+              <a:ext uri="{FF2B5EF4-FFF2-40B4-BE49-F238E27FC236}">
+                <a16:creationId xmlns:a16="http://schemas.microsoft.com/office/drawing/2014/main" id="{C106D35E-F8BC-CC43-CE14-43CAA45C74E9}"/>
+              </a:ext>
+            </a:extLst>
+          </p:cNvPr>
+          <p:cNvSpPr>
+            <a:spLocks noGrp="1"/>
+          </p:cNvSpPr>
+          <p:nvPr>
+            <p:ph type="sldNum" sz="quarter" idx="2"/>
+          </p:nvPr>
+        </p:nvSpPr>
+        <p:spPr/>
+        <p:txBody>
+          <a:bodyPr/>
+          <a:lstStyle/>
+          <a:p>
+            <a:fld id="{86CB4B4D-7CA3-9044-876B-883B54F8677D}" type="slidenum">
+              <a:rPr lang="en-US" smtClean="0"/>
+              <a:t>4</a:t>
+            </a:fld>
+            <a:endParaRPr lang="en-US"/>
+          </a:p>
+        </p:txBody>
+      </p:sp>
+      <p:sp>
+        <p:nvSpPr>
+          <p:cNvPr id="8" name="Arrow: Left 7">
+            <a:extLst>
+              <a:ext uri="{FF2B5EF4-FFF2-40B4-BE49-F238E27FC236}">
+                <a16:creationId xmlns:a16="http://schemas.microsoft.com/office/drawing/2014/main" id="{26C3FA75-64CA-C959-0B28-81AD3FB51474}"/>
+              </a:ext>
+            </a:extLst>
+          </p:cNvPr>
+          <p:cNvSpPr/>
+          <p:nvPr/>
+        </p:nvSpPr>
+        <p:spPr>
+          <a:xfrm>
+            <a:off x="8135634" y="2655869"/>
+            <a:ext cx="2117558" cy="1283906"/>
+          </a:xfrm>
+          <a:prstGeom prst="leftArrow">
+            <a:avLst/>
+          </a:prstGeom>
+          <a:solidFill>
+            <a:schemeClr val="accent3">
+              <a:lumMod val="40000"/>
+              <a:lumOff val="60000"/>
+            </a:schemeClr>
+          </a:solidFill>
+          <a:ln w="12700" cap="flat">
+            <a:solidFill>
+              <a:schemeClr val="accent1"/>
+            </a:solidFill>
+            <a:prstDash val="solid"/>
+            <a:miter lim="800000"/>
+          </a:ln>
+          <a:effectLst/>
+          <a:sp3d/>
+        </p:spPr>
+        <p:style>
+          <a:lnRef idx="0">
+            <a:scrgbClr r="0" g="0" b="0"/>
+          </a:lnRef>
+          <a:fillRef idx="0">
+            <a:scrgbClr r="0" g="0" b="0"/>
+          </a:fillRef>
+          <a:effectRef idx="0">
+            <a:scrgbClr r="0" g="0" b="0"/>
+          </a:effectRef>
+          <a:fontRef idx="none"/>
+        </p:style>
+        <p:txBody>
+          <a:bodyPr rot="0" spcFirstLastPara="1" vertOverflow="overflow" horzOverflow="overflow" vert="horz" wrap="square" lIns="45719" tIns="45719" rIns="45719" bIns="45719" numCol="1" spcCol="38100" rtlCol="0" anchor="ctr">
+            <a:spAutoFit/>
+          </a:bodyPr>
+          <a:lstStyle/>
+          <a:p>
+            <a:pPr marL="0" marR="0" indent="0" algn="l" defTabSz="914400" rtl="0" fontAlgn="auto" latinLnBrk="0" hangingPunct="0">
+              <a:lnSpc>
+                <a:spcPct val="100000"/>
+              </a:lnSpc>
+              <a:spcBef>
+                <a:spcPts val="0"/>
+              </a:spcBef>
+              <a:spcAft>
+                <a:spcPts val="0"/>
+              </a:spcAft>
+              <a:buClrTx/>
+              <a:buSzTx/>
+              <a:buFontTx/>
+              <a:buNone/>
+              <a:tabLst/>
+            </a:pPr>
+            <a:r>
+              <a:rPr lang="en-US" dirty="0"/>
+              <a:t>Action to take on first render</a:t>
+            </a:r>
+            <a:endParaRPr kumimoji="0" lang="en-US" sz="1800" b="0" i="0" u="none" strike="noStrike" cap="none" spc="0" normalizeH="0" baseline="0" dirty="0">
+              <a:ln>
+                <a:noFill/>
+              </a:ln>
+              <a:solidFill>
+                <a:srgbClr val="000000"/>
+              </a:solidFill>
+              <a:effectLst/>
+              <a:uFillTx/>
+              <a:latin typeface="+mn-lt"/>
+              <a:ea typeface="+mn-ea"/>
+              <a:cs typeface="+mn-cs"/>
+              <a:sym typeface="Calibri"/>
+            </a:endParaRPr>
+          </a:p>
+        </p:txBody>
+      </p:sp>
+      <p:sp>
+        <p:nvSpPr>
+          <p:cNvPr id="9" name="Arrow: Left 8">
+            <a:extLst>
+              <a:ext uri="{FF2B5EF4-FFF2-40B4-BE49-F238E27FC236}">
+                <a16:creationId xmlns:a16="http://schemas.microsoft.com/office/drawing/2014/main" id="{311E723F-5709-3B3B-ABAE-5401E8EF42BA}"/>
+              </a:ext>
+            </a:extLst>
+          </p:cNvPr>
+          <p:cNvSpPr/>
+          <p:nvPr/>
+        </p:nvSpPr>
+        <p:spPr>
+          <a:xfrm>
+            <a:off x="5335376" y="3943144"/>
+            <a:ext cx="3547366" cy="1283906"/>
+          </a:xfrm>
+          <a:prstGeom prst="leftArrow">
+            <a:avLst/>
+          </a:prstGeom>
+          <a:solidFill>
+            <a:schemeClr val="accent3">
+              <a:lumMod val="40000"/>
+              <a:lumOff val="60000"/>
+            </a:schemeClr>
+          </a:solidFill>
+          <a:ln w="12700" cap="flat">
+            <a:solidFill>
+              <a:schemeClr val="accent1"/>
+            </a:solidFill>
+            <a:prstDash val="solid"/>
+            <a:miter lim="800000"/>
+          </a:ln>
+          <a:effectLst/>
+          <a:sp3d/>
+        </p:spPr>
+        <p:style>
+          <a:lnRef idx="0">
+            <a:scrgbClr r="0" g="0" b="0"/>
+          </a:lnRef>
+          <a:fillRef idx="0">
+            <a:scrgbClr r="0" g="0" b="0"/>
+          </a:fillRef>
+          <a:effectRef idx="0">
+            <a:scrgbClr r="0" g="0" b="0"/>
+          </a:effectRef>
+          <a:fontRef idx="none"/>
+        </p:style>
+        <p:txBody>
+          <a:bodyPr rot="0" spcFirstLastPara="1" vertOverflow="overflow" horzOverflow="overflow" vert="horz" wrap="square" lIns="45719" tIns="45719" rIns="45719" bIns="45719" numCol="1" spcCol="38100" rtlCol="0" anchor="ctr">
+            <a:spAutoFit/>
+          </a:bodyPr>
+          <a:lstStyle/>
+          <a:p>
+            <a:pPr marL="0" marR="0" indent="0" algn="l" defTabSz="914400" rtl="0" fontAlgn="auto" latinLnBrk="0" hangingPunct="0">
+              <a:lnSpc>
+                <a:spcPct val="100000"/>
+              </a:lnSpc>
+              <a:spcBef>
+                <a:spcPts val="0"/>
+              </a:spcBef>
+              <a:spcAft>
+                <a:spcPts val="0"/>
+              </a:spcAft>
+              <a:buClrTx/>
+              <a:buSzTx/>
+              <a:buFontTx/>
+              <a:buNone/>
+              <a:tabLst/>
+            </a:pPr>
+            <a:r>
+              <a:rPr lang="en-US" dirty="0"/>
+              <a:t>Action to take when component dismounts</a:t>
+            </a:r>
+            <a:endParaRPr kumimoji="0" lang="en-US" sz="1800" b="0" i="0" u="none" strike="noStrike" cap="none" spc="0" normalizeH="0" baseline="0" dirty="0">
+              <a:ln>
+                <a:noFill/>
+              </a:ln>
+              <a:solidFill>
+                <a:srgbClr val="000000"/>
+              </a:solidFill>
+              <a:effectLst/>
+              <a:uFillTx/>
+              <a:latin typeface="+mn-lt"/>
+              <a:ea typeface="+mn-ea"/>
+              <a:cs typeface="+mn-cs"/>
+              <a:sym typeface="Calibri"/>
+            </a:endParaRPr>
+          </a:p>
+        </p:txBody>
+      </p:sp>
+      <p:grpSp>
+        <p:nvGrpSpPr>
+          <p:cNvPr id="21" name="Group 20">
+            <a:extLst>
+              <a:ext uri="{FF2B5EF4-FFF2-40B4-BE49-F238E27FC236}">
+                <a16:creationId xmlns:a16="http://schemas.microsoft.com/office/drawing/2014/main" id="{6DF6F86B-92DB-2A6F-C86C-D9D8E5D4BF9A}"/>
+              </a:ext>
+            </a:extLst>
+          </p:cNvPr>
+          <p:cNvGrpSpPr/>
+          <p:nvPr/>
+        </p:nvGrpSpPr>
+        <p:grpSpPr>
+          <a:xfrm>
+            <a:off x="1687285" y="5227050"/>
+            <a:ext cx="2797629" cy="1229003"/>
+            <a:chOff x="1687285" y="5227050"/>
+            <a:chExt cx="2797629" cy="1229003"/>
+          </a:xfrm>
+        </p:grpSpPr>
+        <p:cxnSp>
+          <p:nvCxnSpPr>
+            <p:cNvPr id="17" name="Straight Arrow Connector 16">
+              <a:extLst>
+                <a:ext uri="{FF2B5EF4-FFF2-40B4-BE49-F238E27FC236}">
+                  <a16:creationId xmlns:a16="http://schemas.microsoft.com/office/drawing/2014/main" id="{FC0317B6-86FE-BD0A-7F68-B2D5D5675C48}"/>
+                </a:ext>
+              </a:extLst>
+            </p:cNvPr>
+            <p:cNvCxnSpPr>
+              <a:cxnSpLocks/>
+            </p:cNvCxnSpPr>
+            <p:nvPr/>
+          </p:nvCxnSpPr>
+          <p:spPr>
+            <a:xfrm flipH="1" flipV="1">
+              <a:off x="1949200" y="5227050"/>
+              <a:ext cx="790152" cy="614501"/>
+            </a:xfrm>
+            <a:prstGeom prst="straightConnector1">
+              <a:avLst/>
+            </a:prstGeom>
+            <a:noFill/>
+            <a:ln w="63500" cap="flat">
+              <a:solidFill>
+                <a:schemeClr val="bg1">
+                  <a:lumMod val="65000"/>
+                </a:schemeClr>
+              </a:solidFill>
+              <a:prstDash val="solid"/>
+              <a:miter lim="800000"/>
+              <a:tailEnd type="triangle"/>
+            </a:ln>
+            <a:effectLst/>
+            <a:sp3d/>
+          </p:spPr>
+          <p:style>
+            <a:lnRef idx="0">
+              <a:scrgbClr r="0" g="0" b="0"/>
+            </a:lnRef>
+            <a:fillRef idx="0">
+              <a:scrgbClr r="0" g="0" b="0"/>
+            </a:fillRef>
+            <a:effectRef idx="0">
+              <a:scrgbClr r="0" g="0" b="0"/>
+            </a:effectRef>
+            <a:fontRef idx="none"/>
+          </p:style>
+        </p:cxnSp>
+        <p:sp>
+          <p:nvSpPr>
+            <p:cNvPr id="15" name="Rectangle 14">
+              <a:extLst>
+                <a:ext uri="{FF2B5EF4-FFF2-40B4-BE49-F238E27FC236}">
+                  <a16:creationId xmlns:a16="http://schemas.microsoft.com/office/drawing/2014/main" id="{B0B99846-94B1-FB3E-25E9-00C8357F84CE}"/>
+                </a:ext>
+              </a:extLst>
+            </p:cNvPr>
+            <p:cNvSpPr/>
+            <p:nvPr/>
+          </p:nvSpPr>
+          <p:spPr>
+            <a:xfrm>
+              <a:off x="1687285" y="5809724"/>
+              <a:ext cx="2797629" cy="646329"/>
+            </a:xfrm>
+            <a:prstGeom prst="rect">
+              <a:avLst/>
+            </a:prstGeom>
+            <a:solidFill>
+              <a:schemeClr val="accent3">
+                <a:lumMod val="40000"/>
+                <a:lumOff val="60000"/>
+              </a:schemeClr>
+            </a:solidFill>
+            <a:ln w="12700" cap="flat">
+              <a:solidFill>
+                <a:schemeClr val="accent1"/>
+              </a:solidFill>
+              <a:prstDash val="solid"/>
+              <a:miter lim="800000"/>
+            </a:ln>
+            <a:effectLst/>
+            <a:sp3d/>
+          </p:spPr>
+          <p:style>
+            <a:lnRef idx="0">
+              <a:scrgbClr r="0" g="0" b="0"/>
+            </a:lnRef>
+            <a:fillRef idx="0">
+              <a:scrgbClr r="0" g="0" b="0"/>
+            </a:fillRef>
+            <a:effectRef idx="0">
+              <a:scrgbClr r="0" g="0" b="0"/>
+            </a:effectRef>
+            <a:fontRef idx="none"/>
+          </p:style>
+          <p:txBody>
+            <a:bodyPr rot="0" spcFirstLastPara="1" vertOverflow="overflow" horzOverflow="overflow" vert="horz" wrap="square" lIns="45719" tIns="45719" rIns="45719" bIns="45719" numCol="1" spcCol="38100" rtlCol="0" anchor="ctr">
+              <a:spAutoFit/>
+            </a:bodyPr>
+            <a:lstStyle/>
+            <a:p>
+              <a:r>
+                <a:rPr lang="en-US" dirty="0"/>
+                <a:t>Empty array says: do this on first render only</a:t>
+              </a:r>
+            </a:p>
+          </p:txBody>
+        </p:sp>
+      </p:grpSp>
+    </p:spTree>
+    <p:extLst>
+      <p:ext uri="{BB962C8B-B14F-4D97-AF65-F5344CB8AC3E}">
+        <p14:creationId xmlns:p14="http://schemas.microsoft.com/office/powerpoint/2010/main" val="3414127211"/>
+      </p:ext>
+    </p:extLst>
+  </p:cSld>
+  <p:clrMapOvr>
+    <a:masterClrMapping/>
+  </p:clrMapOvr>
+  <p:transition spd="med"/>
+  <p:timing>
+    <p:tnLst>
+      <p:par>
+        <p:cTn id="1" dur="indefinite" restart="never" nodeType="tmRoot">
+          <p:childTnLst>
+            <p:seq concurrent="1" nextAc="seek">
+              <p:cTn id="2" dur="indefinite" nodeType="mainSeq">
+                <p:childTnLst>
+                  <p:par>
+                    <p:cTn id="3" fill="hold">
+                      <p:stCondLst>
+                        <p:cond delay="indefinite"/>
+                      </p:stCondLst>
+                      <p:childTnLst>
+                        <p:par>
+                          <p:cTn id="4" fill="hold">
+                            <p:stCondLst>
+                              <p:cond delay="0"/>
+                            </p:stCondLst>
+                            <p:childTnLst>
+                              <p:par>
+                                <p:cTn id="5" presetID="1" presetClass="entr" presetSubtype="0" fill="hold" nodeType="clickEffect">
+                                  <p:stCondLst>
+                                    <p:cond delay="0"/>
+                                  </p:stCondLst>
+                                  <p:childTnLst>
+                                    <p:set>
+                                      <p:cBhvr>
+                                        <p:cTn id="6" dur="1" fill="hold">
+                                          <p:stCondLst>
+                                            <p:cond delay="0"/>
+                                          </p:stCondLst>
+                                        </p:cTn>
+                                        <p:tgtEl>
+                                          <p:spTgt spid="21"/>
+                                        </p:tgtEl>
+                                        <p:attrNameLst>
+                                          <p:attrName>style.visibility</p:attrName>
+                                        </p:attrNameLst>
+                                      </p:cBhvr>
+                                      <p:to>
+                                        <p:strVal val="visible"/>
+                                      </p:to>
+                                    </p:set>
+                                  </p:childTnLst>
+                                </p:cTn>
+                              </p:par>
+                            </p:childTnLst>
+                          </p:cTn>
+                        </p:par>
+                      </p:childTnLst>
+                    </p:cTn>
+                  </p:par>
+                  <p:par>
+                    <p:cTn id="7" fill="hold">
+                      <p:stCondLst>
+                        <p:cond delay="indefinite"/>
+                      </p:stCondLst>
+                      <p:childTnLst>
+                        <p:par>
+                          <p:cTn id="8" fill="hold">
+                            <p:stCondLst>
+                              <p:cond delay="0"/>
+                            </p:stCondLst>
+                            <p:childTnLst>
+                              <p:par>
+                                <p:cTn id="9" presetID="1" presetClass="entr" presetSubtype="0" fill="hold" grpId="0" nodeType="clickEffect">
+                                  <p:stCondLst>
+                                    <p:cond delay="0"/>
+                                  </p:stCondLst>
+                                  <p:childTnLst>
+                                    <p:set>
+                                      <p:cBhvr>
+                                        <p:cTn id="10" dur="1" fill="hold">
+                                          <p:stCondLst>
+                                            <p:cond delay="0"/>
+                                          </p:stCondLst>
+                                        </p:cTn>
+                                        <p:tgtEl>
+                                          <p:spTgt spid="8"/>
+                                        </p:tgtEl>
+                                        <p:attrNameLst>
+                                          <p:attrName>style.visibility</p:attrName>
+                                        </p:attrNameLst>
+                                      </p:cBhvr>
+                                      <p:to>
+                                        <p:strVal val="visible"/>
+                                      </p:to>
+                                    </p:set>
+                                  </p:childTnLst>
+                                </p:cTn>
+                              </p:par>
+                            </p:childTnLst>
+                          </p:cTn>
+                        </p:par>
+                      </p:childTnLst>
+                    </p:cTn>
+                  </p:par>
+                  <p:par>
+                    <p:cTn id="11" fill="hold">
+                      <p:stCondLst>
+                        <p:cond delay="indefinite"/>
+                      </p:stCondLst>
+                      <p:childTnLst>
+                        <p:par>
+                          <p:cTn id="12" fill="hold">
+                            <p:stCondLst>
+                              <p:cond delay="0"/>
+                            </p:stCondLst>
+                            <p:childTnLst>
+                              <p:par>
+                                <p:cTn id="13" presetID="1" presetClass="entr" presetSubtype="0" fill="hold" grpId="0" nodeType="clickEffect">
+                                  <p:stCondLst>
+                                    <p:cond delay="0"/>
+                                  </p:stCondLst>
+                                  <p:childTnLst>
+                                    <p:set>
+                                      <p:cBhvr>
+                                        <p:cTn id="14" dur="1" fill="hold">
+                                          <p:stCondLst>
+                                            <p:cond delay="0"/>
+                                          </p:stCondLst>
+                                        </p:cTn>
+                                        <p:tgtEl>
+                                          <p:spTgt spid="9"/>
+                                        </p:tgtEl>
+                                        <p:attrNameLst>
+                                          <p:attrName>style.visibility</p:attrName>
+                                        </p:attrNameLst>
+                                      </p:cBhvr>
+                                      <p:to>
+                                        <p:strVal val="visible"/>
+                                      </p:to>
+                                    </p:set>
+                                  </p:childTnLst>
+                                </p:cTn>
+                              </p:par>
+                            </p:childTnLst>
+                          </p:cTn>
+                        </p:par>
+                      </p:childTnLst>
+                    </p:cTn>
+                  </p:par>
+                </p:childTnLst>
+              </p:cTn>
+              <p:prevCondLst>
+                <p:cond evt="onPrev" delay="0">
+                  <p:tgtEl>
+                    <p:sldTgt/>
+                  </p:tgtEl>
+                </p:cond>
+              </p:prevCondLst>
+              <p:nextCondLst>
+                <p:cond evt="onNext" delay="0">
+                  <p:tgtEl>
+                    <p:sldTgt/>
+                  </p:tgtEl>
+                </p:cond>
+              </p:nextCondLst>
+            </p:seq>
+          </p:childTnLst>
+        </p:cTn>
+      </p:par>
+    </p:tnLst>
+    <p:bldLst>
+      <p:bldP spid="8" grpId="0" animBg="1"/>
+      <p:bldP spid="9" grpId="0" animBg="1"/>
+    </p:bldLst>
+  </p:timing>
+</p:sld>
+</file>
+
+<file path=ppt/slides/slide5.xml><?xml version="1.0" encoding="utf-8"?>
 <p:sld xmlns:a="http://schemas.openxmlformats.org/drawingml/2006/main" xmlns:r="http://schemas.openxmlformats.org/officeDocument/2006/relationships" xmlns:p="http://schemas.openxmlformats.org/presentationml/2006/main">
   <p:cSld>
     <p:bg>
@@ -32217,7 +34535,7 @@
           <a:p>
             <a:fld id="{86CB4B4D-7CA3-9044-876B-883B54F8677D}" type="slidenum">
               <a:rPr lang="en-US" smtClean="0"/>
-              <a:t>4</a:t>
+              <a:t>5</a:t>
             </a:fld>
             <a:endParaRPr lang="en-US"/>
           </a:p>
@@ -32237,7 +34555,7 @@
 </p:sld>
 </file>
 
-<file path=ppt/slides/slide5.xml><?xml version="1.0" encoding="utf-8"?>
+<file path=ppt/slides/slide6.xml><?xml version="1.0" encoding="utf-8"?>
 <p:sld xmlns:a="http://schemas.openxmlformats.org/drawingml/2006/main" xmlns:r="http://schemas.openxmlformats.org/officeDocument/2006/relationships" xmlns:p="http://schemas.openxmlformats.org/presentationml/2006/main">
   <p:cSld>
     <p:spTree>
@@ -32305,7 +34623,7 @@
           <a:p>
             <a:fld id="{86CB4B4D-7CA3-9044-876B-883B54F8677D}" type="slidenum">
               <a:rPr lang="en-US" smtClean="0"/>
-              <a:t>5</a:t>
+              <a:t>6</a:t>
             </a:fld>
             <a:endParaRPr lang="en-US"/>
           </a:p>
@@ -33975,7 +36293,7 @@
 </p:sld>
 </file>
 
-<file path=ppt/slides/slide6.xml><?xml version="1.0" encoding="utf-8"?>
+<file path=ppt/slides/slide7.xml><?xml version="1.0" encoding="utf-8"?>
 <p:sld xmlns:a="http://schemas.openxmlformats.org/drawingml/2006/main" xmlns:r="http://schemas.openxmlformats.org/officeDocument/2006/relationships" xmlns:p="http://schemas.openxmlformats.org/presentationml/2006/main">
   <p:cSld>
     <p:spTree>
@@ -34043,7 +36361,7 @@
           <a:p>
             <a:fld id="{86CB4B4D-7CA3-9044-876B-883B54F8677D}" type="slidenum">
               <a:rPr lang="en-US" smtClean="0"/>
-              <a:t>6</a:t>
+              <a:t>7</a:t>
             </a:fld>
             <a:endParaRPr lang="en-US"/>
           </a:p>
@@ -36062,7 +38380,7 @@
 </p:sld>
 </file>
 
-<file path=ppt/slides/slide7.xml><?xml version="1.0" encoding="utf-8"?>
+<file path=ppt/slides/slide8.xml><?xml version="1.0" encoding="utf-8"?>
 <p:sld xmlns:a="http://schemas.openxmlformats.org/drawingml/2006/main" xmlns:r="http://schemas.openxmlformats.org/officeDocument/2006/relationships" xmlns:p="http://schemas.openxmlformats.org/presentationml/2006/main">
   <p:cSld>
     <p:spTree>
@@ -37237,7 +39555,7 @@
           <a:p>
             <a:fld id="{86CB4B4D-7CA3-9044-876B-883B54F8677D}" type="slidenum">
               <a:rPr lang="en-US" smtClean="0"/>
-              <a:t>7</a:t>
+              <a:t>8</a:t>
             </a:fld>
             <a:endParaRPr lang="en-US"/>
           </a:p>
@@ -37923,7 +40241,7 @@
 </p:sld>
 </file>
 
-<file path=ppt/slides/slide8.xml><?xml version="1.0" encoding="utf-8"?>
+<file path=ppt/slides/slide9.xml><?xml version="1.0" encoding="utf-8"?>
 <p:sld xmlns:a="http://schemas.openxmlformats.org/drawingml/2006/main" xmlns:r="http://schemas.openxmlformats.org/officeDocument/2006/relationships" xmlns:p="http://schemas.openxmlformats.org/presentationml/2006/main">
   <p:cSld>
     <p:spTree>
@@ -38929,7 +41247,7 @@
           <a:p>
             <a:fld id="{86CB4B4D-7CA3-9044-876B-883B54F8677D}" type="slidenum">
               <a:rPr lang="en-US" smtClean="0"/>
-              <a:t>8</a:t>
+              <a:t>9</a:t>
             </a:fld>
             <a:endParaRPr lang="en-US"/>
           </a:p>
@@ -38949,1443 +41267,8 @@
 </p:sld>
 </file>
 
-<file path=ppt/slides/slide9.xml><?xml version="1.0" encoding="utf-8"?>
-<p:sld xmlns:a="http://schemas.openxmlformats.org/drawingml/2006/main" xmlns:r="http://schemas.openxmlformats.org/officeDocument/2006/relationships" xmlns:p="http://schemas.openxmlformats.org/presentationml/2006/main">
-  <p:cSld>
-    <p:spTree>
-      <p:nvGrpSpPr>
-        <p:cNvPr id="1" name="">
-          <a:extLst>
-            <a:ext uri="{FF2B5EF4-FFF2-40B4-BE49-F238E27FC236}">
-              <a16:creationId xmlns:a16="http://schemas.microsoft.com/office/drawing/2014/main" id="{674C367B-1325-666D-A327-2C4B069F1935}"/>
-            </a:ext>
-          </a:extLst>
-        </p:cNvPr>
-        <p:cNvGrpSpPr/>
-        <p:nvPr/>
-      </p:nvGrpSpPr>
-      <p:grpSpPr>
-        <a:xfrm>
-          <a:off x="0" y="0"/>
-          <a:ext cx="0" cy="0"/>
-          <a:chOff x="0" y="0"/>
-          <a:chExt cx="0" cy="0"/>
-        </a:xfrm>
-      </p:grpSpPr>
-      <p:sp>
-        <p:nvSpPr>
-          <p:cNvPr id="2" name="Title 1">
-            <a:extLst>
-              <a:ext uri="{FF2B5EF4-FFF2-40B4-BE49-F238E27FC236}">
-                <a16:creationId xmlns:a16="http://schemas.microsoft.com/office/drawing/2014/main" id="{EF2E17DE-1926-BEE1-9475-D20D8C47DD57}"/>
-              </a:ext>
-            </a:extLst>
-          </p:cNvPr>
-          <p:cNvSpPr>
-            <a:spLocks noGrp="1"/>
-          </p:cNvSpPr>
-          <p:nvPr>
-            <p:ph type="title"/>
-          </p:nvPr>
-        </p:nvSpPr>
-        <p:spPr/>
-        <p:txBody>
-          <a:bodyPr/>
-          <a:lstStyle/>
-          <a:p>
-            <a:r>
-              <a:rPr lang="en-US" dirty="0"/>
-              <a:t>Let's look at &lt;</a:t>
-            </a:r>
-            <a:r>
-              <a:rPr lang="en-US" dirty="0" err="1"/>
-              <a:t>ClockDisplay</a:t>
-            </a:r>
-            <a:r>
-              <a:rPr lang="en-US" dirty="0"/>
-              <a:t>&gt; again</a:t>
-            </a:r>
-          </a:p>
-        </p:txBody>
-      </p:sp>
-      <p:sp>
-        <p:nvSpPr>
-          <p:cNvPr id="7" name="Rectangle: Rounded Corners 6">
-            <a:extLst>
-              <a:ext uri="{FF2B5EF4-FFF2-40B4-BE49-F238E27FC236}">
-                <a16:creationId xmlns:a16="http://schemas.microsoft.com/office/drawing/2014/main" id="{D8ABAA32-A312-52BA-8F48-FC8E89FE1A57}"/>
-              </a:ext>
-            </a:extLst>
-          </p:cNvPr>
-          <p:cNvSpPr/>
-          <p:nvPr/>
-        </p:nvSpPr>
-        <p:spPr>
-          <a:xfrm>
-            <a:off x="5636871" y="194935"/>
-            <a:ext cx="6440660" cy="601981"/>
-          </a:xfrm>
-          <a:prstGeom prst="roundRect">
-            <a:avLst/>
-          </a:prstGeom>
-          <a:solidFill>
-            <a:schemeClr val="accent6">
-              <a:lumMod val="20000"/>
-              <a:lumOff val="80000"/>
-            </a:schemeClr>
-          </a:solidFill>
-          <a:ln>
-            <a:solidFill>
-              <a:srgbClr val="0070C0"/>
-            </a:solidFill>
-          </a:ln>
-        </p:spPr>
-        <p:style>
-          <a:lnRef idx="2">
-            <a:schemeClr val="accent1">
-              <a:shade val="50000"/>
-            </a:schemeClr>
-          </a:lnRef>
-          <a:fillRef idx="1">
-            <a:schemeClr val="accent1"/>
-          </a:fillRef>
-          <a:effectRef idx="0">
-            <a:schemeClr val="accent1"/>
-          </a:effectRef>
-          <a:fontRef idx="minor">
-            <a:schemeClr val="lt1"/>
-          </a:fontRef>
-        </p:style>
-        <p:txBody>
-          <a:bodyPr rtlCol="0" anchor="ctr"/>
-          <a:lstStyle/>
-          <a:p>
-            <a:pPr algn="ctr"/>
-            <a:r>
-              <a:rPr lang="en-US" sz="2400" dirty="0" err="1">
-                <a:solidFill>
-                  <a:schemeClr val="tx1"/>
-                </a:solidFill>
-              </a:rPr>
-              <a:t>src</a:t>
-            </a:r>
-            <a:r>
-              <a:rPr lang="en-US" sz="2400" dirty="0">
-                <a:solidFill>
-                  <a:schemeClr val="tx1"/>
-                </a:solidFill>
-              </a:rPr>
-              <a:t>/app/Components/</a:t>
-            </a:r>
-            <a:r>
-              <a:rPr lang="en-US" sz="2400" dirty="0" err="1">
-                <a:solidFill>
-                  <a:schemeClr val="tx1"/>
-                </a:solidFill>
-              </a:rPr>
-              <a:t>SimpleClockDisplay.tsx</a:t>
-            </a:r>
-            <a:endParaRPr lang="en-US" sz="2400" dirty="0">
-              <a:solidFill>
-                <a:schemeClr val="tx1"/>
-              </a:solidFill>
-            </a:endParaRPr>
-          </a:p>
-        </p:txBody>
-      </p:sp>
-      <p:sp>
-        <p:nvSpPr>
-          <p:cNvPr id="3" name="Slide Number Placeholder 2">
-            <a:extLst>
-              <a:ext uri="{FF2B5EF4-FFF2-40B4-BE49-F238E27FC236}">
-                <a16:creationId xmlns:a16="http://schemas.microsoft.com/office/drawing/2014/main" id="{ABCF31A3-702D-5526-C4EF-4333C3443943}"/>
-              </a:ext>
-            </a:extLst>
-          </p:cNvPr>
-          <p:cNvSpPr>
-            <a:spLocks noGrp="1"/>
-          </p:cNvSpPr>
-          <p:nvPr>
-            <p:ph type="sldNum" sz="quarter" idx="2"/>
-          </p:nvPr>
-        </p:nvSpPr>
-        <p:spPr/>
-        <p:txBody>
-          <a:bodyPr/>
-          <a:lstStyle/>
-          <a:p>
-            <a:fld id="{86CB4B4D-7CA3-9044-876B-883B54F8677D}" type="slidenum">
-              <a:rPr lang="en-US" smtClean="0"/>
-              <a:t>9</a:t>
-            </a:fld>
-            <a:endParaRPr lang="en-US"/>
-          </a:p>
-        </p:txBody>
-      </p:sp>
-      <p:sp>
-        <p:nvSpPr>
-          <p:cNvPr id="6" name="TextBox 5">
-            <a:extLst>
-              <a:ext uri="{FF2B5EF4-FFF2-40B4-BE49-F238E27FC236}">
-                <a16:creationId xmlns:a16="http://schemas.microsoft.com/office/drawing/2014/main" id="{53B9895B-9699-AD97-BAF2-AE03A8242EC8}"/>
-              </a:ext>
-            </a:extLst>
-          </p:cNvPr>
-          <p:cNvSpPr txBox="1"/>
-          <p:nvPr/>
-        </p:nvSpPr>
-        <p:spPr>
-          <a:xfrm>
-            <a:off x="838199" y="1700075"/>
-            <a:ext cx="11239332" cy="5355312"/>
-          </a:xfrm>
-          <a:prstGeom prst="rect">
-            <a:avLst/>
-          </a:prstGeom>
-          <a:noFill/>
-          <a:ln w="12700" cap="flat">
-            <a:noFill/>
-            <a:miter lim="400000"/>
-          </a:ln>
-          <a:effectLst/>
-          <a:sp3d/>
-        </p:spPr>
-        <p:style>
-          <a:lnRef idx="0">
-            <a:scrgbClr r="0" g="0" b="0"/>
-          </a:lnRef>
-          <a:fillRef idx="0">
-            <a:scrgbClr r="0" g="0" b="0"/>
-          </a:fillRef>
-          <a:effectRef idx="0">
-            <a:scrgbClr r="0" g="0" b="0"/>
-          </a:effectRef>
-          <a:fontRef idx="none"/>
-        </p:style>
-        <p:txBody>
-          <a:bodyPr wrap="square">
-            <a:spAutoFit/>
-          </a:bodyPr>
-          <a:lstStyle/>
-          <a:p>
-            <a:r>
-              <a:rPr lang="en-US" b="0" dirty="0">
-                <a:solidFill>
-                  <a:srgbClr val="0000FF"/>
-                </a:solidFill>
-                <a:effectLst/>
-                <a:latin typeface="Consolas" panose="020B0609020204030204" pitchFamily="49" charset="0"/>
-              </a:rPr>
-              <a:t>export</a:t>
-            </a:r>
-            <a:r>
-              <a:rPr lang="en-US" b="0" dirty="0">
-                <a:solidFill>
-                  <a:srgbClr val="000000"/>
-                </a:solidFill>
-                <a:effectLst/>
-                <a:latin typeface="Consolas" panose="020B0609020204030204" pitchFamily="49" charset="0"/>
-              </a:rPr>
-              <a:t> </a:t>
-            </a:r>
-            <a:r>
-              <a:rPr lang="en-US" b="0" dirty="0">
-                <a:solidFill>
-                  <a:srgbClr val="0000FF"/>
-                </a:solidFill>
-                <a:effectLst/>
-                <a:latin typeface="Consolas" panose="020B0609020204030204" pitchFamily="49" charset="0"/>
-              </a:rPr>
-              <a:t>default</a:t>
-            </a:r>
-            <a:r>
-              <a:rPr lang="en-US" b="0" dirty="0">
-                <a:solidFill>
-                  <a:srgbClr val="000000"/>
-                </a:solidFill>
-                <a:effectLst/>
-                <a:latin typeface="Consolas" panose="020B0609020204030204" pitchFamily="49" charset="0"/>
-              </a:rPr>
-              <a:t> </a:t>
-            </a:r>
-            <a:r>
-              <a:rPr lang="en-US" b="0" dirty="0">
-                <a:solidFill>
-                  <a:srgbClr val="0000FF"/>
-                </a:solidFill>
-                <a:effectLst/>
-                <a:latin typeface="Consolas" panose="020B0609020204030204" pitchFamily="49" charset="0"/>
-              </a:rPr>
-              <a:t>function</a:t>
-            </a:r>
-            <a:r>
-              <a:rPr lang="en-US" b="0" dirty="0">
-                <a:solidFill>
-                  <a:srgbClr val="000000"/>
-                </a:solidFill>
-                <a:effectLst/>
-                <a:latin typeface="Consolas" panose="020B0609020204030204" pitchFamily="49" charset="0"/>
-              </a:rPr>
-              <a:t> </a:t>
-            </a:r>
-            <a:r>
-              <a:rPr lang="en-US" b="0" dirty="0" err="1">
-                <a:solidFill>
-                  <a:srgbClr val="000000"/>
-                </a:solidFill>
-                <a:effectLst/>
-                <a:latin typeface="Consolas" panose="020B0609020204030204" pitchFamily="49" charset="0"/>
-              </a:rPr>
-              <a:t>ClockDisplay</a:t>
-            </a:r>
-            <a:r>
-              <a:rPr lang="en-US" b="0" dirty="0">
-                <a:solidFill>
-                  <a:srgbClr val="000000"/>
-                </a:solidFill>
-                <a:effectLst/>
-                <a:latin typeface="Consolas" panose="020B0609020204030204" pitchFamily="49" charset="0"/>
-              </a:rPr>
-              <a:t>(props: {</a:t>
-            </a:r>
-          </a:p>
-          <a:p>
-            <a:r>
-              <a:rPr lang="en-US" b="0" dirty="0">
-                <a:solidFill>
-                  <a:srgbClr val="000000"/>
-                </a:solidFill>
-                <a:effectLst/>
-                <a:latin typeface="Consolas" panose="020B0609020204030204" pitchFamily="49" charset="0"/>
-              </a:rPr>
-              <a:t>  name: string; key: number;  clock: </a:t>
-            </a:r>
-            <a:r>
-              <a:rPr lang="en-US" b="0" dirty="0" err="1">
-                <a:solidFill>
-                  <a:srgbClr val="000000"/>
-                </a:solidFill>
-                <a:effectLst/>
-                <a:latin typeface="Consolas" panose="020B0609020204030204" pitchFamily="49" charset="0"/>
-              </a:rPr>
-              <a:t>IClock</a:t>
-            </a:r>
-            <a:r>
-              <a:rPr lang="en-US" b="0" dirty="0">
-                <a:solidFill>
-                  <a:srgbClr val="000000"/>
-                </a:solidFill>
-                <a:effectLst/>
-                <a:latin typeface="Consolas" panose="020B0609020204030204" pitchFamily="49" charset="0"/>
-              </a:rPr>
-              <a:t>;</a:t>
-            </a:r>
-          </a:p>
-          <a:p>
-            <a:r>
-              <a:rPr lang="en-US" b="0" dirty="0">
-                <a:solidFill>
-                  <a:srgbClr val="000000"/>
-                </a:solidFill>
-                <a:effectLst/>
-                <a:latin typeface="Consolas" panose="020B0609020204030204" pitchFamily="49" charset="0"/>
-              </a:rPr>
-              <a:t>  </a:t>
-            </a:r>
-            <a:r>
-              <a:rPr lang="en-US" b="0" dirty="0" err="1">
-                <a:solidFill>
-                  <a:srgbClr val="000000"/>
-                </a:solidFill>
-                <a:effectLst/>
-                <a:latin typeface="Consolas" panose="020B0609020204030204" pitchFamily="49" charset="0"/>
-              </a:rPr>
-              <a:t>handleDelete</a:t>
-            </a:r>
-            <a:r>
-              <a:rPr lang="en-US" b="0" dirty="0">
-                <a:solidFill>
-                  <a:srgbClr val="000000"/>
-                </a:solidFill>
-                <a:effectLst/>
-                <a:latin typeface="Consolas" panose="020B0609020204030204" pitchFamily="49" charset="0"/>
-              </a:rPr>
-              <a:t>: () </a:t>
-            </a:r>
-            <a:r>
-              <a:rPr lang="en-US" b="0" dirty="0">
-                <a:solidFill>
-                  <a:srgbClr val="0000FF"/>
-                </a:solidFill>
-                <a:effectLst/>
-                <a:latin typeface="Consolas" panose="020B0609020204030204" pitchFamily="49" charset="0"/>
-              </a:rPr>
-              <a:t>=&gt;</a:t>
-            </a:r>
-            <a:r>
-              <a:rPr lang="en-US" b="0" dirty="0">
-                <a:solidFill>
-                  <a:srgbClr val="000000"/>
-                </a:solidFill>
-                <a:effectLst/>
-                <a:latin typeface="Consolas" panose="020B0609020204030204" pitchFamily="49" charset="0"/>
-              </a:rPr>
-              <a:t> void;  </a:t>
-            </a:r>
-            <a:r>
-              <a:rPr lang="en-US" b="0" dirty="0" err="1">
-                <a:solidFill>
-                  <a:srgbClr val="000000"/>
-                </a:solidFill>
-                <a:effectLst/>
-                <a:latin typeface="Consolas" panose="020B0609020204030204" pitchFamily="49" charset="0"/>
-              </a:rPr>
-              <a:t>handleAdd</a:t>
-            </a:r>
-            <a:r>
-              <a:rPr lang="en-US" b="0" dirty="0">
-                <a:solidFill>
-                  <a:srgbClr val="000000"/>
-                </a:solidFill>
-                <a:effectLst/>
-                <a:latin typeface="Consolas" panose="020B0609020204030204" pitchFamily="49" charset="0"/>
-              </a:rPr>
-              <a:t>: () </a:t>
-            </a:r>
-            <a:r>
-              <a:rPr lang="en-US" b="0" dirty="0">
-                <a:solidFill>
-                  <a:srgbClr val="0000FF"/>
-                </a:solidFill>
-                <a:effectLst/>
-                <a:latin typeface="Consolas" panose="020B0609020204030204" pitchFamily="49" charset="0"/>
-              </a:rPr>
-              <a:t>=&gt;</a:t>
-            </a:r>
-            <a:r>
-              <a:rPr lang="en-US" b="0" dirty="0">
-                <a:solidFill>
-                  <a:srgbClr val="000000"/>
-                </a:solidFill>
-                <a:effectLst/>
-                <a:latin typeface="Consolas" panose="020B0609020204030204" pitchFamily="49" charset="0"/>
-              </a:rPr>
-              <a:t> void;</a:t>
-            </a:r>
-          </a:p>
-          <a:p>
-            <a:r>
-              <a:rPr lang="en-US" b="0" dirty="0">
-                <a:solidFill>
-                  <a:srgbClr val="000000"/>
-                </a:solidFill>
-                <a:effectLst/>
-                <a:latin typeface="Consolas" panose="020B0609020204030204" pitchFamily="49" charset="0"/>
-              </a:rPr>
-              <a:t>}): </a:t>
-            </a:r>
-            <a:r>
-              <a:rPr lang="en-US" b="0" dirty="0" err="1">
-                <a:solidFill>
-                  <a:srgbClr val="000000"/>
-                </a:solidFill>
-                <a:effectLst/>
-                <a:latin typeface="Consolas" panose="020B0609020204030204" pitchFamily="49" charset="0"/>
-              </a:rPr>
-              <a:t>JSX.Element</a:t>
-            </a:r>
-            <a:r>
-              <a:rPr lang="en-US" b="0" dirty="0">
-                <a:solidFill>
-                  <a:srgbClr val="000000"/>
-                </a:solidFill>
-                <a:effectLst/>
-                <a:latin typeface="Consolas" panose="020B0609020204030204" pitchFamily="49" charset="0"/>
-              </a:rPr>
-              <a:t> {  </a:t>
-            </a:r>
-          </a:p>
-          <a:p>
-            <a:r>
-              <a:rPr lang="en-US" dirty="0">
-                <a:latin typeface="Consolas" panose="020B0609020204030204" pitchFamily="49" charset="0"/>
-              </a:rPr>
-              <a:t>  </a:t>
-            </a:r>
-            <a:r>
-              <a:rPr lang="en-US" b="0" dirty="0">
-                <a:solidFill>
-                  <a:srgbClr val="0000FF"/>
-                </a:solidFill>
-                <a:effectLst/>
-                <a:latin typeface="Consolas" panose="020B0609020204030204" pitchFamily="49" charset="0"/>
-              </a:rPr>
-              <a:t>const</a:t>
-            </a:r>
-            <a:r>
-              <a:rPr lang="en-US" b="0" dirty="0">
-                <a:solidFill>
-                  <a:srgbClr val="000000"/>
-                </a:solidFill>
-                <a:effectLst/>
-                <a:latin typeface="Consolas" panose="020B0609020204030204" pitchFamily="49" charset="0"/>
-              </a:rPr>
-              <a:t> [</a:t>
-            </a:r>
-            <a:r>
-              <a:rPr lang="en-US" b="0" dirty="0" err="1">
-                <a:solidFill>
-                  <a:srgbClr val="000000"/>
-                </a:solidFill>
-                <a:effectLst/>
-                <a:latin typeface="Consolas" panose="020B0609020204030204" pitchFamily="49" charset="0"/>
-              </a:rPr>
-              <a:t>localTime</a:t>
-            </a:r>
-            <a:r>
-              <a:rPr lang="en-US" b="0" dirty="0">
-                <a:solidFill>
-                  <a:srgbClr val="000000"/>
-                </a:solidFill>
-                <a:effectLst/>
-                <a:latin typeface="Consolas" panose="020B0609020204030204" pitchFamily="49" charset="0"/>
-              </a:rPr>
-              <a:t>, </a:t>
-            </a:r>
-            <a:r>
-              <a:rPr lang="en-US" b="0" dirty="0" err="1">
-                <a:solidFill>
-                  <a:srgbClr val="000000"/>
-                </a:solidFill>
-                <a:effectLst/>
-                <a:latin typeface="Consolas" panose="020B0609020204030204" pitchFamily="49" charset="0"/>
-              </a:rPr>
-              <a:t>setLocalTime</a:t>
-            </a:r>
-            <a:r>
-              <a:rPr lang="en-US" b="0" dirty="0">
-                <a:solidFill>
-                  <a:srgbClr val="000000"/>
-                </a:solidFill>
-                <a:effectLst/>
-                <a:latin typeface="Consolas" panose="020B0609020204030204" pitchFamily="49" charset="0"/>
-              </a:rPr>
-              <a:t>] = </a:t>
-            </a:r>
-            <a:r>
-              <a:rPr lang="en-US" b="0" dirty="0" err="1">
-                <a:solidFill>
-                  <a:srgbClr val="000000"/>
-                </a:solidFill>
-                <a:effectLst/>
-                <a:latin typeface="Consolas" panose="020B0609020204030204" pitchFamily="49" charset="0"/>
-              </a:rPr>
-              <a:t>useState</a:t>
-            </a:r>
-            <a:r>
-              <a:rPr lang="en-US" b="0" dirty="0">
-                <a:solidFill>
-                  <a:srgbClr val="000000"/>
-                </a:solidFill>
-                <a:effectLst/>
-                <a:latin typeface="Consolas" panose="020B0609020204030204" pitchFamily="49" charset="0"/>
-              </a:rPr>
-              <a:t>(</a:t>
-            </a:r>
-            <a:r>
-              <a:rPr lang="en-US" b="0" dirty="0">
-                <a:solidFill>
-                  <a:srgbClr val="098658"/>
-                </a:solidFill>
-                <a:effectLst/>
-                <a:latin typeface="Consolas" panose="020B0609020204030204" pitchFamily="49" charset="0"/>
-              </a:rPr>
-              <a:t>0</a:t>
-            </a:r>
-            <a:r>
-              <a:rPr lang="en-US" b="0" dirty="0">
-                <a:solidFill>
-                  <a:srgbClr val="000000"/>
-                </a:solidFill>
-                <a:effectLst/>
-                <a:latin typeface="Consolas" panose="020B0609020204030204" pitchFamily="49" charset="0"/>
-              </a:rPr>
-              <a:t>);</a:t>
-            </a:r>
-          </a:p>
-          <a:p>
-            <a:r>
-              <a:rPr lang="en-US" b="0" dirty="0">
-                <a:solidFill>
-                  <a:srgbClr val="000000"/>
-                </a:solidFill>
-                <a:effectLst/>
-                <a:latin typeface="Consolas" panose="020B0609020204030204" pitchFamily="49" charset="0"/>
-              </a:rPr>
-              <a:t>  </a:t>
-            </a:r>
-            <a:r>
-              <a:rPr lang="en-US" b="0" dirty="0">
-                <a:solidFill>
-                  <a:srgbClr val="0000FF"/>
-                </a:solidFill>
-                <a:effectLst/>
-                <a:latin typeface="Consolas" panose="020B0609020204030204" pitchFamily="49" charset="0"/>
-              </a:rPr>
-              <a:t>const</a:t>
-            </a:r>
-            <a:r>
-              <a:rPr lang="en-US" b="0" dirty="0">
-                <a:solidFill>
-                  <a:srgbClr val="000000"/>
-                </a:solidFill>
-                <a:effectLst/>
-                <a:latin typeface="Consolas" panose="020B0609020204030204" pitchFamily="49" charset="0"/>
-              </a:rPr>
-              <a:t> </a:t>
-            </a:r>
-            <a:r>
-              <a:rPr lang="en-US" b="0" dirty="0" err="1">
-                <a:solidFill>
-                  <a:srgbClr val="000000"/>
-                </a:solidFill>
-                <a:effectLst/>
-                <a:latin typeface="Consolas" panose="020B0609020204030204" pitchFamily="49" charset="0"/>
-              </a:rPr>
-              <a:t>incrementLocalTime</a:t>
-            </a:r>
-            <a:r>
-              <a:rPr lang="en-US" b="0" dirty="0">
-                <a:solidFill>
-                  <a:srgbClr val="000000"/>
-                </a:solidFill>
-                <a:effectLst/>
-                <a:latin typeface="Consolas" panose="020B0609020204030204" pitchFamily="49" charset="0"/>
-              </a:rPr>
-              <a:t> = () </a:t>
-            </a:r>
-            <a:r>
-              <a:rPr lang="en-US" b="0" dirty="0">
-                <a:solidFill>
-                  <a:srgbClr val="0000FF"/>
-                </a:solidFill>
-                <a:effectLst/>
-                <a:latin typeface="Consolas" panose="020B0609020204030204" pitchFamily="49" charset="0"/>
-              </a:rPr>
-              <a:t>=&gt;</a:t>
-            </a:r>
-            <a:r>
-              <a:rPr lang="en-US" b="0" dirty="0">
-                <a:solidFill>
-                  <a:srgbClr val="000000"/>
-                </a:solidFill>
-                <a:effectLst/>
-                <a:latin typeface="Consolas" panose="020B0609020204030204" pitchFamily="49" charset="0"/>
-              </a:rPr>
-              <a:t> { </a:t>
-            </a:r>
-            <a:r>
-              <a:rPr lang="en-US" b="0" dirty="0" err="1">
-                <a:solidFill>
-                  <a:srgbClr val="000000"/>
-                </a:solidFill>
-                <a:effectLst/>
-                <a:latin typeface="Consolas" panose="020B0609020204030204" pitchFamily="49" charset="0"/>
-              </a:rPr>
-              <a:t>setLocalTime</a:t>
-            </a:r>
-            <a:r>
-              <a:rPr lang="en-US" b="0" dirty="0">
-                <a:solidFill>
-                  <a:srgbClr val="000000"/>
-                </a:solidFill>
-                <a:effectLst/>
-                <a:latin typeface="Consolas" panose="020B0609020204030204" pitchFamily="49" charset="0"/>
-              </a:rPr>
-              <a:t>((</a:t>
-            </a:r>
-            <a:r>
-              <a:rPr lang="en-US" b="0" dirty="0" err="1">
-                <a:solidFill>
-                  <a:srgbClr val="000000"/>
-                </a:solidFill>
-                <a:effectLst/>
-                <a:latin typeface="Consolas" panose="020B0609020204030204" pitchFamily="49" charset="0"/>
-              </a:rPr>
-              <a:t>localTime</a:t>
-            </a:r>
-            <a:r>
-              <a:rPr lang="en-US" b="0" dirty="0">
-                <a:solidFill>
-                  <a:srgbClr val="000000"/>
-                </a:solidFill>
-                <a:effectLst/>
-                <a:latin typeface="Consolas" panose="020B0609020204030204" pitchFamily="49" charset="0"/>
-              </a:rPr>
-              <a:t>) </a:t>
-            </a:r>
-            <a:r>
-              <a:rPr lang="en-US" b="0" dirty="0">
-                <a:solidFill>
-                  <a:srgbClr val="0000FF"/>
-                </a:solidFill>
-                <a:effectLst/>
-                <a:latin typeface="Consolas" panose="020B0609020204030204" pitchFamily="49" charset="0"/>
-              </a:rPr>
-              <a:t>=&gt;</a:t>
-            </a:r>
-            <a:r>
-              <a:rPr lang="en-US" b="0" dirty="0">
-                <a:solidFill>
-                  <a:srgbClr val="000000"/>
-                </a:solidFill>
-                <a:effectLst/>
-                <a:latin typeface="Consolas" panose="020B0609020204030204" pitchFamily="49" charset="0"/>
-              </a:rPr>
-              <a:t> </a:t>
-            </a:r>
-            <a:r>
-              <a:rPr lang="en-US" b="0" dirty="0" err="1">
-                <a:solidFill>
-                  <a:srgbClr val="000000"/>
-                </a:solidFill>
-                <a:effectLst/>
-                <a:latin typeface="Consolas" panose="020B0609020204030204" pitchFamily="49" charset="0"/>
-              </a:rPr>
-              <a:t>localTime</a:t>
-            </a:r>
-            <a:r>
-              <a:rPr lang="en-US" b="0" dirty="0">
-                <a:solidFill>
-                  <a:srgbClr val="000000"/>
-                </a:solidFill>
-                <a:effectLst/>
-                <a:latin typeface="Consolas" panose="020B0609020204030204" pitchFamily="49" charset="0"/>
-              </a:rPr>
-              <a:t> + </a:t>
-            </a:r>
-            <a:r>
-              <a:rPr lang="en-US" b="0" dirty="0">
-                <a:solidFill>
-                  <a:srgbClr val="098658"/>
-                </a:solidFill>
-                <a:effectLst/>
-                <a:latin typeface="Consolas" panose="020B0609020204030204" pitchFamily="49" charset="0"/>
-              </a:rPr>
-              <a:t>1</a:t>
-            </a:r>
-            <a:r>
-              <a:rPr lang="en-US" b="0" dirty="0">
-                <a:solidFill>
-                  <a:srgbClr val="000000"/>
-                </a:solidFill>
-                <a:effectLst/>
-                <a:latin typeface="Consolas" panose="020B0609020204030204" pitchFamily="49" charset="0"/>
-              </a:rPr>
-              <a:t>); };</a:t>
-            </a:r>
-          </a:p>
-          <a:p>
-            <a:br>
-              <a:rPr lang="en-US" b="0" dirty="0">
-                <a:solidFill>
-                  <a:srgbClr val="000000"/>
-                </a:solidFill>
-                <a:effectLst/>
-                <a:latin typeface="Consolas" panose="020B0609020204030204" pitchFamily="49" charset="0"/>
-              </a:rPr>
-            </a:br>
-            <a:r>
-              <a:rPr lang="en-US" b="0" dirty="0">
-                <a:solidFill>
-                  <a:srgbClr val="000000"/>
-                </a:solidFill>
-                <a:effectLst/>
-                <a:latin typeface="Consolas" panose="020B0609020204030204" pitchFamily="49" charset="0"/>
-              </a:rPr>
-              <a:t>  </a:t>
-            </a:r>
-            <a:r>
-              <a:rPr lang="en-US" b="0" dirty="0">
-                <a:solidFill>
-                  <a:srgbClr val="0000FF"/>
-                </a:solidFill>
-                <a:effectLst/>
-                <a:latin typeface="Consolas" panose="020B0609020204030204" pitchFamily="49" charset="0"/>
-              </a:rPr>
-              <a:t>const</a:t>
-            </a:r>
-            <a:r>
-              <a:rPr lang="en-US" b="0" dirty="0">
-                <a:solidFill>
-                  <a:srgbClr val="000000"/>
-                </a:solidFill>
-                <a:effectLst/>
-                <a:latin typeface="Consolas" panose="020B0609020204030204" pitchFamily="49" charset="0"/>
-              </a:rPr>
-              <a:t> listener1 = () </a:t>
-            </a:r>
-            <a:r>
-              <a:rPr lang="en-US" b="0" dirty="0">
-                <a:solidFill>
-                  <a:srgbClr val="0000FF"/>
-                </a:solidFill>
-                <a:effectLst/>
-                <a:latin typeface="Consolas" panose="020B0609020204030204" pitchFamily="49" charset="0"/>
-              </a:rPr>
-              <a:t>=&gt;</a:t>
-            </a:r>
-            <a:r>
-              <a:rPr lang="en-US" b="0" dirty="0">
-                <a:solidFill>
-                  <a:srgbClr val="000000"/>
-                </a:solidFill>
-                <a:effectLst/>
-                <a:latin typeface="Consolas" panose="020B0609020204030204" pitchFamily="49" charset="0"/>
-              </a:rPr>
-              <a:t> { </a:t>
-            </a:r>
-            <a:r>
-              <a:rPr lang="en-US" b="0" dirty="0" err="1">
-                <a:solidFill>
-                  <a:srgbClr val="000000"/>
-                </a:solidFill>
-                <a:effectLst/>
-                <a:latin typeface="Consolas" panose="020B0609020204030204" pitchFamily="49" charset="0"/>
-              </a:rPr>
-              <a:t>incrementLocalTime</a:t>
-            </a:r>
-            <a:r>
-              <a:rPr lang="en-US" b="0" dirty="0">
-                <a:solidFill>
-                  <a:srgbClr val="000000"/>
-                </a:solidFill>
-                <a:effectLst/>
-                <a:latin typeface="Consolas" panose="020B0609020204030204" pitchFamily="49" charset="0"/>
-              </a:rPr>
-              <a:t>(); };</a:t>
-            </a:r>
-          </a:p>
-          <a:p>
-            <a:r>
-              <a:rPr lang="en-US" b="0" dirty="0">
-                <a:solidFill>
-                  <a:srgbClr val="000000"/>
-                </a:solidFill>
-                <a:effectLst/>
-                <a:latin typeface="Consolas" panose="020B0609020204030204" pitchFamily="49" charset="0"/>
-              </a:rPr>
-              <a:t>  </a:t>
-            </a:r>
-            <a:r>
-              <a:rPr lang="en-US" b="0" dirty="0">
-                <a:solidFill>
-                  <a:srgbClr val="0000FF"/>
-                </a:solidFill>
-                <a:effectLst/>
-                <a:latin typeface="Consolas" panose="020B0609020204030204" pitchFamily="49" charset="0"/>
-              </a:rPr>
-              <a:t>const</a:t>
-            </a:r>
-            <a:r>
-              <a:rPr lang="en-US" b="0" dirty="0">
-                <a:solidFill>
-                  <a:srgbClr val="000000"/>
-                </a:solidFill>
-                <a:effectLst/>
-                <a:latin typeface="Consolas" panose="020B0609020204030204" pitchFamily="49" charset="0"/>
-              </a:rPr>
-              <a:t> clock = </a:t>
-            </a:r>
-            <a:r>
-              <a:rPr lang="en-US" b="0" dirty="0" err="1">
-                <a:solidFill>
-                  <a:srgbClr val="000000"/>
-                </a:solidFill>
-                <a:effectLst/>
-                <a:latin typeface="Consolas" panose="020B0609020204030204" pitchFamily="49" charset="0"/>
-              </a:rPr>
-              <a:t>props.clock</a:t>
-            </a:r>
-            <a:r>
-              <a:rPr lang="en-US" b="0" dirty="0">
-                <a:solidFill>
-                  <a:srgbClr val="000000"/>
-                </a:solidFill>
-                <a:effectLst/>
-                <a:latin typeface="Consolas" panose="020B0609020204030204" pitchFamily="49" charset="0"/>
-              </a:rPr>
-              <a:t>;</a:t>
-            </a:r>
-          </a:p>
-          <a:p>
-            <a:br>
-              <a:rPr lang="en-US" b="0" dirty="0">
-                <a:solidFill>
-                  <a:srgbClr val="000000"/>
-                </a:solidFill>
-                <a:effectLst/>
-                <a:latin typeface="Consolas" panose="020B0609020204030204" pitchFamily="49" charset="0"/>
-              </a:rPr>
-            </a:br>
-            <a:r>
-              <a:rPr lang="en-US" b="0" dirty="0">
-                <a:solidFill>
-                  <a:srgbClr val="000000"/>
-                </a:solidFill>
-                <a:effectLst/>
-                <a:latin typeface="Consolas" panose="020B0609020204030204" pitchFamily="49" charset="0"/>
-              </a:rPr>
-              <a:t>  </a:t>
-            </a:r>
-            <a:r>
-              <a:rPr lang="en-US" b="0" dirty="0" err="1">
-                <a:solidFill>
-                  <a:srgbClr val="000000"/>
-                </a:solidFill>
-                <a:effectLst/>
-                <a:latin typeface="Consolas" panose="020B0609020204030204" pitchFamily="49" charset="0"/>
-              </a:rPr>
-              <a:t>useEffect</a:t>
-            </a:r>
-            <a:r>
-              <a:rPr lang="en-US" b="0" dirty="0">
-                <a:solidFill>
-                  <a:srgbClr val="000000"/>
-                </a:solidFill>
-                <a:effectLst/>
-                <a:latin typeface="Consolas" panose="020B0609020204030204" pitchFamily="49" charset="0"/>
-              </a:rPr>
-              <a:t>(() </a:t>
-            </a:r>
-            <a:r>
-              <a:rPr lang="en-US" b="0" dirty="0">
-                <a:solidFill>
-                  <a:srgbClr val="0000FF"/>
-                </a:solidFill>
-                <a:effectLst/>
-                <a:latin typeface="Consolas" panose="020B0609020204030204" pitchFamily="49" charset="0"/>
-              </a:rPr>
-              <a:t>=&gt;</a:t>
-            </a:r>
-            <a:r>
-              <a:rPr lang="en-US" b="0" dirty="0">
-                <a:solidFill>
-                  <a:srgbClr val="000000"/>
-                </a:solidFill>
-                <a:effectLst/>
-                <a:latin typeface="Consolas" panose="020B0609020204030204" pitchFamily="49" charset="0"/>
-              </a:rPr>
-              <a:t> {</a:t>
-            </a:r>
-          </a:p>
-          <a:p>
-            <a:r>
-              <a:rPr lang="en-US" b="0" dirty="0">
-                <a:solidFill>
-                  <a:srgbClr val="000000"/>
-                </a:solidFill>
-                <a:effectLst/>
-                <a:latin typeface="Consolas" panose="020B0609020204030204" pitchFamily="49" charset="0"/>
-              </a:rPr>
-              <a:t>    </a:t>
-            </a:r>
-            <a:r>
-              <a:rPr lang="en-US" b="0" dirty="0" err="1">
-                <a:solidFill>
-                  <a:srgbClr val="000000"/>
-                </a:solidFill>
-                <a:effectLst/>
-                <a:latin typeface="Consolas" panose="020B0609020204030204" pitchFamily="49" charset="0"/>
-              </a:rPr>
-              <a:t>clock.addListener</a:t>
-            </a:r>
-            <a:r>
-              <a:rPr lang="en-US" b="0" dirty="0">
-                <a:solidFill>
-                  <a:srgbClr val="000000"/>
-                </a:solidFill>
-                <a:effectLst/>
-                <a:latin typeface="Consolas" panose="020B0609020204030204" pitchFamily="49" charset="0"/>
-              </a:rPr>
-              <a:t>(listener1);</a:t>
-            </a:r>
-          </a:p>
-          <a:p>
-            <a:r>
-              <a:rPr lang="en-US" b="0" dirty="0">
-                <a:solidFill>
-                  <a:srgbClr val="000000"/>
-                </a:solidFill>
-                <a:effectLst/>
-                <a:latin typeface="Consolas" panose="020B0609020204030204" pitchFamily="49" charset="0"/>
-              </a:rPr>
-              <a:t>    console.log(</a:t>
-            </a:r>
-            <a:r>
-              <a:rPr lang="en-US" b="0" dirty="0">
-                <a:solidFill>
-                  <a:srgbClr val="A31515"/>
-                </a:solidFill>
-                <a:effectLst/>
-                <a:latin typeface="Consolas" panose="020B0609020204030204" pitchFamily="49" charset="0"/>
-              </a:rPr>
-              <a:t>`</a:t>
-            </a:r>
-            <a:r>
-              <a:rPr lang="en-US" b="0" dirty="0" err="1">
-                <a:solidFill>
-                  <a:srgbClr val="A31515"/>
-                </a:solidFill>
-                <a:effectLst/>
-                <a:latin typeface="Consolas" panose="020B0609020204030204" pitchFamily="49" charset="0"/>
-              </a:rPr>
-              <a:t>ClockDisplay</a:t>
-            </a:r>
-            <a:r>
-              <a:rPr lang="en-US" b="0" dirty="0">
-                <a:solidFill>
-                  <a:srgbClr val="A31515"/>
-                </a:solidFill>
-                <a:effectLst/>
-                <a:latin typeface="Consolas" panose="020B0609020204030204" pitchFamily="49" charset="0"/>
-              </a:rPr>
-              <a:t> </a:t>
-            </a:r>
-            <a:r>
-              <a:rPr lang="en-US" b="0" dirty="0">
-                <a:solidFill>
-                  <a:srgbClr val="0000FF"/>
-                </a:solidFill>
-                <a:effectLst/>
-                <a:latin typeface="Consolas" panose="020B0609020204030204" pitchFamily="49" charset="0"/>
-              </a:rPr>
-              <a:t>${</a:t>
-            </a:r>
-            <a:r>
-              <a:rPr lang="en-US" b="0" dirty="0">
-                <a:solidFill>
-                  <a:srgbClr val="000000"/>
-                </a:solidFill>
-                <a:effectLst/>
-                <a:latin typeface="Consolas" panose="020B0609020204030204" pitchFamily="49" charset="0"/>
-              </a:rPr>
-              <a:t>props.name</a:t>
-            </a:r>
-            <a:r>
-              <a:rPr lang="en-US" b="0" dirty="0">
-                <a:solidFill>
-                  <a:srgbClr val="0000FF"/>
-                </a:solidFill>
-                <a:effectLst/>
-                <a:latin typeface="Consolas" panose="020B0609020204030204" pitchFamily="49" charset="0"/>
-              </a:rPr>
-              <a:t>}</a:t>
-            </a:r>
-            <a:r>
-              <a:rPr lang="en-US" b="0" dirty="0">
-                <a:solidFill>
-                  <a:srgbClr val="A31515"/>
-                </a:solidFill>
-                <a:effectLst/>
-                <a:latin typeface="Consolas" panose="020B0609020204030204" pitchFamily="49" charset="0"/>
-              </a:rPr>
-              <a:t> is mounting`</a:t>
-            </a:r>
-            <a:r>
-              <a:rPr lang="en-US" b="0" dirty="0">
-                <a:solidFill>
-                  <a:srgbClr val="000000"/>
-                </a:solidFill>
-                <a:effectLst/>
-                <a:latin typeface="Consolas" panose="020B0609020204030204" pitchFamily="49" charset="0"/>
-              </a:rPr>
-              <a:t>);</a:t>
-            </a:r>
-          </a:p>
-          <a:p>
-            <a:r>
-              <a:rPr lang="en-US" b="0" dirty="0">
-                <a:solidFill>
-                  <a:srgbClr val="000000"/>
-                </a:solidFill>
-                <a:effectLst/>
-                <a:latin typeface="Consolas" panose="020B0609020204030204" pitchFamily="49" charset="0"/>
-              </a:rPr>
-              <a:t>    </a:t>
-            </a:r>
-            <a:r>
-              <a:rPr lang="en-US" b="0" dirty="0">
-                <a:solidFill>
-                  <a:srgbClr val="0000FF"/>
-                </a:solidFill>
-                <a:effectLst/>
-                <a:latin typeface="Consolas" panose="020B0609020204030204" pitchFamily="49" charset="0"/>
-              </a:rPr>
-              <a:t>return</a:t>
-            </a:r>
-            <a:r>
-              <a:rPr lang="en-US" b="0" dirty="0">
-                <a:solidFill>
-                  <a:srgbClr val="000000"/>
-                </a:solidFill>
-                <a:effectLst/>
-                <a:latin typeface="Consolas" panose="020B0609020204030204" pitchFamily="49" charset="0"/>
-              </a:rPr>
-              <a:t> () </a:t>
-            </a:r>
-            <a:r>
-              <a:rPr lang="en-US" b="0" dirty="0">
-                <a:solidFill>
-                  <a:srgbClr val="0000FF"/>
-                </a:solidFill>
-                <a:effectLst/>
-                <a:latin typeface="Consolas" panose="020B0609020204030204" pitchFamily="49" charset="0"/>
-              </a:rPr>
-              <a:t>=&gt;</a:t>
-            </a:r>
-            <a:r>
-              <a:rPr lang="en-US" b="0" dirty="0">
-                <a:solidFill>
-                  <a:srgbClr val="000000"/>
-                </a:solidFill>
-                <a:effectLst/>
-                <a:latin typeface="Consolas" panose="020B0609020204030204" pitchFamily="49" charset="0"/>
-              </a:rPr>
-              <a:t> {</a:t>
-            </a:r>
-          </a:p>
-          <a:p>
-            <a:r>
-              <a:rPr lang="en-US" b="0" dirty="0">
-                <a:solidFill>
-                  <a:srgbClr val="000000"/>
-                </a:solidFill>
-                <a:effectLst/>
-                <a:latin typeface="Consolas" panose="020B0609020204030204" pitchFamily="49" charset="0"/>
-              </a:rPr>
-              <a:t>      console.log(</a:t>
-            </a:r>
-            <a:r>
-              <a:rPr lang="en-US" b="0" dirty="0">
-                <a:solidFill>
-                  <a:srgbClr val="A31515"/>
-                </a:solidFill>
-                <a:effectLst/>
-                <a:latin typeface="Consolas" panose="020B0609020204030204" pitchFamily="49" charset="0"/>
-              </a:rPr>
-              <a:t>"</a:t>
-            </a:r>
-            <a:r>
-              <a:rPr lang="en-US" b="0" dirty="0" err="1">
-                <a:solidFill>
-                  <a:srgbClr val="A31515"/>
-                </a:solidFill>
-                <a:effectLst/>
-                <a:latin typeface="Consolas" panose="020B0609020204030204" pitchFamily="49" charset="0"/>
-              </a:rPr>
-              <a:t>ClockDisplay</a:t>
-            </a:r>
-            <a:r>
-              <a:rPr lang="en-US" b="0" dirty="0">
-                <a:solidFill>
-                  <a:srgbClr val="A31515"/>
-                </a:solidFill>
-                <a:effectLst/>
-                <a:latin typeface="Consolas" panose="020B0609020204030204" pitchFamily="49" charset="0"/>
-              </a:rPr>
-              <a:t> "</a:t>
-            </a:r>
-            <a:r>
-              <a:rPr lang="en-US" b="0" dirty="0">
-                <a:solidFill>
-                  <a:srgbClr val="000000"/>
-                </a:solidFill>
-                <a:effectLst/>
-                <a:latin typeface="Consolas" panose="020B0609020204030204" pitchFamily="49" charset="0"/>
-              </a:rPr>
-              <a:t> + props.name + </a:t>
-            </a:r>
-            <a:r>
-              <a:rPr lang="en-US" b="0" dirty="0">
-                <a:solidFill>
-                  <a:srgbClr val="A31515"/>
-                </a:solidFill>
-                <a:effectLst/>
-                <a:latin typeface="Consolas" panose="020B0609020204030204" pitchFamily="49" charset="0"/>
-              </a:rPr>
-              <a:t>" is unmounting"</a:t>
-            </a:r>
-            <a:r>
-              <a:rPr lang="en-US" b="0" dirty="0">
-                <a:solidFill>
-                  <a:srgbClr val="000000"/>
-                </a:solidFill>
-                <a:effectLst/>
-                <a:latin typeface="Consolas" panose="020B0609020204030204" pitchFamily="49" charset="0"/>
-              </a:rPr>
-              <a:t>);</a:t>
-            </a:r>
-          </a:p>
-          <a:p>
-            <a:r>
-              <a:rPr lang="en-US" b="0" dirty="0">
-                <a:solidFill>
-                  <a:srgbClr val="000000"/>
-                </a:solidFill>
-                <a:effectLst/>
-                <a:latin typeface="Consolas" panose="020B0609020204030204" pitchFamily="49" charset="0"/>
-              </a:rPr>
-              <a:t>      </a:t>
-            </a:r>
-            <a:r>
-              <a:rPr lang="en-US" b="0" dirty="0" err="1">
-                <a:solidFill>
-                  <a:srgbClr val="000000"/>
-                </a:solidFill>
-                <a:effectLst/>
-                <a:latin typeface="Consolas" panose="020B0609020204030204" pitchFamily="49" charset="0"/>
-              </a:rPr>
-              <a:t>clock.removeListener</a:t>
-            </a:r>
-            <a:r>
-              <a:rPr lang="en-US" b="0" dirty="0">
-                <a:solidFill>
-                  <a:srgbClr val="000000"/>
-                </a:solidFill>
-                <a:effectLst/>
-                <a:latin typeface="Consolas" panose="020B0609020204030204" pitchFamily="49" charset="0"/>
-              </a:rPr>
-              <a:t>(listener1);</a:t>
-            </a:r>
-          </a:p>
-          <a:p>
-            <a:r>
-              <a:rPr lang="en-US" b="0" dirty="0">
-                <a:solidFill>
-                  <a:srgbClr val="000000"/>
-                </a:solidFill>
-                <a:effectLst/>
-                <a:latin typeface="Consolas" panose="020B0609020204030204" pitchFamily="49" charset="0"/>
-              </a:rPr>
-              <a:t>    };</a:t>
-            </a:r>
-          </a:p>
-          <a:p>
-            <a:r>
-              <a:rPr lang="en-US" b="0" dirty="0">
-                <a:solidFill>
-                  <a:srgbClr val="000000"/>
-                </a:solidFill>
-                <a:effectLst/>
-                <a:latin typeface="Consolas" panose="020B0609020204030204" pitchFamily="49" charset="0"/>
-              </a:rPr>
-              <a:t>  }, []);</a:t>
-            </a:r>
-          </a:p>
-          <a:p>
-            <a:endParaRPr lang="en-US" b="0" dirty="0">
-              <a:solidFill>
-                <a:srgbClr val="000000"/>
-              </a:solidFill>
-              <a:effectLst/>
-              <a:latin typeface="Consolas" panose="020B0609020204030204" pitchFamily="49" charset="0"/>
-            </a:endParaRPr>
-          </a:p>
-        </p:txBody>
-      </p:sp>
-      <p:sp>
-        <p:nvSpPr>
-          <p:cNvPr id="4" name="Rectangle 3">
-            <a:extLst>
-              <a:ext uri="{FF2B5EF4-FFF2-40B4-BE49-F238E27FC236}">
-                <a16:creationId xmlns:a16="http://schemas.microsoft.com/office/drawing/2014/main" id="{5032C79B-C273-D9E9-9FDD-71FDF4D6AB1F}"/>
-              </a:ext>
-            </a:extLst>
-          </p:cNvPr>
-          <p:cNvSpPr/>
-          <p:nvPr/>
-        </p:nvSpPr>
-        <p:spPr>
-          <a:xfrm>
-            <a:off x="723730" y="2797383"/>
-            <a:ext cx="8881777" cy="4060617"/>
-          </a:xfrm>
-          <a:prstGeom prst="rect">
-            <a:avLst/>
-          </a:prstGeom>
-          <a:solidFill>
-            <a:schemeClr val="accent2">
-              <a:alpha val="15000"/>
-            </a:schemeClr>
-          </a:solidFill>
-          <a:ln w="12700" cap="flat">
-            <a:solidFill>
-              <a:schemeClr val="accent1"/>
-            </a:solidFill>
-            <a:prstDash val="solid"/>
-            <a:miter lim="800000"/>
-          </a:ln>
-          <a:effectLst/>
-          <a:sp3d/>
-        </p:spPr>
-        <p:style>
-          <a:lnRef idx="0">
-            <a:scrgbClr r="0" g="0" b="0"/>
-          </a:lnRef>
-          <a:fillRef idx="0">
-            <a:scrgbClr r="0" g="0" b="0"/>
-          </a:fillRef>
-          <a:effectRef idx="0">
-            <a:scrgbClr r="0" g="0" b="0"/>
-          </a:effectRef>
-          <a:fontRef idx="none"/>
-        </p:style>
-        <p:txBody>
-          <a:bodyPr rot="0" spcFirstLastPara="1" vertOverflow="overflow" horzOverflow="overflow" vert="horz" wrap="square" lIns="45719" tIns="45719" rIns="45719" bIns="45719" numCol="1" spcCol="38100" rtlCol="0" anchor="ctr">
-            <a:spAutoFit/>
-          </a:bodyPr>
-          <a:lstStyle/>
-          <a:p>
-            <a:pPr marL="0" marR="0" indent="0" algn="l" defTabSz="914400" rtl="0" fontAlgn="auto" latinLnBrk="0" hangingPunct="0">
-              <a:lnSpc>
-                <a:spcPct val="100000"/>
-              </a:lnSpc>
-              <a:spcBef>
-                <a:spcPts val="0"/>
-              </a:spcBef>
-              <a:spcAft>
-                <a:spcPts val="0"/>
-              </a:spcAft>
-              <a:buClrTx/>
-              <a:buSzTx/>
-              <a:buFontTx/>
-              <a:buNone/>
-              <a:tabLst/>
-            </a:pPr>
-            <a:endParaRPr kumimoji="0" lang="en-US" sz="1800" b="0" i="0" u="none" strike="noStrike" cap="none" spc="0" normalizeH="0" baseline="0" dirty="0">
-              <a:ln>
-                <a:noFill/>
-              </a:ln>
-              <a:solidFill>
-                <a:srgbClr val="000000"/>
-              </a:solidFill>
-              <a:effectLst/>
-              <a:uFillTx/>
-              <a:latin typeface="+mn-lt"/>
-              <a:ea typeface="+mn-ea"/>
-              <a:cs typeface="+mn-cs"/>
-              <a:sym typeface="Calibri"/>
-            </a:endParaRPr>
-          </a:p>
-        </p:txBody>
-      </p:sp>
-      <p:sp>
-        <p:nvSpPr>
-          <p:cNvPr id="5" name="Arrow: Left 4">
-            <a:extLst>
-              <a:ext uri="{FF2B5EF4-FFF2-40B4-BE49-F238E27FC236}">
-                <a16:creationId xmlns:a16="http://schemas.microsoft.com/office/drawing/2014/main" id="{F2E851EA-7F76-8634-744D-CD4235A71984}"/>
-              </a:ext>
-            </a:extLst>
-          </p:cNvPr>
-          <p:cNvSpPr/>
-          <p:nvPr/>
-        </p:nvSpPr>
-        <p:spPr>
-          <a:xfrm>
-            <a:off x="9754072" y="4369153"/>
-            <a:ext cx="2437928" cy="917075"/>
-          </a:xfrm>
-          <a:prstGeom prst="leftArrow">
-            <a:avLst/>
-          </a:prstGeom>
-          <a:solidFill>
-            <a:schemeClr val="tx2">
-              <a:lumMod val="20000"/>
-              <a:lumOff val="80000"/>
-            </a:schemeClr>
-          </a:solidFill>
-          <a:ln w="12700" cap="flat">
-            <a:solidFill>
-              <a:schemeClr val="accent1"/>
-            </a:solidFill>
-            <a:prstDash val="solid"/>
-            <a:miter lim="800000"/>
-          </a:ln>
-          <a:effectLst/>
-          <a:sp3d/>
-        </p:spPr>
-        <p:style>
-          <a:lnRef idx="0">
-            <a:scrgbClr r="0" g="0" b="0"/>
-          </a:lnRef>
-          <a:fillRef idx="0">
-            <a:scrgbClr r="0" g="0" b="0"/>
-          </a:fillRef>
-          <a:effectRef idx="0">
-            <a:scrgbClr r="0" g="0" b="0"/>
-          </a:effectRef>
-          <a:fontRef idx="none"/>
-        </p:style>
-        <p:txBody>
-          <a:bodyPr rot="0" spcFirstLastPara="1" vertOverflow="overflow" horzOverflow="overflow" vert="horz" wrap="square" lIns="45719" tIns="45719" rIns="45719" bIns="45719" numCol="1" spcCol="38100" rtlCol="0" anchor="ctr">
-            <a:spAutoFit/>
-          </a:bodyPr>
-          <a:lstStyle/>
-          <a:p>
-            <a:pPr marL="0" marR="0" indent="0" algn="ctr" defTabSz="914400" rtl="0" fontAlgn="auto" latinLnBrk="0" hangingPunct="0">
-              <a:lnSpc>
-                <a:spcPct val="100000"/>
-              </a:lnSpc>
-              <a:spcBef>
-                <a:spcPts val="0"/>
-              </a:spcBef>
-              <a:spcAft>
-                <a:spcPts val="0"/>
-              </a:spcAft>
-              <a:buClrTx/>
-              <a:buSzTx/>
-              <a:buFontTx/>
-              <a:buNone/>
-              <a:tabLst/>
-            </a:pPr>
-            <a:r>
-              <a:rPr kumimoji="0" lang="en-US" sz="2400" b="0" i="0" u="none" strike="noStrike" cap="none" spc="0" normalizeH="0" baseline="0" dirty="0">
-                <a:ln>
-                  <a:noFill/>
-                </a:ln>
-                <a:solidFill>
-                  <a:srgbClr val="000000"/>
-                </a:solidFill>
-                <a:effectLst/>
-                <a:uFillTx/>
-                <a:latin typeface="+mn-lt"/>
-                <a:ea typeface="+mn-ea"/>
-                <a:cs typeface="+mn-cs"/>
-                <a:sym typeface="Calibri"/>
-              </a:rPr>
-              <a:t>business logic</a:t>
-            </a:r>
-          </a:p>
-        </p:txBody>
-      </p:sp>
-    </p:spTree>
-    <p:extLst>
-      <p:ext uri="{BB962C8B-B14F-4D97-AF65-F5344CB8AC3E}">
-        <p14:creationId xmlns:p14="http://schemas.microsoft.com/office/powerpoint/2010/main" val="845014683"/>
-      </p:ext>
-    </p:extLst>
-  </p:cSld>
-  <p:clrMapOvr>
-    <a:masterClrMapping/>
-  </p:clrMapOvr>
-  <p:transition spd="med"/>
-</p:sld>
-</file>
-
 <file path=ppt/theme/theme1.xml><?xml version="1.0" encoding="utf-8"?>
-<a:theme xmlns:a="http://schemas.openxmlformats.org/drawingml/2006/main" name="Office Theme">
+<a:theme xmlns:a="http://schemas.openxmlformats.org/drawingml/2006/main" name="CS 4530 Theme">
   <a:themeElements>
     <a:clrScheme name="Office Theme">
       <a:dk1>

--- a/Slides/Module 09 React Hooks.pptx
+++ b/Slides/Module 09 React Hooks.pptx
@@ -6545,7 +6545,7 @@
           <a:p>
             <a:fld id="{07C7BFD4-467E-4EDE-93EA-052F5B39A4E5}" type="datetime1">
               <a:rPr lang="en-US" smtClean="0"/>
-              <a:t>2/3/2025</a:t>
+              <a:t>2/4/2025</a:t>
             </a:fld>
             <a:endParaRPr lang="en-US"/>
           </a:p>
@@ -8005,7 +8005,7 @@
           </a:ln>
           <a:extLst>
             <a:ext uri="{C572A759-6A51-4108-AA02-DFA0A04FC94B}">
-              <ma14:wrappingTextBoxFlag xmlns="" xmlns:m="http://schemas.openxmlformats.org/officeDocument/2006/math" xmlns:a14="http://schemas.microsoft.com/office/drawing/2010/main" xmlns:ma14="http://schemas.microsoft.com/office/mac/drawingml/2011/main" val="1"/>
+              <ma14:wrappingTextBoxFlag xmlns:ma14="http://schemas.microsoft.com/office/mac/drawingml/2011/main" xmlns:a14="http://schemas.microsoft.com/office/drawing/2010/main" xmlns:m="http://schemas.openxmlformats.org/officeDocument/2006/math" xmlns="" val="1"/>
             </a:ext>
           </a:extLst>
         </p:spPr>
@@ -8116,7 +8116,7 @@
           </a:ln>
           <a:extLst>
             <a:ext uri="{C572A759-6A51-4108-AA02-DFA0A04FC94B}">
-              <ma14:wrappingTextBoxFlag xmlns="" xmlns:m="http://schemas.openxmlformats.org/officeDocument/2006/math" xmlns:a14="http://schemas.microsoft.com/office/drawing/2010/main" xmlns:ma14="http://schemas.microsoft.com/office/mac/drawingml/2011/main" val="1"/>
+              <ma14:wrappingTextBoxFlag xmlns:ma14="http://schemas.microsoft.com/office/mac/drawingml/2011/main" xmlns:a14="http://schemas.microsoft.com/office/drawing/2010/main" xmlns:m="http://schemas.openxmlformats.org/officeDocument/2006/math" xmlns="" val="1"/>
             </a:ext>
           </a:extLst>
         </p:spPr>
@@ -9015,7 +9015,7 @@
           </a:prstGeom>
           <a:extLst>
             <a:ext uri="{C572A759-6A51-4108-AA02-DFA0A04FC94B}">
-              <ma14:wrappingTextBoxFlag xmlns="" xmlns:m="http://schemas.openxmlformats.org/officeDocument/2006/math" xmlns:a14="http://schemas.microsoft.com/office/drawing/2010/main" xmlns:ma14="http://schemas.microsoft.com/office/mac/drawingml/2011/main" val="1"/>
+              <ma14:wrappingTextBoxFlag xmlns:ma14="http://schemas.microsoft.com/office/mac/drawingml/2011/main" xmlns:a14="http://schemas.microsoft.com/office/drawing/2010/main" xmlns:m="http://schemas.openxmlformats.org/officeDocument/2006/math" xmlns="" val="1"/>
             </a:ext>
           </a:extLst>
         </p:spPr>
@@ -9050,7 +9050,7 @@
           </a:ln>
           <a:extLst>
             <a:ext uri="{C572A759-6A51-4108-AA02-DFA0A04FC94B}">
-              <ma14:wrappingTextBoxFlag xmlns="" xmlns:m="http://schemas.openxmlformats.org/officeDocument/2006/math" xmlns:a14="http://schemas.microsoft.com/office/drawing/2010/main" xmlns:ma14="http://schemas.microsoft.com/office/mac/drawingml/2011/main" val="1"/>
+              <ma14:wrappingTextBoxFlag xmlns:ma14="http://schemas.microsoft.com/office/mac/drawingml/2011/main" xmlns:a14="http://schemas.microsoft.com/office/drawing/2010/main" xmlns:m="http://schemas.openxmlformats.org/officeDocument/2006/math" xmlns="" val="1"/>
             </a:ext>
           </a:extLst>
         </p:spPr>
@@ -9240,7 +9240,7 @@
                   <a:schemeClr val="tx1"/>
                 </a:solidFill>
               </a:rPr>
-              <a:t>/app/Components/</a:t>
+              <a:t>/Components/</a:t>
             </a:r>
             <a:r>
               <a:rPr lang="en-US" sz="2400" dirty="0" err="1">
@@ -12764,7 +12764,7 @@
         <p:spPr>
           <a:xfrm>
             <a:off x="838200" y="1410779"/>
-            <a:ext cx="8310112" cy="5262979"/>
+            <a:ext cx="8310112" cy="5370701"/>
           </a:xfrm>
           <a:prstGeom prst="rect">
             <a:avLst/>
@@ -13639,35 +13639,6 @@
             </a:r>
           </a:p>
           <a:p>
-            <a:br>
-              <a:rPr lang="en-US" sz="1400" b="0" dirty="0">
-                <a:solidFill>
-                  <a:srgbClr val="000000"/>
-                </a:solidFill>
-                <a:effectLst/>
-                <a:latin typeface="Consolas" panose="020B0609020204030204" pitchFamily="49" charset="0"/>
-              </a:rPr>
-            </a:br>
-            <a:r>
-              <a:rPr lang="en-US" sz="1400" b="0" dirty="0">
-                <a:solidFill>
-                  <a:srgbClr val="000000"/>
-                </a:solidFill>
-                <a:effectLst/>
-                <a:latin typeface="Consolas" panose="020B0609020204030204" pitchFamily="49" charset="0"/>
-              </a:rPr>
-              <a:t>    </a:t>
-            </a:r>
-            <a:r>
-              <a:rPr lang="en-US" sz="1400" b="0" dirty="0">
-                <a:solidFill>
-                  <a:srgbClr val="008000"/>
-                </a:solidFill>
-                <a:effectLst/>
-                <a:latin typeface="Consolas" panose="020B0609020204030204" pitchFamily="49" charset="0"/>
-              </a:rPr>
-              <a:t>// runs on every render</a:t>
-            </a:r>
             <a:endParaRPr lang="en-US" sz="1400" b="0" dirty="0">
               <a:solidFill>
                 <a:srgbClr val="000000"/>
@@ -13677,20 +13648,25 @@
             </a:endParaRPr>
           </a:p>
           <a:p>
-            <a:r>
-              <a:rPr lang="en-US" sz="1400" b="0" dirty="0">
-                <a:solidFill>
-                  <a:srgbClr val="000000"/>
-                </a:solidFill>
-                <a:effectLst/>
-                <a:latin typeface="Consolas" panose="020B0609020204030204" pitchFamily="49" charset="0"/>
-              </a:rPr>
-              <a:t>    </a:t>
+            <a:pPr>
+              <a:lnSpc>
+                <a:spcPts val="1425"/>
+              </a:lnSpc>
+            </a:pPr>
+            <a:r>
+              <a:rPr lang="en-US" sz="1400" b="0" dirty="0">
+                <a:solidFill>
+                  <a:srgbClr val="000000"/>
+                </a:solidFill>
+                <a:effectLst/>
+                <a:latin typeface="Consolas" panose="020B0609020204030204" pitchFamily="49" charset="0"/>
+              </a:rPr>
+              <a:t>    </a:t>
             </a:r>
             <a:r>
               <a:rPr lang="en-US" sz="1400" b="0" dirty="0" err="1">
                 <a:solidFill>
-                  <a:srgbClr val="795E26"/>
+                  <a:srgbClr val="000000"/>
                 </a:solidFill>
                 <a:effectLst/>
                 <a:latin typeface="Consolas" panose="020B0609020204030204" pitchFamily="49" charset="0"/>
@@ -13729,55 +13705,20 @@
             </a:r>
           </a:p>
           <a:p>
-            <a:r>
-              <a:rPr lang="en-US" sz="1400" b="0" dirty="0">
-                <a:solidFill>
-                  <a:srgbClr val="000000"/>
-                </a:solidFill>
-                <a:effectLst/>
-                <a:latin typeface="Consolas" panose="020B0609020204030204" pitchFamily="49" charset="0"/>
-              </a:rPr>
-              <a:t>        </a:t>
-            </a:r>
-            <a:r>
-              <a:rPr lang="en-US" sz="1400" b="0" dirty="0">
-                <a:solidFill>
-                  <a:srgbClr val="001080"/>
-                </a:solidFill>
-                <a:effectLst/>
-                <a:latin typeface="Consolas" panose="020B0609020204030204" pitchFamily="49" charset="0"/>
-              </a:rPr>
-              <a:t>console</a:t>
-            </a:r>
-            <a:r>
-              <a:rPr lang="en-US" sz="1400" b="0" dirty="0">
-                <a:solidFill>
-                  <a:srgbClr val="000000"/>
-                </a:solidFill>
-                <a:effectLst/>
-                <a:latin typeface="Consolas" panose="020B0609020204030204" pitchFamily="49" charset="0"/>
-              </a:rPr>
-              <a:t>.</a:t>
-            </a:r>
-            <a:r>
-              <a:rPr lang="en-US" sz="1400" b="0" dirty="0">
-                <a:solidFill>
-                  <a:srgbClr val="795E26"/>
-                </a:solidFill>
-                <a:effectLst/>
-                <a:latin typeface="Consolas" panose="020B0609020204030204" pitchFamily="49" charset="0"/>
-              </a:rPr>
-              <a:t>log</a:t>
-            </a:r>
-            <a:r>
-              <a:rPr lang="en-US" sz="1400" b="0" dirty="0">
-                <a:solidFill>
-                  <a:srgbClr val="000000"/>
-                </a:solidFill>
-                <a:effectLst/>
-                <a:latin typeface="Consolas" panose="020B0609020204030204" pitchFamily="49" charset="0"/>
-              </a:rPr>
-              <a:t>(</a:t>
+            <a:pPr>
+              <a:lnSpc>
+                <a:spcPts val="1425"/>
+              </a:lnSpc>
+            </a:pPr>
+            <a:r>
+              <a:rPr lang="en-US" sz="1400" b="0" dirty="0">
+                <a:solidFill>
+                  <a:srgbClr val="000000"/>
+                </a:solidFill>
+                <a:effectLst/>
+                <a:latin typeface="Consolas" panose="020B0609020204030204" pitchFamily="49" charset="0"/>
+              </a:rPr>
+              <a:t>        console.log(</a:t>
             </a:r>
             <a:r>
               <a:rPr lang="en-US" sz="1400" b="0" dirty="0">
@@ -13807,17 +13748,54 @@
                 <a:effectLst/>
                 <a:latin typeface="Consolas" panose="020B0609020204030204" pitchFamily="49" charset="0"/>
               </a:rPr>
-              <a:t> #3A is called on every render'</a:t>
-            </a:r>
-            <a:r>
-              <a:rPr lang="en-US" sz="1400" b="0" dirty="0">
-                <a:solidFill>
-                  <a:srgbClr val="000000"/>
-                </a:solidFill>
-                <a:effectLst/>
-                <a:latin typeface="Consolas" panose="020B0609020204030204" pitchFamily="49" charset="0"/>
-              </a:rPr>
-              <a:t>)})</a:t>
+              <a:t> #2MN is run when m or n changes'</a:t>
+            </a:r>
+            <a:r>
+              <a:rPr lang="en-US" sz="1400" b="0" dirty="0">
+                <a:solidFill>
+                  <a:srgbClr val="000000"/>
+                </a:solidFill>
+                <a:effectLst/>
+                <a:latin typeface="Consolas" panose="020B0609020204030204" pitchFamily="49" charset="0"/>
+              </a:rPr>
+              <a:t>)</a:t>
+            </a:r>
+          </a:p>
+          <a:p>
+            <a:pPr>
+              <a:lnSpc>
+                <a:spcPts val="1425"/>
+              </a:lnSpc>
+            </a:pPr>
+            <a:r>
+              <a:rPr lang="en-US" sz="1400" b="0" dirty="0">
+                <a:solidFill>
+                  <a:srgbClr val="000000"/>
+                </a:solidFill>
+                <a:effectLst/>
+                <a:latin typeface="Consolas" panose="020B0609020204030204" pitchFamily="49" charset="0"/>
+              </a:rPr>
+              <a:t>    }, [</a:t>
+            </a:r>
+            <a:r>
+              <a:rPr lang="en-US" sz="1400" b="0" dirty="0" err="1">
+                <a:solidFill>
+                  <a:srgbClr val="000000"/>
+                </a:solidFill>
+                <a:effectLst/>
+                <a:latin typeface="Consolas" panose="020B0609020204030204" pitchFamily="49" charset="0"/>
+              </a:rPr>
+              <a:t>m,n</a:t>
+            </a:r>
+            <a:r>
+              <a:rPr lang="en-US" sz="1400" b="0" dirty="0">
+                <a:solidFill>
+                  <a:srgbClr val="000000"/>
+                </a:solidFill>
+                <a:effectLst/>
+                <a:latin typeface="Consolas" panose="020B0609020204030204" pitchFamily="49" charset="0"/>
+              </a:rPr>
+              <a:t>]</a:t>
             </a:r>
           </a:p>
           <a:p>
@@ -13989,7 +13967,7 @@
                 <a:effectLst/>
                 <a:latin typeface="Consolas" panose="020B0609020204030204" pitchFamily="49" charset="0"/>
               </a:rPr>
-              <a:t> #3B is called on every render'</a:t>
+              <a:t> #3 is called on every render'</a:t>
             </a:r>
             <a:r>
               <a:rPr lang="en-US" sz="1400" b="0" dirty="0">
@@ -14016,8 +13994,10 @@
                 <a:effectLst/>
                 <a:latin typeface="Consolas" panose="020B0609020204030204" pitchFamily="49" charset="0"/>
               </a:rPr>
-              <a:t>// observe that effects run in order of definition</a:t>
-            </a:r>
+              <a:t>    // observe that effects run in order of definition</a:t>
+            </a:r>
+          </a:p>
+          <a:p>
             <a:endParaRPr lang="en-US" sz="1400" b="0" dirty="0">
               <a:solidFill>
                 <a:srgbClr val="000000"/>
@@ -14107,7 +14087,7 @@
                   <a:schemeClr val="tx1"/>
                 </a:solidFill>
               </a:rPr>
-              <a:t>/Apps/</a:t>
+              <a:t>/app/Apps/</a:t>
             </a:r>
             <a:r>
               <a:rPr lang="en-US" sz="2400" dirty="0" err="1">
@@ -16833,6 +16813,9 @@
                   <a:srgbClr val="795E26"/>
                 </a:solidFill>
                 <a:effectLst/>
+                <a:highlight>
+                  <a:srgbClr val="FFFF00"/>
+                </a:highlight>
                 <a:latin typeface="Consolas" panose="020B0609020204030204" pitchFamily="49" charset="0"/>
               </a:rPr>
               <a:t>cleanup</a:t>
@@ -16843,6 +16826,9 @@
                   <a:srgbClr val="3B3B3B"/>
                 </a:solidFill>
                 <a:effectLst/>
+                <a:highlight>
+                  <a:srgbClr val="FFFF00"/>
+                </a:highlight>
                 <a:latin typeface="Consolas" panose="020B0609020204030204" pitchFamily="49" charset="0"/>
               </a:rPr>
               <a:t>(</a:t>
@@ -16853,6 +16839,9 @@
                   <a:srgbClr val="A31515"/>
                 </a:solidFill>
                 <a:effectLst/>
+                <a:highlight>
+                  <a:srgbClr val="FFFF00"/>
+                </a:highlight>
                 <a:latin typeface="Consolas" panose="020B0609020204030204" pitchFamily="49" charset="0"/>
               </a:rPr>
               <a:t>'</a:t>
@@ -16863,6 +16852,9 @@
                   <a:srgbClr val="A31515"/>
                 </a:solidFill>
                 <a:effectLst/>
+                <a:highlight>
+                  <a:srgbClr val="FFFF00"/>
+                </a:highlight>
                 <a:latin typeface="Consolas" panose="020B0609020204030204" pitchFamily="49" charset="0"/>
               </a:rPr>
               <a:t>useEffect</a:t>
@@ -16873,6 +16865,9 @@
                   <a:srgbClr val="A31515"/>
                 </a:solidFill>
                 <a:effectLst/>
+                <a:highlight>
+                  <a:srgbClr val="FFFF00"/>
+                </a:highlight>
                 <a:latin typeface="Consolas" panose="020B0609020204030204" pitchFamily="49" charset="0"/>
               </a:rPr>
               <a:t> #1'</a:t>
@@ -16883,6 +16878,9 @@
                   <a:srgbClr val="3B3B3B"/>
                 </a:solidFill>
                 <a:effectLst/>
+                <a:highlight>
+                  <a:srgbClr val="FFFF00"/>
+                </a:highlight>
                 <a:latin typeface="Consolas" panose="020B0609020204030204" pitchFamily="49" charset="0"/>
               </a:rPr>
               <a:t>)</a:t>
@@ -17090,6 +17088,9 @@
                   <a:srgbClr val="795E26"/>
                 </a:solidFill>
                 <a:effectLst/>
+                <a:highlight>
+                  <a:srgbClr val="FFFF00"/>
+                </a:highlight>
                 <a:latin typeface="Consolas" panose="020B0609020204030204" pitchFamily="49" charset="0"/>
               </a:rPr>
               <a:t>cleanup</a:t>
@@ -17100,6 +17101,9 @@
                   <a:srgbClr val="3B3B3B"/>
                 </a:solidFill>
                 <a:effectLst/>
+                <a:highlight>
+                  <a:srgbClr val="FFFF00"/>
+                </a:highlight>
                 <a:latin typeface="Consolas" panose="020B0609020204030204" pitchFamily="49" charset="0"/>
               </a:rPr>
               <a:t>(</a:t>
@@ -17110,6 +17114,9 @@
                   <a:srgbClr val="A31515"/>
                 </a:solidFill>
                 <a:effectLst/>
+                <a:highlight>
+                  <a:srgbClr val="FFFF00"/>
+                </a:highlight>
                 <a:latin typeface="Consolas" panose="020B0609020204030204" pitchFamily="49" charset="0"/>
               </a:rPr>
               <a:t>'</a:t>
@@ -17120,6 +17127,9 @@
                   <a:srgbClr val="A31515"/>
                 </a:solidFill>
                 <a:effectLst/>
+                <a:highlight>
+                  <a:srgbClr val="FFFF00"/>
+                </a:highlight>
                 <a:latin typeface="Consolas" panose="020B0609020204030204" pitchFamily="49" charset="0"/>
               </a:rPr>
               <a:t>useEffect</a:t>
@@ -17130,6 +17140,9 @@
                   <a:srgbClr val="A31515"/>
                 </a:solidFill>
                 <a:effectLst/>
+                <a:highlight>
+                  <a:srgbClr val="FFFF00"/>
+                </a:highlight>
                 <a:latin typeface="Consolas" panose="020B0609020204030204" pitchFamily="49" charset="0"/>
               </a:rPr>
               <a:t> #2N'</a:t>
@@ -17140,6 +17153,9 @@
                   <a:srgbClr val="3B3B3B"/>
                 </a:solidFill>
                 <a:effectLst/>
+                <a:highlight>
+                  <a:srgbClr val="FFFF00"/>
+                </a:highlight>
                 <a:latin typeface="Consolas" panose="020B0609020204030204" pitchFamily="49" charset="0"/>
               </a:rPr>
               <a:t>)</a:t>
@@ -20330,8 +20346,8 @@
         </p:nvSpPr>
         <p:spPr>
           <a:xfrm>
-            <a:off x="4421171" y="157400"/>
-            <a:ext cx="7365258" cy="601981"/>
+            <a:off x="3922776" y="157400"/>
+            <a:ext cx="7863653" cy="601981"/>
           </a:xfrm>
           <a:prstGeom prst="roundRect">
             <a:avLst/>
@@ -22366,7 +22382,7 @@
                   <a:schemeClr val="tx1"/>
                 </a:solidFill>
               </a:rPr>
-              <a:t>ToDoAppOld</a:t>
+              <a:t>ToDoApp</a:t>
             </a:r>
             <a:r>
               <a:rPr lang="en-US" sz="2400" dirty="0">
@@ -24659,8 +24675,8 @@
         </p:nvSpPr>
         <p:spPr>
           <a:xfrm>
-            <a:off x="4409440" y="105538"/>
-            <a:ext cx="7589519" cy="601981"/>
+            <a:off x="3182112" y="105538"/>
+            <a:ext cx="8816847" cy="601981"/>
           </a:xfrm>
           <a:prstGeom prst="roundRect">
             <a:avLst/>
@@ -27559,7 +27575,7 @@
           </a:prstGeom>
           <a:extLst>
             <a:ext uri="{C572A759-6A51-4108-AA02-DFA0A04FC94B}">
-              <ma14:wrappingTextBoxFlag xmlns="" xmlns:m="http://schemas.openxmlformats.org/officeDocument/2006/math" xmlns:a14="http://schemas.microsoft.com/office/drawing/2010/main" xmlns:ma14="http://schemas.microsoft.com/office/mac/drawingml/2011/main" val="1"/>
+              <ma14:wrappingTextBoxFlag xmlns:ma14="http://schemas.microsoft.com/office/mac/drawingml/2011/main" xmlns:a14="http://schemas.microsoft.com/office/drawing/2010/main" xmlns:m="http://schemas.openxmlformats.org/officeDocument/2006/math" xmlns="" val="1"/>
             </a:ext>
           </a:extLst>
         </p:spPr>
@@ -27600,7 +27616,7 @@
           </a:ln>
           <a:extLst>
             <a:ext uri="{C572A759-6A51-4108-AA02-DFA0A04FC94B}">
-              <ma14:wrappingTextBoxFlag xmlns="" xmlns:m="http://schemas.openxmlformats.org/officeDocument/2006/math" xmlns:a14="http://schemas.microsoft.com/office/drawing/2010/main" xmlns:ma14="http://schemas.microsoft.com/office/mac/drawingml/2011/main" val="1"/>
+              <ma14:wrappingTextBoxFlag xmlns:ma14="http://schemas.microsoft.com/office/mac/drawingml/2011/main" xmlns:a14="http://schemas.microsoft.com/office/drawing/2010/main" xmlns:m="http://schemas.openxmlformats.org/officeDocument/2006/math" xmlns="" val="1"/>
             </a:ext>
           </a:extLst>
         </p:spPr>
@@ -27875,7 +27891,7 @@
             <a:effectLst/>
             <a:extLst>
               <a:ext uri="{C572A759-6A51-4108-AA02-DFA0A04FC94B}">
-                <ma14:wrappingTextBoxFlag xmlns="" xmlns:m="http://schemas.openxmlformats.org/officeDocument/2006/math" xmlns:a14="http://schemas.microsoft.com/office/drawing/2010/main" xmlns:ma14="http://schemas.microsoft.com/office/mac/drawingml/2011/main" val="1"/>
+                <ma14:wrappingTextBoxFlag xmlns:ma14="http://schemas.microsoft.com/office/mac/drawingml/2011/main" xmlns:a14="http://schemas.microsoft.com/office/drawing/2010/main" xmlns:m="http://schemas.openxmlformats.org/officeDocument/2006/math" xmlns="" val="1"/>
               </a:ext>
             </a:extLst>
           </p:spPr>
@@ -28219,7 +28235,7 @@
           </a:prstGeom>
           <a:extLst>
             <a:ext uri="{C572A759-6A51-4108-AA02-DFA0A04FC94B}">
-              <ma14:wrappingTextBoxFlag xmlns="" xmlns:m="http://schemas.openxmlformats.org/officeDocument/2006/math" xmlns:a14="http://schemas.microsoft.com/office/drawing/2010/main" xmlns:ma14="http://schemas.microsoft.com/office/mac/drawingml/2011/main" val="1"/>
+              <ma14:wrappingTextBoxFlag xmlns:ma14="http://schemas.microsoft.com/office/mac/drawingml/2011/main" xmlns:a14="http://schemas.microsoft.com/office/drawing/2010/main" xmlns:m="http://schemas.openxmlformats.org/officeDocument/2006/math" xmlns="" val="1"/>
             </a:ext>
           </a:extLst>
         </p:spPr>
@@ -28490,7 +28506,7 @@
           </a:prstGeom>
           <a:extLst>
             <a:ext uri="{C572A759-6A51-4108-AA02-DFA0A04FC94B}">
-              <ma14:wrappingTextBoxFlag xmlns:ma14="http://schemas.microsoft.com/office/mac/drawingml/2011/main" xmlns:a14="http://schemas.microsoft.com/office/drawing/2010/main" xmlns:m="http://schemas.openxmlformats.org/officeDocument/2006/math" xmlns="" val="1"/>
+              <ma14:wrappingTextBoxFlag xmlns="" xmlns:m="http://schemas.openxmlformats.org/officeDocument/2006/math" xmlns:a14="http://schemas.microsoft.com/office/drawing/2010/main" xmlns:ma14="http://schemas.microsoft.com/office/mac/drawingml/2011/main" val="1"/>
             </a:ext>
           </a:extLst>
         </p:spPr>
@@ -28534,7 +28550,7 @@
           </a:ln>
           <a:extLst>
             <a:ext uri="{C572A759-6A51-4108-AA02-DFA0A04FC94B}">
-              <ma14:wrappingTextBoxFlag xmlns:ma14="http://schemas.microsoft.com/office/mac/drawingml/2011/main" xmlns:a14="http://schemas.microsoft.com/office/drawing/2010/main" xmlns:m="http://schemas.openxmlformats.org/officeDocument/2006/math" xmlns="" val="1"/>
+              <ma14:wrappingTextBoxFlag xmlns="" xmlns:m="http://schemas.openxmlformats.org/officeDocument/2006/math" xmlns:a14="http://schemas.microsoft.com/office/drawing/2010/main" xmlns:ma14="http://schemas.microsoft.com/office/mac/drawingml/2011/main" val="1"/>
             </a:ext>
           </a:extLst>
         </p:spPr>
@@ -35793,8 +35809,8 @@
         </p:nvSpPr>
         <p:spPr>
           <a:xfrm>
-            <a:off x="6862865" y="910299"/>
-            <a:ext cx="5176128" cy="601981"/>
+            <a:off x="5431536" y="910299"/>
+            <a:ext cx="6607457" cy="601981"/>
           </a:xfrm>
           <a:prstGeom prst="roundRect">
             <a:avLst/>
@@ -35846,7 +35862,7 @@
                   <a:schemeClr val="tx1"/>
                 </a:solidFill>
               </a:rPr>
-              <a:t>/Components/</a:t>
+              <a:t>/app/Components/</a:t>
             </a:r>
             <a:r>
               <a:rPr lang="en-US" sz="2400" dirty="0" err="1">
@@ -35854,7 +35870,7 @@
                   <a:schemeClr val="tx1"/>
                 </a:solidFill>
               </a:rPr>
-              <a:t>ClockDisplay.tsx</a:t>
+              <a:t>SimpleClockDisplay.tsx</a:t>
             </a:r>
             <a:endParaRPr lang="en-US" sz="2400" dirty="0">
               <a:solidFill>
@@ -39461,8 +39477,8 @@
         </p:nvSpPr>
         <p:spPr>
           <a:xfrm>
-            <a:off x="7015872" y="76651"/>
-            <a:ext cx="5176128" cy="601981"/>
+            <a:off x="6551629" y="76651"/>
+            <a:ext cx="5640371" cy="601981"/>
           </a:xfrm>
           <a:prstGeom prst="roundRect">
             <a:avLst/>
@@ -39576,7 +39592,7 @@
         <p:spPr>
           <a:xfrm>
             <a:off x="6798732" y="1615529"/>
-            <a:ext cx="9110133" cy="4401205"/>
+            <a:ext cx="9110133" cy="4580741"/>
           </a:xfrm>
           <a:prstGeom prst="rect">
             <a:avLst/>
@@ -39645,6 +39661,83 @@
                 <a:latin typeface="Consolas" panose="020B0609020204030204" pitchFamily="49" charset="0"/>
               </a:rPr>
               <a:t> start() {</a:t>
+            </a:r>
+          </a:p>
+          <a:p>
+            <a:pPr>
+              <a:lnSpc>
+                <a:spcPts val="1425"/>
+              </a:lnSpc>
+            </a:pPr>
+            <a:r>
+              <a:rPr lang="en-US" sz="1400" b="0" dirty="0">
+                <a:solidFill>
+                  <a:srgbClr val="000000"/>
+                </a:solidFill>
+                <a:effectLst/>
+                <a:latin typeface="Consolas" panose="020B0609020204030204" pitchFamily="49" charset="0"/>
+              </a:rPr>
+              <a:t>        console.log(</a:t>
+            </a:r>
+            <a:r>
+              <a:rPr lang="en-US" sz="1400" b="0" dirty="0">
+                <a:solidFill>
+                  <a:srgbClr val="A31515"/>
+                </a:solidFill>
+                <a:effectLst/>
+                <a:latin typeface="Consolas" panose="020B0609020204030204" pitchFamily="49" charset="0"/>
+              </a:rPr>
+              <a:t>`Clock </a:t>
+            </a:r>
+            <a:r>
+              <a:rPr lang="en-US" sz="1400" b="0" dirty="0">
+                <a:solidFill>
+                  <a:srgbClr val="0000FF"/>
+                </a:solidFill>
+                <a:effectLst/>
+                <a:latin typeface="Consolas" panose="020B0609020204030204" pitchFamily="49" charset="0"/>
+              </a:rPr>
+              <a:t>${this</a:t>
+            </a:r>
+            <a:r>
+              <a:rPr lang="en-US" sz="1400" b="0" dirty="0">
+                <a:solidFill>
+                  <a:srgbClr val="000000"/>
+                </a:solidFill>
+                <a:effectLst/>
+                <a:latin typeface="Consolas" panose="020B0609020204030204" pitchFamily="49" charset="0"/>
+              </a:rPr>
+              <a:t>.id</a:t>
+            </a:r>
+            <a:r>
+              <a:rPr lang="en-US" sz="1400" b="0" dirty="0">
+                <a:solidFill>
+                  <a:srgbClr val="0000FF"/>
+                </a:solidFill>
+                <a:effectLst/>
+                <a:latin typeface="Consolas" panose="020B0609020204030204" pitchFamily="49" charset="0"/>
+              </a:rPr>
+              <a:t>}</a:t>
+            </a:r>
+            <a:r>
+              <a:rPr lang="en-US" sz="1400" b="0" dirty="0">
+                <a:solidFill>
+                  <a:srgbClr val="A31515"/>
+                </a:solidFill>
+                <a:effectLst/>
+                <a:latin typeface="Consolas" panose="020B0609020204030204" pitchFamily="49" charset="0"/>
+              </a:rPr>
+              <a:t> starting`</a:t>
+            </a:r>
+            <a:r>
+              <a:rPr lang="en-US" sz="1400" b="0" dirty="0">
+                <a:solidFill>
+                  <a:srgbClr val="000000"/>
+                </a:solidFill>
+                <a:effectLst/>
+                <a:latin typeface="Consolas" panose="020B0609020204030204" pitchFamily="49" charset="0"/>
+              </a:rPr>
+              <a:t>)</a:t>
             </a:r>
           </a:p>
           <a:p>
@@ -41153,8 +41246,8 @@
         </p:nvSpPr>
         <p:spPr>
           <a:xfrm>
-            <a:off x="6892304" y="838067"/>
-            <a:ext cx="5176128" cy="601981"/>
+            <a:off x="6007608" y="838067"/>
+            <a:ext cx="6060824" cy="601981"/>
           </a:xfrm>
           <a:prstGeom prst="roundRect">
             <a:avLst/>

--- a/Slides/Module 09 React Hooks.pptx
+++ b/Slides/Module 09 React Hooks.pptx
@@ -6545,7 +6545,7 @@
           <a:p>
             <a:fld id="{07C7BFD4-467E-4EDE-93EA-052F5B39A4E5}" type="datetime1">
               <a:rPr lang="en-US" smtClean="0"/>
-              <a:t>2/4/2025</a:t>
+              <a:t>2/5/2025</a:t>
             </a:fld>
             <a:endParaRPr lang="en-US"/>
           </a:p>
@@ -8005,7 +8005,7 @@
           </a:ln>
           <a:extLst>
             <a:ext uri="{C572A759-6A51-4108-AA02-DFA0A04FC94B}">
-              <ma14:wrappingTextBoxFlag xmlns:ma14="http://schemas.microsoft.com/office/mac/drawingml/2011/main" xmlns:a14="http://schemas.microsoft.com/office/drawing/2010/main" xmlns:m="http://schemas.openxmlformats.org/officeDocument/2006/math" xmlns="" val="1"/>
+              <ma14:wrappingTextBoxFlag xmlns="" xmlns:m="http://schemas.openxmlformats.org/officeDocument/2006/math" xmlns:a14="http://schemas.microsoft.com/office/drawing/2010/main" xmlns:ma14="http://schemas.microsoft.com/office/mac/drawingml/2011/main" val="1"/>
             </a:ext>
           </a:extLst>
         </p:spPr>
@@ -8116,7 +8116,7 @@
           </a:ln>
           <a:extLst>
             <a:ext uri="{C572A759-6A51-4108-AA02-DFA0A04FC94B}">
-              <ma14:wrappingTextBoxFlag xmlns:ma14="http://schemas.microsoft.com/office/mac/drawingml/2011/main" xmlns:a14="http://schemas.microsoft.com/office/drawing/2010/main" xmlns:m="http://schemas.openxmlformats.org/officeDocument/2006/math" xmlns="" val="1"/>
+              <ma14:wrappingTextBoxFlag xmlns="" xmlns:m="http://schemas.openxmlformats.org/officeDocument/2006/math" xmlns:a14="http://schemas.microsoft.com/office/drawing/2010/main" xmlns:ma14="http://schemas.microsoft.com/office/mac/drawingml/2011/main" val="1"/>
             </a:ext>
           </a:extLst>
         </p:spPr>
@@ -9015,7 +9015,7 @@
           </a:prstGeom>
           <a:extLst>
             <a:ext uri="{C572A759-6A51-4108-AA02-DFA0A04FC94B}">
-              <ma14:wrappingTextBoxFlag xmlns:ma14="http://schemas.microsoft.com/office/mac/drawingml/2011/main" xmlns:a14="http://schemas.microsoft.com/office/drawing/2010/main" xmlns:m="http://schemas.openxmlformats.org/officeDocument/2006/math" xmlns="" val="1"/>
+              <ma14:wrappingTextBoxFlag xmlns="" xmlns:m="http://schemas.openxmlformats.org/officeDocument/2006/math" xmlns:a14="http://schemas.microsoft.com/office/drawing/2010/main" xmlns:ma14="http://schemas.microsoft.com/office/mac/drawingml/2011/main" val="1"/>
             </a:ext>
           </a:extLst>
         </p:spPr>
@@ -9050,7 +9050,7 @@
           </a:ln>
           <a:extLst>
             <a:ext uri="{C572A759-6A51-4108-AA02-DFA0A04FC94B}">
-              <ma14:wrappingTextBoxFlag xmlns:ma14="http://schemas.microsoft.com/office/mac/drawingml/2011/main" xmlns:a14="http://schemas.microsoft.com/office/drawing/2010/main" xmlns:m="http://schemas.openxmlformats.org/officeDocument/2006/math" xmlns="" val="1"/>
+              <ma14:wrappingTextBoxFlag xmlns="" xmlns:m="http://schemas.openxmlformats.org/officeDocument/2006/math" xmlns:a14="http://schemas.microsoft.com/office/drawing/2010/main" xmlns:ma14="http://schemas.microsoft.com/office/mac/drawingml/2011/main" val="1"/>
             </a:ext>
           </a:extLst>
         </p:spPr>
@@ -15737,10 +15737,10 @@
       </p:sp>
       <p:pic>
         <p:nvPicPr>
-          <p:cNvPr id="5" name="Picture 4">
+          <p:cNvPr id="8" name="Picture 7">
             <a:extLst>
               <a:ext uri="{FF2B5EF4-FFF2-40B4-BE49-F238E27FC236}">
-                <a16:creationId xmlns:a16="http://schemas.microsoft.com/office/drawing/2014/main" id="{2C4F288C-ADBE-D863-24A3-6B2814863D39}"/>
+                <a16:creationId xmlns:a16="http://schemas.microsoft.com/office/drawing/2014/main" id="{437F3233-5FE3-35B8-D6D9-A620044C20C9}"/>
               </a:ext>
             </a:extLst>
           </p:cNvPr>
@@ -15757,8 +15757,38 @@
         </p:blipFill>
         <p:spPr>
           <a:xfrm>
-            <a:off x="0" y="1676741"/>
-            <a:ext cx="12192000" cy="4386841"/>
+            <a:off x="269913" y="1551404"/>
+            <a:ext cx="11497937" cy="2594528"/>
+          </a:xfrm>
+          <a:prstGeom prst="rect">
+            <a:avLst/>
+          </a:prstGeom>
+        </p:spPr>
+      </p:pic>
+      <p:pic>
+        <p:nvPicPr>
+          <p:cNvPr id="10" name="Picture 9">
+            <a:extLst>
+              <a:ext uri="{FF2B5EF4-FFF2-40B4-BE49-F238E27FC236}">
+                <a16:creationId xmlns:a16="http://schemas.microsoft.com/office/drawing/2014/main" id="{C65D8A92-398D-3334-36A1-157C8659F5A6}"/>
+              </a:ext>
+            </a:extLst>
+          </p:cNvPr>
+          <p:cNvPicPr>
+            <a:picLocks noChangeAspect="1"/>
+          </p:cNvPicPr>
+          <p:nvPr/>
+        </p:nvPicPr>
+        <p:blipFill>
+          <a:blip r:embed="rId4"/>
+          <a:stretch>
+            <a:fillRect/>
+          </a:stretch>
+        </p:blipFill>
+        <p:spPr>
+          <a:xfrm>
+            <a:off x="269912" y="1595726"/>
+            <a:ext cx="11497937" cy="3666476"/>
           </a:xfrm>
           <a:prstGeom prst="rect">
             <a:avLst/>
@@ -15776,6 +15806,129 @@
     <a:masterClrMapping/>
   </p:clrMapOvr>
   <p:transition spd="med"/>
+  <p:timing>
+    <p:tnLst>
+      <p:par>
+        <p:cTn id="1" dur="indefinite" restart="never" nodeType="tmRoot">
+          <p:childTnLst>
+            <p:seq concurrent="1" nextAc="seek">
+              <p:cTn id="2" dur="indefinite" nodeType="mainSeq">
+                <p:childTnLst>
+                  <p:par>
+                    <p:cTn id="3" fill="hold">
+                      <p:stCondLst>
+                        <p:cond delay="indefinite"/>
+                        <p:cond evt="onBegin" delay="0">
+                          <p:tn val="2"/>
+                        </p:cond>
+                      </p:stCondLst>
+                      <p:childTnLst>
+                        <p:par>
+                          <p:cTn id="4" fill="hold">
+                            <p:stCondLst>
+                              <p:cond delay="0"/>
+                            </p:stCondLst>
+                            <p:childTnLst>
+                              <p:par>
+                                <p:cTn id="5" presetID="1" presetClass="entr" presetSubtype="0" fill="hold" nodeType="withEffect">
+                                  <p:stCondLst>
+                                    <p:cond delay="0"/>
+                                  </p:stCondLst>
+                                  <p:childTnLst>
+                                    <p:set>
+                                      <p:cBhvr>
+                                        <p:cTn id="6" dur="1" fill="hold">
+                                          <p:stCondLst>
+                                            <p:cond delay="0"/>
+                                          </p:stCondLst>
+                                        </p:cTn>
+                                        <p:tgtEl>
+                                          <p:spTgt spid="8"/>
+                                        </p:tgtEl>
+                                        <p:attrNameLst>
+                                          <p:attrName>style.visibility</p:attrName>
+                                        </p:attrNameLst>
+                                      </p:cBhvr>
+                                      <p:to>
+                                        <p:strVal val="visible"/>
+                                      </p:to>
+                                    </p:set>
+                                  </p:childTnLst>
+                                </p:cTn>
+                              </p:par>
+                            </p:childTnLst>
+                          </p:cTn>
+                        </p:par>
+                      </p:childTnLst>
+                    </p:cTn>
+                  </p:par>
+                  <p:par>
+                    <p:cTn id="7" fill="hold">
+                      <p:stCondLst>
+                        <p:cond delay="indefinite"/>
+                      </p:stCondLst>
+                      <p:childTnLst>
+                        <p:par>
+                          <p:cTn id="8" fill="hold">
+                            <p:stCondLst>
+                              <p:cond delay="0"/>
+                            </p:stCondLst>
+                            <p:childTnLst>
+                              <p:par>
+                                <p:cTn id="9" presetID="1" presetClass="entr" presetSubtype="0" fill="hold" nodeType="clickEffect">
+                                  <p:stCondLst>
+                                    <p:cond delay="0"/>
+                                  </p:stCondLst>
+                                  <p:childTnLst>
+                                    <p:set>
+                                      <p:cBhvr>
+                                        <p:cTn id="10" dur="1" fill="hold">
+                                          <p:stCondLst>
+                                            <p:cond delay="0"/>
+                                          </p:stCondLst>
+                                        </p:cTn>
+                                        <p:tgtEl>
+                                          <p:spTgt spid="10"/>
+                                        </p:tgtEl>
+                                        <p:attrNameLst>
+                                          <p:attrName>style.visibility</p:attrName>
+                                        </p:attrNameLst>
+                                      </p:cBhvr>
+                                      <p:to>
+                                        <p:strVal val="visible"/>
+                                      </p:to>
+                                    </p:set>
+                                  </p:childTnLst>
+                                </p:cTn>
+                              </p:par>
+                            </p:childTnLst>
+                          </p:cTn>
+                        </p:par>
+                      </p:childTnLst>
+                    </p:cTn>
+                  </p:par>
+                </p:childTnLst>
+              </p:cTn>
+              <p:prevCondLst>
+                <p:cond evt="onPrev" delay="0">
+                  <p:tgtEl>
+                    <p:sldTgt/>
+                  </p:tgtEl>
+                </p:cond>
+              </p:prevCondLst>
+              <p:nextCondLst>
+                <p:cond evt="onNext" delay="0">
+                  <p:tgtEl>
+                    <p:sldTgt/>
+                  </p:tgtEl>
+                </p:cond>
+              </p:nextCondLst>
+            </p:seq>
+          </p:childTnLst>
+        </p:cTn>
+      </p:par>
+    </p:tnLst>
+  </p:timing>
 </p:sld>
 </file>
 
@@ -17425,10 +17578,10 @@
       </p:sp>
       <p:pic>
         <p:nvPicPr>
-          <p:cNvPr id="5" name="Picture 4">
+          <p:cNvPr id="12" name="Picture 11">
             <a:extLst>
               <a:ext uri="{FF2B5EF4-FFF2-40B4-BE49-F238E27FC236}">
-                <a16:creationId xmlns:a16="http://schemas.microsoft.com/office/drawing/2014/main" id="{8EA3F860-29F9-9A7C-A793-7F2ECE6FF4FB}"/>
+                <a16:creationId xmlns:a16="http://schemas.microsoft.com/office/drawing/2014/main" id="{E4A5DC3F-DA64-F3F4-C259-D31E218E9593}"/>
               </a:ext>
             </a:extLst>
           </p:cNvPr>
@@ -17445,8 +17598,38 @@
         </p:blipFill>
         <p:spPr>
           <a:xfrm>
-            <a:off x="123092" y="696965"/>
-            <a:ext cx="12192000" cy="5464069"/>
+            <a:off x="496288" y="1640022"/>
+            <a:ext cx="11437088" cy="2618322"/>
+          </a:xfrm>
+          <a:prstGeom prst="rect">
+            <a:avLst/>
+          </a:prstGeom>
+        </p:spPr>
+      </p:pic>
+      <p:pic>
+        <p:nvPicPr>
+          <p:cNvPr id="14" name="Picture 13">
+            <a:extLst>
+              <a:ext uri="{FF2B5EF4-FFF2-40B4-BE49-F238E27FC236}">
+                <a16:creationId xmlns:a16="http://schemas.microsoft.com/office/drawing/2014/main" id="{F547D154-4707-10B5-D8F5-17477BA742A7}"/>
+              </a:ext>
+            </a:extLst>
+          </p:cNvPr>
+          <p:cNvPicPr>
+            <a:picLocks noChangeAspect="1"/>
+          </p:cNvPicPr>
+          <p:nvPr/>
+        </p:nvPicPr>
+        <p:blipFill>
+          <a:blip r:embed="rId4"/>
+          <a:stretch>
+            <a:fillRect/>
+          </a:stretch>
+        </p:blipFill>
+        <p:spPr>
+          <a:xfrm>
+            <a:off x="377456" y="1640022"/>
+            <a:ext cx="11555920" cy="4429098"/>
           </a:xfrm>
           <a:prstGeom prst="rect">
             <a:avLst/>
@@ -17464,6 +17647,129 @@
     <a:masterClrMapping/>
   </p:clrMapOvr>
   <p:transition spd="med"/>
+  <p:timing>
+    <p:tnLst>
+      <p:par>
+        <p:cTn id="1" dur="indefinite" restart="never" nodeType="tmRoot">
+          <p:childTnLst>
+            <p:seq concurrent="1" nextAc="seek">
+              <p:cTn id="2" dur="indefinite" nodeType="mainSeq">
+                <p:childTnLst>
+                  <p:par>
+                    <p:cTn id="3" fill="hold">
+                      <p:stCondLst>
+                        <p:cond delay="indefinite"/>
+                        <p:cond evt="onBegin" delay="0">
+                          <p:tn val="2"/>
+                        </p:cond>
+                      </p:stCondLst>
+                      <p:childTnLst>
+                        <p:par>
+                          <p:cTn id="4" fill="hold">
+                            <p:stCondLst>
+                              <p:cond delay="0"/>
+                            </p:stCondLst>
+                            <p:childTnLst>
+                              <p:par>
+                                <p:cTn id="5" presetID="1" presetClass="entr" presetSubtype="0" fill="hold" nodeType="withEffect">
+                                  <p:stCondLst>
+                                    <p:cond delay="0"/>
+                                  </p:stCondLst>
+                                  <p:childTnLst>
+                                    <p:set>
+                                      <p:cBhvr>
+                                        <p:cTn id="6" dur="1" fill="hold">
+                                          <p:stCondLst>
+                                            <p:cond delay="0"/>
+                                          </p:stCondLst>
+                                        </p:cTn>
+                                        <p:tgtEl>
+                                          <p:spTgt spid="12"/>
+                                        </p:tgtEl>
+                                        <p:attrNameLst>
+                                          <p:attrName>style.visibility</p:attrName>
+                                        </p:attrNameLst>
+                                      </p:cBhvr>
+                                      <p:to>
+                                        <p:strVal val="visible"/>
+                                      </p:to>
+                                    </p:set>
+                                  </p:childTnLst>
+                                </p:cTn>
+                              </p:par>
+                            </p:childTnLst>
+                          </p:cTn>
+                        </p:par>
+                      </p:childTnLst>
+                    </p:cTn>
+                  </p:par>
+                  <p:par>
+                    <p:cTn id="7" fill="hold">
+                      <p:stCondLst>
+                        <p:cond delay="indefinite"/>
+                      </p:stCondLst>
+                      <p:childTnLst>
+                        <p:par>
+                          <p:cTn id="8" fill="hold">
+                            <p:stCondLst>
+                              <p:cond delay="0"/>
+                            </p:stCondLst>
+                            <p:childTnLst>
+                              <p:par>
+                                <p:cTn id="9" presetID="1" presetClass="entr" presetSubtype="0" fill="hold" nodeType="clickEffect">
+                                  <p:stCondLst>
+                                    <p:cond delay="0"/>
+                                  </p:stCondLst>
+                                  <p:childTnLst>
+                                    <p:set>
+                                      <p:cBhvr>
+                                        <p:cTn id="10" dur="1" fill="hold">
+                                          <p:stCondLst>
+                                            <p:cond delay="0"/>
+                                          </p:stCondLst>
+                                        </p:cTn>
+                                        <p:tgtEl>
+                                          <p:spTgt spid="14"/>
+                                        </p:tgtEl>
+                                        <p:attrNameLst>
+                                          <p:attrName>style.visibility</p:attrName>
+                                        </p:attrNameLst>
+                                      </p:cBhvr>
+                                      <p:to>
+                                        <p:strVal val="visible"/>
+                                      </p:to>
+                                    </p:set>
+                                  </p:childTnLst>
+                                </p:cTn>
+                              </p:par>
+                            </p:childTnLst>
+                          </p:cTn>
+                        </p:par>
+                      </p:childTnLst>
+                    </p:cTn>
+                  </p:par>
+                </p:childTnLst>
+              </p:cTn>
+              <p:prevCondLst>
+                <p:cond evt="onPrev" delay="0">
+                  <p:tgtEl>
+                    <p:sldTgt/>
+                  </p:tgtEl>
+                </p:cond>
+              </p:prevCondLst>
+              <p:nextCondLst>
+                <p:cond evt="onNext" delay="0">
+                  <p:tgtEl>
+                    <p:sldTgt/>
+                  </p:tgtEl>
+                </p:cond>
+              </p:nextCondLst>
+            </p:seq>
+          </p:childTnLst>
+        </p:cTn>
+      </p:par>
+    </p:tnLst>
+  </p:timing>
 </p:sld>
 </file>
 
@@ -27575,7 +27881,7 @@
           </a:prstGeom>
           <a:extLst>
             <a:ext uri="{C572A759-6A51-4108-AA02-DFA0A04FC94B}">
-              <ma14:wrappingTextBoxFlag xmlns:ma14="http://schemas.microsoft.com/office/mac/drawingml/2011/main" xmlns:a14="http://schemas.microsoft.com/office/drawing/2010/main" xmlns:m="http://schemas.openxmlformats.org/officeDocument/2006/math" xmlns="" val="1"/>
+              <ma14:wrappingTextBoxFlag xmlns="" xmlns:m="http://schemas.openxmlformats.org/officeDocument/2006/math" xmlns:a14="http://schemas.microsoft.com/office/drawing/2010/main" xmlns:ma14="http://schemas.microsoft.com/office/mac/drawingml/2011/main" val="1"/>
             </a:ext>
           </a:extLst>
         </p:spPr>
@@ -27616,7 +27922,7 @@
           </a:ln>
           <a:extLst>
             <a:ext uri="{C572A759-6A51-4108-AA02-DFA0A04FC94B}">
-              <ma14:wrappingTextBoxFlag xmlns:ma14="http://schemas.microsoft.com/office/mac/drawingml/2011/main" xmlns:a14="http://schemas.microsoft.com/office/drawing/2010/main" xmlns:m="http://schemas.openxmlformats.org/officeDocument/2006/math" xmlns="" val="1"/>
+              <ma14:wrappingTextBoxFlag xmlns="" xmlns:m="http://schemas.openxmlformats.org/officeDocument/2006/math" xmlns:a14="http://schemas.microsoft.com/office/drawing/2010/main" xmlns:ma14="http://schemas.microsoft.com/office/mac/drawingml/2011/main" val="1"/>
             </a:ext>
           </a:extLst>
         </p:spPr>
@@ -27891,7 +28197,7 @@
             <a:effectLst/>
             <a:extLst>
               <a:ext uri="{C572A759-6A51-4108-AA02-DFA0A04FC94B}">
-                <ma14:wrappingTextBoxFlag xmlns:ma14="http://schemas.microsoft.com/office/mac/drawingml/2011/main" xmlns:a14="http://schemas.microsoft.com/office/drawing/2010/main" xmlns:m="http://schemas.openxmlformats.org/officeDocument/2006/math" xmlns="" val="1"/>
+                <ma14:wrappingTextBoxFlag xmlns="" xmlns:m="http://schemas.openxmlformats.org/officeDocument/2006/math" xmlns:a14="http://schemas.microsoft.com/office/drawing/2010/main" xmlns:ma14="http://schemas.microsoft.com/office/mac/drawingml/2011/main" val="1"/>
               </a:ext>
             </a:extLst>
           </p:spPr>
@@ -28235,7 +28541,7 @@
           </a:prstGeom>
           <a:extLst>
             <a:ext uri="{C572A759-6A51-4108-AA02-DFA0A04FC94B}">
-              <ma14:wrappingTextBoxFlag xmlns:ma14="http://schemas.microsoft.com/office/mac/drawingml/2011/main" xmlns:a14="http://schemas.microsoft.com/office/drawing/2010/main" xmlns:m="http://schemas.openxmlformats.org/officeDocument/2006/math" xmlns="" val="1"/>
+              <ma14:wrappingTextBoxFlag xmlns="" xmlns:m="http://schemas.openxmlformats.org/officeDocument/2006/math" xmlns:a14="http://schemas.microsoft.com/office/drawing/2010/main" xmlns:ma14="http://schemas.microsoft.com/office/mac/drawingml/2011/main" val="1"/>
             </a:ext>
           </a:extLst>
         </p:spPr>
@@ -28506,7 +28812,7 @@
           </a:prstGeom>
           <a:extLst>
             <a:ext uri="{C572A759-6A51-4108-AA02-DFA0A04FC94B}">
-              <ma14:wrappingTextBoxFlag xmlns="" xmlns:m="http://schemas.openxmlformats.org/officeDocument/2006/math" xmlns:a14="http://schemas.microsoft.com/office/drawing/2010/main" xmlns:ma14="http://schemas.microsoft.com/office/mac/drawingml/2011/main" val="1"/>
+              <ma14:wrappingTextBoxFlag xmlns:ma14="http://schemas.microsoft.com/office/mac/drawingml/2011/main" xmlns:a14="http://schemas.microsoft.com/office/drawing/2010/main" xmlns:m="http://schemas.openxmlformats.org/officeDocument/2006/math" xmlns="" val="1"/>
             </a:ext>
           </a:extLst>
         </p:spPr>
@@ -28550,7 +28856,7 @@
           </a:ln>
           <a:extLst>
             <a:ext uri="{C572A759-6A51-4108-AA02-DFA0A04FC94B}">
-              <ma14:wrappingTextBoxFlag xmlns="" xmlns:m="http://schemas.openxmlformats.org/officeDocument/2006/math" xmlns:a14="http://schemas.microsoft.com/office/drawing/2010/main" xmlns:ma14="http://schemas.microsoft.com/office/mac/drawingml/2011/main" val="1"/>
+              <ma14:wrappingTextBoxFlag xmlns:ma14="http://schemas.microsoft.com/office/mac/drawingml/2011/main" xmlns:a14="http://schemas.microsoft.com/office/drawing/2010/main" xmlns:m="http://schemas.openxmlformats.org/officeDocument/2006/math" xmlns="" val="1"/>
             </a:ext>
           </a:extLst>
         </p:spPr>
